--- a/alpine_software_techlab.pptx
+++ b/alpine_software_techlab.pptx
@@ -5,52 +5,54 @@
     <p:sldMasterId id="2147483660" r:id="rId4"/>
   </p:sldMasterIdLst>
   <p:notesMasterIdLst>
-    <p:notesMasterId r:id="rId48"/>
+    <p:notesMasterId r:id="rId50"/>
   </p:notesMasterIdLst>
   <p:sldIdLst>
     <p:sldId id="260" r:id="rId5"/>
     <p:sldId id="348" r:id="rId6"/>
-    <p:sldId id="293" r:id="rId7"/>
-    <p:sldId id="328" r:id="rId8"/>
-    <p:sldId id="317" r:id="rId9"/>
-    <p:sldId id="329" r:id="rId10"/>
-    <p:sldId id="332" r:id="rId11"/>
-    <p:sldId id="333" r:id="rId12"/>
-    <p:sldId id="331" r:id="rId13"/>
-    <p:sldId id="334" r:id="rId14"/>
-    <p:sldId id="327" r:id="rId15"/>
-    <p:sldId id="320" r:id="rId16"/>
-    <p:sldId id="319" r:id="rId17"/>
-    <p:sldId id="322" r:id="rId18"/>
-    <p:sldId id="323" r:id="rId19"/>
-    <p:sldId id="326" r:id="rId20"/>
-    <p:sldId id="318" r:id="rId21"/>
-    <p:sldId id="324" r:id="rId22"/>
-    <p:sldId id="325" r:id="rId23"/>
-    <p:sldId id="321" r:id="rId24"/>
-    <p:sldId id="338" r:id="rId25"/>
-    <p:sldId id="339" r:id="rId26"/>
-    <p:sldId id="342" r:id="rId27"/>
-    <p:sldId id="341" r:id="rId28"/>
-    <p:sldId id="340" r:id="rId29"/>
-    <p:sldId id="346" r:id="rId30"/>
-    <p:sldId id="347" r:id="rId31"/>
-    <p:sldId id="343" r:id="rId32"/>
-    <p:sldId id="345" r:id="rId33"/>
-    <p:sldId id="301" r:id="rId34"/>
-    <p:sldId id="305" r:id="rId35"/>
-    <p:sldId id="307" r:id="rId36"/>
-    <p:sldId id="308" r:id="rId37"/>
-    <p:sldId id="315" r:id="rId38"/>
-    <p:sldId id="316" r:id="rId39"/>
-    <p:sldId id="304" r:id="rId40"/>
-    <p:sldId id="309" r:id="rId41"/>
-    <p:sldId id="310" r:id="rId42"/>
-    <p:sldId id="314" r:id="rId43"/>
-    <p:sldId id="336" r:id="rId44"/>
-    <p:sldId id="337" r:id="rId45"/>
-    <p:sldId id="276" r:id="rId46"/>
-    <p:sldId id="266" r:id="rId47"/>
+    <p:sldId id="349" r:id="rId7"/>
+    <p:sldId id="293" r:id="rId8"/>
+    <p:sldId id="328" r:id="rId9"/>
+    <p:sldId id="317" r:id="rId10"/>
+    <p:sldId id="329" r:id="rId11"/>
+    <p:sldId id="332" r:id="rId12"/>
+    <p:sldId id="333" r:id="rId13"/>
+    <p:sldId id="331" r:id="rId14"/>
+    <p:sldId id="334" r:id="rId15"/>
+    <p:sldId id="350" r:id="rId16"/>
+    <p:sldId id="327" r:id="rId17"/>
+    <p:sldId id="320" r:id="rId18"/>
+    <p:sldId id="319" r:id="rId19"/>
+    <p:sldId id="322" r:id="rId20"/>
+    <p:sldId id="323" r:id="rId21"/>
+    <p:sldId id="326" r:id="rId22"/>
+    <p:sldId id="318" r:id="rId23"/>
+    <p:sldId id="324" r:id="rId24"/>
+    <p:sldId id="325" r:id="rId25"/>
+    <p:sldId id="321" r:id="rId26"/>
+    <p:sldId id="338" r:id="rId27"/>
+    <p:sldId id="339" r:id="rId28"/>
+    <p:sldId id="342" r:id="rId29"/>
+    <p:sldId id="341" r:id="rId30"/>
+    <p:sldId id="340" r:id="rId31"/>
+    <p:sldId id="346" r:id="rId32"/>
+    <p:sldId id="347" r:id="rId33"/>
+    <p:sldId id="343" r:id="rId34"/>
+    <p:sldId id="345" r:id="rId35"/>
+    <p:sldId id="301" r:id="rId36"/>
+    <p:sldId id="305" r:id="rId37"/>
+    <p:sldId id="307" r:id="rId38"/>
+    <p:sldId id="308" r:id="rId39"/>
+    <p:sldId id="315" r:id="rId40"/>
+    <p:sldId id="316" r:id="rId41"/>
+    <p:sldId id="304" r:id="rId42"/>
+    <p:sldId id="309" r:id="rId43"/>
+    <p:sldId id="310" r:id="rId44"/>
+    <p:sldId id="314" r:id="rId45"/>
+    <p:sldId id="336" r:id="rId46"/>
+    <p:sldId id="337" r:id="rId47"/>
+    <p:sldId id="276" r:id="rId48"/>
+    <p:sldId id="266" r:id="rId49"/>
   </p:sldIdLst>
   <p:sldSz cx="12192000" cy="6858000"/>
   <p:notesSz cx="6858000" cy="9144000"/>
@@ -256,7 +258,7 @@
           <a:p>
             <a:fld id="{EFDA08D6-E137-3341-A5EE-84219A24203E}" type="datetimeFigureOut">
               <a:rPr lang="en-US" smtClean="0"/>
-              <a:t>2/28/2024</a:t>
+              <a:t>3/4/2024</a:t>
             </a:fld>
             <a:endParaRPr lang="en-US"/>
           </a:p>
@@ -651,7 +653,19 @@
           <a:bodyPr/>
           <a:lstStyle/>
           <a:p>
+            <a:r>
+              <a:rPr lang="en-US"/>
+              <a:t>Okay, so let’s say you want to use a third-party software that isn’t available as a module. What do you do? You have to build your own software!</a:t>
+            </a:r>
+          </a:p>
+          <a:p>
             <a:endParaRPr lang="en-US"/>
+          </a:p>
+          <a:p>
+            <a:r>
+              <a:rPr lang="en-US"/>
+              <a:t>Let’s get some definitions out of the way.</a:t>
+            </a:r>
           </a:p>
         </p:txBody>
       </p:sp>
@@ -672,7 +686,7 @@
           <a:p>
             <a:fld id="{A926901F-C6C3-9E47-9843-744856EDDD7A}" type="slidenum">
               <a:rPr lang="en-US" smtClean="0"/>
-              <a:t>12</a:t>
+              <a:t>13</a:t>
             </a:fld>
             <a:endParaRPr lang="en-US"/>
           </a:p>
@@ -681,7 +695,7 @@
     </p:spTree>
     <p:extLst>
       <p:ext uri="{BB962C8B-B14F-4D97-AF65-F5344CB8AC3E}">
-        <p14:creationId xmlns:p14="http://schemas.microsoft.com/office/powerpoint/2010/main" val="1916290660"/>
+        <p14:creationId xmlns:p14="http://schemas.microsoft.com/office/powerpoint/2010/main" val="349788503"/>
       </p:ext>
     </p:extLst>
   </p:cSld>
@@ -735,18 +749,7 @@
           <a:bodyPr/>
           <a:lstStyle/>
           <a:p>
-            <a:r>
-              <a:rPr lang="en-US"/>
-              <a:t>optimizing for certain hardware (intel compilers on Blanca’s intel CPUs, </a:t>
-            </a:r>
-            <a:r>
-              <a:rPr lang="en-US" err="1"/>
-              <a:t>cuda</a:t>
-            </a:r>
-            <a:r>
-              <a:rPr lang="en-US"/>
-              <a:t> compilers for CUDA code to run on NVIDIA GPUs, linked against certain high-performing math libraries, certain MPI implementations, etc.)</a:t>
-            </a:r>
+            <a:endParaRPr lang="en-US"/>
           </a:p>
         </p:txBody>
       </p:sp>
@@ -767,7 +770,7 @@
           <a:p>
             <a:fld id="{A926901F-C6C3-9E47-9843-744856EDDD7A}" type="slidenum">
               <a:rPr lang="en-US" smtClean="0"/>
-              <a:t>13</a:t>
+              <a:t>14</a:t>
             </a:fld>
             <a:endParaRPr lang="en-US"/>
           </a:p>
@@ -776,7 +779,7 @@
     </p:spTree>
     <p:extLst>
       <p:ext uri="{BB962C8B-B14F-4D97-AF65-F5344CB8AC3E}">
-        <p14:creationId xmlns:p14="http://schemas.microsoft.com/office/powerpoint/2010/main" val="4220970805"/>
+        <p14:creationId xmlns:p14="http://schemas.microsoft.com/office/powerpoint/2010/main" val="1916290660"/>
       </p:ext>
     </p:extLst>
   </p:cSld>
@@ -831,14 +834,16 @@
           <a:lstStyle/>
           <a:p>
             <a:r>
-              <a:rPr lang="en-US" b="0" i="0">
-                <a:solidFill>
-                  <a:srgbClr val="202122"/>
-                </a:solidFill>
-                <a:effectLst/>
-                <a:latin typeface="Arial" panose="020B0604020202020204" pitchFamily="34" charset="0"/>
-              </a:rPr>
-              <a:t>High level programming languages are easy for humans to write, understand and maintain. But a computer only understands 0s and 1s, so these languages can’t be executed directly. A Compiler translates this code into a binary file, which can be executed.</a:t>
+              <a:rPr lang="en-US"/>
+              <a:t>optimizing for certain hardware (intel compilers on Blanca’s intel CPUs, </a:t>
+            </a:r>
+            <a:r>
+              <a:rPr lang="en-US" err="1"/>
+              <a:t>cuda</a:t>
+            </a:r>
+            <a:r>
+              <a:rPr lang="en-US"/>
+              <a:t> compilers for CUDA code to run on NVIDIA GPUs, linked against certain high-performing math libraries, certain MPI implementations, etc.)</a:t>
             </a:r>
           </a:p>
         </p:txBody>
@@ -860,7 +865,7 @@
           <a:p>
             <a:fld id="{A926901F-C6C3-9E47-9843-744856EDDD7A}" type="slidenum">
               <a:rPr lang="en-US" smtClean="0"/>
-              <a:t>14</a:t>
+              <a:t>15</a:t>
             </a:fld>
             <a:endParaRPr lang="en-US"/>
           </a:p>
@@ -869,7 +874,7 @@
     </p:spTree>
     <p:extLst>
       <p:ext uri="{BB962C8B-B14F-4D97-AF65-F5344CB8AC3E}">
-        <p14:creationId xmlns:p14="http://schemas.microsoft.com/office/powerpoint/2010/main" val="741476961"/>
+        <p14:creationId xmlns:p14="http://schemas.microsoft.com/office/powerpoint/2010/main" val="4220970805"/>
       </p:ext>
     </p:extLst>
   </p:cSld>
@@ -931,425 +936,8 @@
                 <a:effectLst/>
                 <a:latin typeface="Arial" panose="020B0604020202020204" pitchFamily="34" charset="0"/>
               </a:rPr>
-              <a:t>When compiling an application (target) from multiple files, one might need to use another program called the linker to bind the different parts together. A handy tool to automate the process of compiling and linking is a build system, such as </a:t>
-            </a:r>
-            <a:r>
-              <a:rPr lang="en-US" b="0" i="0" u="none" strike="noStrike">
-                <a:solidFill>
-                  <a:srgbClr val="0645AD"/>
-                </a:solidFill>
-                <a:effectLst/>
-                <a:latin typeface="Arial" panose="020B0604020202020204" pitchFamily="34" charset="0"/>
-                <a:hlinkClick r:id="rId3" tooltip="Make"/>
-              </a:rPr>
-              <a:t>make</a:t>
-            </a:r>
-            <a:r>
-              <a:rPr lang="en-US" b="0" i="0">
-                <a:solidFill>
-                  <a:srgbClr val="202122"/>
-                </a:solidFill>
-                <a:effectLst/>
-                <a:latin typeface="Arial" panose="020B0604020202020204" pitchFamily="34" charset="0"/>
-              </a:rPr>
-              <a:t>, which manages build dependencies between different compilation units. When dealing with more complex applications, build system generators, such as </a:t>
-            </a:r>
-            <a:r>
-              <a:rPr lang="en-US" b="0" i="0" u="none" strike="noStrike">
-                <a:solidFill>
-                  <a:srgbClr val="BA0000"/>
-                </a:solidFill>
-                <a:effectLst/>
-                <a:latin typeface="Arial" panose="020B0604020202020204" pitchFamily="34" charset="0"/>
-                <a:hlinkClick r:id="rId4" tooltip="Autotools (page does not exist)"/>
-              </a:rPr>
-              <a:t>Autotools</a:t>
-            </a:r>
-            <a:r>
-              <a:rPr lang="en-US" b="0" i="0">
-                <a:solidFill>
-                  <a:srgbClr val="202122"/>
-                </a:solidFill>
-                <a:effectLst/>
-                <a:latin typeface="Arial" panose="020B0604020202020204" pitchFamily="34" charset="0"/>
-              </a:rPr>
-              <a:t> or </a:t>
-            </a:r>
-            <a:r>
-              <a:rPr lang="en-US" b="0" i="0" u="none" strike="noStrike">
-                <a:solidFill>
-                  <a:srgbClr val="0645AD"/>
-                </a:solidFill>
-                <a:effectLst/>
-                <a:latin typeface="Arial" panose="020B0604020202020204" pitchFamily="34" charset="0"/>
-                <a:hlinkClick r:id="rId5" tooltip="Cmake"/>
-              </a:rPr>
-              <a:t>CMake</a:t>
-            </a:r>
-            <a:r>
-              <a:rPr lang="en-US" b="0" i="0">
-                <a:solidFill>
-                  <a:srgbClr val="202122"/>
-                </a:solidFill>
-                <a:effectLst/>
-                <a:latin typeface="Arial" panose="020B0604020202020204" pitchFamily="34" charset="0"/>
-              </a:rPr>
-              <a:t>, may prove valuable to handle such dependencies.</a:t>
-            </a:r>
-          </a:p>
-          <a:p>
-            <a:endParaRPr lang="en-US" b="0" i="0">
-              <a:solidFill>
-                <a:srgbClr val="202122"/>
-              </a:solidFill>
-              <a:effectLst/>
-              <a:latin typeface="Arial" panose="020B0604020202020204" pitchFamily="34" charset="0"/>
-            </a:endParaRPr>
-          </a:p>
-          <a:p>
-            <a:pPr algn="l">
-              <a:buFont typeface="+mj-lt"/>
-              <a:buAutoNum type="arabicPeriod"/>
-            </a:pPr>
-            <a:r>
-              <a:rPr lang="en-US" b="0" i="0">
-                <a:solidFill>
-                  <a:srgbClr val="454547"/>
-                </a:solidFill>
-                <a:effectLst/>
-                <a:latin typeface="Calibre"/>
-              </a:rPr>
-              <a:t>Configure the software</a:t>
-            </a:r>
-          </a:p>
-          <a:p>
-            <a:pPr algn="l">
-              <a:buFont typeface="+mj-lt"/>
-              <a:buAutoNum type="arabicPeriod"/>
-            </a:pPr>
-            <a:r>
-              <a:rPr lang="en-US" b="0" i="0">
-                <a:solidFill>
-                  <a:srgbClr val="454547"/>
-                </a:solidFill>
-                <a:effectLst/>
-                <a:latin typeface="Calibre"/>
-              </a:rPr>
-              <a:t>The configure script is responsible for getting ready to build the software on your specific system. It makes sure all of the dependencies for the rest of the build and install process are available, and finds out whatever it needs to know to use those dependencies.</a:t>
-            </a:r>
-          </a:p>
-          <a:p>
-            <a:pPr algn="l">
-              <a:buFont typeface="+mj-lt"/>
-              <a:buAutoNum type="arabicPeriod"/>
-            </a:pPr>
-            <a:r>
-              <a:rPr lang="en-US" b="0" i="0">
-                <a:solidFill>
-                  <a:srgbClr val="454547"/>
-                </a:solidFill>
-                <a:effectLst/>
-                <a:latin typeface="Calibre"/>
-              </a:rPr>
-              <a:t>Unix programs are often written in C, so we’ll usually need a C compiler to build them. In these cases the configure script will establish that your system does indeed have a C compiler, and find out what it’s called and where to find it.</a:t>
-            </a:r>
-          </a:p>
-          <a:p>
-            <a:pPr algn="l">
-              <a:buFont typeface="+mj-lt"/>
-              <a:buAutoNum type="arabicPeriod"/>
-            </a:pPr>
-            <a:r>
-              <a:rPr lang="en-US" b="0" i="0">
-                <a:solidFill>
-                  <a:srgbClr val="454547"/>
-                </a:solidFill>
-                <a:effectLst/>
-                <a:latin typeface="Calibre"/>
-              </a:rPr>
-              <a:t>Build the software</a:t>
-            </a:r>
-          </a:p>
-          <a:p>
-            <a:pPr algn="l">
-              <a:buFont typeface="+mj-lt"/>
-              <a:buAutoNum type="arabicPeriod"/>
-            </a:pPr>
-            <a:r>
-              <a:rPr lang="en-US" b="0" i="0">
-                <a:solidFill>
-                  <a:srgbClr val="454547"/>
-                </a:solidFill>
-                <a:effectLst/>
-                <a:latin typeface="Calibre"/>
-              </a:rPr>
-              <a:t>Once configure has done its job, we can invoke make to build the software. This runs a series of tasks defined in a </a:t>
-            </a:r>
-            <a:r>
-              <a:rPr lang="en-US" b="0" i="0" err="1">
-                <a:solidFill>
-                  <a:srgbClr val="454547"/>
-                </a:solidFill>
-                <a:effectLst/>
-                <a:latin typeface="Calibre"/>
-              </a:rPr>
-              <a:t>Makefile</a:t>
-            </a:r>
-            <a:r>
-              <a:rPr lang="en-US" b="0" i="0">
-                <a:solidFill>
-                  <a:srgbClr val="454547"/>
-                </a:solidFill>
-                <a:effectLst/>
-                <a:latin typeface="Calibre"/>
-              </a:rPr>
-              <a:t> to build the finished program from its source code.</a:t>
-            </a:r>
-          </a:p>
-          <a:p>
-            <a:pPr algn="l">
-              <a:buFont typeface="+mj-lt"/>
-              <a:buAutoNum type="arabicPeriod"/>
-            </a:pPr>
-            <a:r>
-              <a:rPr lang="en-US" b="0" i="0">
-                <a:solidFill>
-                  <a:srgbClr val="454547"/>
-                </a:solidFill>
-                <a:effectLst/>
-                <a:latin typeface="Calibre"/>
-              </a:rPr>
-              <a:t>The </a:t>
-            </a:r>
-            <a:r>
-              <a:rPr lang="en-US" b="0" i="0" err="1">
-                <a:solidFill>
-                  <a:srgbClr val="454547"/>
-                </a:solidFill>
-                <a:effectLst/>
-                <a:latin typeface="Calibre"/>
-              </a:rPr>
-              <a:t>tarball</a:t>
-            </a:r>
-            <a:r>
-              <a:rPr lang="en-US" b="0" i="0">
-                <a:solidFill>
-                  <a:srgbClr val="454547"/>
-                </a:solidFill>
-                <a:effectLst/>
-                <a:latin typeface="Calibre"/>
-              </a:rPr>
-              <a:t> you download usually doesn’t include a finished </a:t>
-            </a:r>
-            <a:r>
-              <a:rPr lang="en-US" b="0" i="0" err="1">
-                <a:solidFill>
-                  <a:srgbClr val="454547"/>
-                </a:solidFill>
-                <a:effectLst/>
-                <a:latin typeface="Calibre"/>
-              </a:rPr>
-              <a:t>Makefile</a:t>
-            </a:r>
-            <a:r>
-              <a:rPr lang="en-US" b="0" i="0">
-                <a:solidFill>
-                  <a:srgbClr val="454547"/>
-                </a:solidFill>
-                <a:effectLst/>
-                <a:latin typeface="Calibre"/>
-              </a:rPr>
-              <a:t>. Instead it comes with a template called </a:t>
-            </a:r>
-            <a:r>
-              <a:rPr lang="en-US" b="0" i="0" err="1">
-                <a:solidFill>
-                  <a:srgbClr val="454547"/>
-                </a:solidFill>
-                <a:effectLst/>
-                <a:latin typeface="Calibre"/>
-              </a:rPr>
-              <a:t>Makefile.in</a:t>
-            </a:r>
-            <a:r>
-              <a:rPr lang="en-US" b="0" i="0">
-                <a:solidFill>
-                  <a:srgbClr val="454547"/>
-                </a:solidFill>
-                <a:effectLst/>
-                <a:latin typeface="Calibre"/>
-              </a:rPr>
-              <a:t> and the configure script produces a </a:t>
-            </a:r>
-            <a:r>
-              <a:rPr lang="en-US" b="0" i="0" err="1">
-                <a:solidFill>
-                  <a:srgbClr val="454547"/>
-                </a:solidFill>
-                <a:effectLst/>
-                <a:latin typeface="Calibre"/>
-              </a:rPr>
-              <a:t>customised</a:t>
-            </a:r>
-            <a:r>
-              <a:rPr lang="en-US" b="0" i="0">
-                <a:solidFill>
-                  <a:srgbClr val="454547"/>
-                </a:solidFill>
-                <a:effectLst/>
-                <a:latin typeface="Calibre"/>
-              </a:rPr>
-              <a:t> </a:t>
-            </a:r>
-            <a:r>
-              <a:rPr lang="en-US" b="0" i="0" err="1">
-                <a:solidFill>
-                  <a:srgbClr val="454547"/>
-                </a:solidFill>
-                <a:effectLst/>
-                <a:latin typeface="Calibre"/>
-              </a:rPr>
-              <a:t>Makefile</a:t>
-            </a:r>
-            <a:r>
-              <a:rPr lang="en-US" b="0" i="0">
-                <a:solidFill>
-                  <a:srgbClr val="454547"/>
-                </a:solidFill>
-                <a:effectLst/>
-                <a:latin typeface="Calibre"/>
-              </a:rPr>
-              <a:t> specific to your system.</a:t>
-            </a:r>
-          </a:p>
-          <a:p>
-            <a:pPr algn="l">
-              <a:buFont typeface="+mj-lt"/>
-              <a:buAutoNum type="arabicPeriod"/>
-            </a:pPr>
-            <a:r>
-              <a:rPr lang="en-US" b="0" i="0">
-                <a:solidFill>
-                  <a:srgbClr val="454547"/>
-                </a:solidFill>
-                <a:effectLst/>
-                <a:latin typeface="Calibre"/>
-              </a:rPr>
-              <a:t>Install the software</a:t>
-            </a:r>
-          </a:p>
-          <a:p>
-            <a:pPr algn="l">
-              <a:buFont typeface="+mj-lt"/>
-              <a:buAutoNum type="arabicPeriod"/>
-            </a:pPr>
-            <a:r>
-              <a:rPr lang="en-US" b="0" i="0">
-                <a:solidFill>
-                  <a:srgbClr val="454547"/>
-                </a:solidFill>
-                <a:effectLst/>
-                <a:latin typeface="Calibre"/>
-              </a:rPr>
-              <a:t>Now that the software is built and ready to run, the files can be copied to their final destinations. The make install command will copy the built program, and its libraries and documentation, to the correct locations.</a:t>
-            </a:r>
-          </a:p>
-          <a:p>
-            <a:pPr algn="l">
-              <a:buFont typeface="+mj-lt"/>
-              <a:buAutoNum type="arabicPeriod"/>
-            </a:pPr>
-            <a:r>
-              <a:rPr lang="en-US" b="0" i="0">
-                <a:solidFill>
-                  <a:srgbClr val="454547"/>
-                </a:solidFill>
-                <a:effectLst/>
-                <a:latin typeface="Calibre"/>
-              </a:rPr>
-              <a:t>This usually means that the program’s binary will be copied to a directory on your PATH, the program’s manual page will be copied to a directory on your MANPATH, and any other files it depends on will be safely stored in the appropriate place.</a:t>
-            </a:r>
-          </a:p>
-          <a:p>
-            <a:pPr algn="l">
-              <a:buFont typeface="+mj-lt"/>
-              <a:buAutoNum type="arabicPeriod"/>
-            </a:pPr>
-            <a:r>
-              <a:rPr lang="en-US" b="0" i="0">
-                <a:solidFill>
-                  <a:srgbClr val="454547"/>
-                </a:solidFill>
-                <a:effectLst/>
-                <a:latin typeface="Calibre"/>
-              </a:rPr>
-              <a:t>Since the install step is also defined in the </a:t>
-            </a:r>
-            <a:r>
-              <a:rPr lang="en-US" b="0" i="0" err="1">
-                <a:solidFill>
-                  <a:srgbClr val="454547"/>
-                </a:solidFill>
-                <a:effectLst/>
-                <a:latin typeface="Calibre"/>
-              </a:rPr>
-              <a:t>Makefile</a:t>
-            </a:r>
-            <a:r>
-              <a:rPr lang="en-US" b="0" i="0">
-                <a:solidFill>
-                  <a:srgbClr val="454547"/>
-                </a:solidFill>
-                <a:effectLst/>
-                <a:latin typeface="Calibre"/>
-              </a:rPr>
-              <a:t>, where the software is installed can change based on options passed to the configure script, or things the configure script discovered about your system.</a:t>
-            </a:r>
-          </a:p>
-          <a:p>
-            <a:pPr algn="l">
-              <a:buFont typeface="+mj-lt"/>
-              <a:buAutoNum type="arabicPeriod"/>
-            </a:pPr>
-            <a:r>
-              <a:rPr lang="en-US" b="0" i="0">
-                <a:solidFill>
-                  <a:srgbClr val="454547"/>
-                </a:solidFill>
-                <a:effectLst/>
-                <a:latin typeface="Calibre"/>
-              </a:rPr>
-              <a:t>Depending on where the software is being installed, you might need escalated permissions for this step so you can copy files to system directories. Using </a:t>
-            </a:r>
-            <a:r>
-              <a:rPr lang="en-US" b="0" i="0" err="1">
-                <a:solidFill>
-                  <a:srgbClr val="454547"/>
-                </a:solidFill>
-                <a:effectLst/>
-                <a:latin typeface="Calibre"/>
-              </a:rPr>
-              <a:t>sudo</a:t>
-            </a:r>
-            <a:r>
-              <a:rPr lang="en-US" b="0" i="0">
-                <a:solidFill>
-                  <a:srgbClr val="454547"/>
-                </a:solidFill>
-                <a:effectLst/>
-                <a:latin typeface="Calibre"/>
-              </a:rPr>
-              <a:t> will often do the trick</a:t>
-            </a:r>
-          </a:p>
-          <a:p>
-            <a:endParaRPr lang="en-US" b="0" i="0">
-              <a:solidFill>
-                <a:srgbClr val="202122"/>
-              </a:solidFill>
-              <a:effectLst/>
-              <a:latin typeface="Arial" panose="020B0604020202020204" pitchFamily="34" charset="0"/>
-            </a:endParaRPr>
+              <a:t>High level programming languages are easy for humans to write, understand and maintain. But a computer only understands 0s and 1s, so these languages can’t be executed directly. A Compiler translates this code into a binary file, which can be executed.</a:t>
+            </a:r>
           </a:p>
         </p:txBody>
       </p:sp>
@@ -1370,7 +958,7 @@
           <a:p>
             <a:fld id="{A926901F-C6C3-9E47-9843-744856EDDD7A}" type="slidenum">
               <a:rPr lang="en-US" smtClean="0"/>
-              <a:t>15</a:t>
+              <a:t>16</a:t>
             </a:fld>
             <a:endParaRPr lang="en-US"/>
           </a:p>
@@ -1379,7 +967,7 @@
     </p:spTree>
     <p:extLst>
       <p:ext uri="{BB962C8B-B14F-4D97-AF65-F5344CB8AC3E}">
-        <p14:creationId xmlns:p14="http://schemas.microsoft.com/office/powerpoint/2010/main" val="1600570073"/>
+        <p14:creationId xmlns:p14="http://schemas.microsoft.com/office/powerpoint/2010/main" val="741476961"/>
       </p:ext>
     </p:extLst>
   </p:cSld>
@@ -1507,6 +1095,360 @@
               <a:t>, may prove valuable to handle such dependencies.</a:t>
             </a:r>
           </a:p>
+          <a:p>
+            <a:endParaRPr lang="en-US" b="0" i="0">
+              <a:solidFill>
+                <a:srgbClr val="202122"/>
+              </a:solidFill>
+              <a:effectLst/>
+              <a:latin typeface="Arial" panose="020B0604020202020204" pitchFamily="34" charset="0"/>
+            </a:endParaRPr>
+          </a:p>
+          <a:p>
+            <a:pPr algn="l">
+              <a:buFont typeface="+mj-lt"/>
+              <a:buAutoNum type="arabicPeriod"/>
+            </a:pPr>
+            <a:r>
+              <a:rPr lang="en-US" b="0" i="0">
+                <a:solidFill>
+                  <a:srgbClr val="454547"/>
+                </a:solidFill>
+                <a:effectLst/>
+                <a:latin typeface="Calibre"/>
+              </a:rPr>
+              <a:t>Configure the software</a:t>
+            </a:r>
+          </a:p>
+          <a:p>
+            <a:pPr algn="l">
+              <a:buFont typeface="+mj-lt"/>
+              <a:buAutoNum type="arabicPeriod"/>
+            </a:pPr>
+            <a:r>
+              <a:rPr lang="en-US" b="0" i="0">
+                <a:solidFill>
+                  <a:srgbClr val="454547"/>
+                </a:solidFill>
+                <a:effectLst/>
+                <a:latin typeface="Calibre"/>
+              </a:rPr>
+              <a:t>The configure script is responsible for getting ready to build the software on your specific system. It makes sure all of the dependencies for the rest of the build and install process are available, and finds out whatever it needs to know to use those dependencies.</a:t>
+            </a:r>
+          </a:p>
+          <a:p>
+            <a:pPr algn="l">
+              <a:buFont typeface="+mj-lt"/>
+              <a:buAutoNum type="arabicPeriod"/>
+            </a:pPr>
+            <a:r>
+              <a:rPr lang="en-US" b="0" i="0">
+                <a:solidFill>
+                  <a:srgbClr val="454547"/>
+                </a:solidFill>
+                <a:effectLst/>
+                <a:latin typeface="Calibre"/>
+              </a:rPr>
+              <a:t>Unix programs are often written in C, so we’ll usually need a C compiler to build them. In these cases the configure script will establish that your system does indeed have a C compiler, and find out what it’s called and where to find it.</a:t>
+            </a:r>
+          </a:p>
+          <a:p>
+            <a:pPr algn="l">
+              <a:buFont typeface="+mj-lt"/>
+              <a:buAutoNum type="arabicPeriod"/>
+            </a:pPr>
+            <a:r>
+              <a:rPr lang="en-US" b="0" i="0">
+                <a:solidFill>
+                  <a:srgbClr val="454547"/>
+                </a:solidFill>
+                <a:effectLst/>
+                <a:latin typeface="Calibre"/>
+              </a:rPr>
+              <a:t>Build the software</a:t>
+            </a:r>
+          </a:p>
+          <a:p>
+            <a:pPr algn="l">
+              <a:buFont typeface="+mj-lt"/>
+              <a:buAutoNum type="arabicPeriod"/>
+            </a:pPr>
+            <a:r>
+              <a:rPr lang="en-US" b="0" i="0">
+                <a:solidFill>
+                  <a:srgbClr val="454547"/>
+                </a:solidFill>
+                <a:effectLst/>
+                <a:latin typeface="Calibre"/>
+              </a:rPr>
+              <a:t>Once configure has done its job, we can invoke make to build the software. This runs a series of tasks defined in a </a:t>
+            </a:r>
+            <a:r>
+              <a:rPr lang="en-US" b="0" i="0" err="1">
+                <a:solidFill>
+                  <a:srgbClr val="454547"/>
+                </a:solidFill>
+                <a:effectLst/>
+                <a:latin typeface="Calibre"/>
+              </a:rPr>
+              <a:t>Makefile</a:t>
+            </a:r>
+            <a:r>
+              <a:rPr lang="en-US" b="0" i="0">
+                <a:solidFill>
+                  <a:srgbClr val="454547"/>
+                </a:solidFill>
+                <a:effectLst/>
+                <a:latin typeface="Calibre"/>
+              </a:rPr>
+              <a:t> to build the finished program from its source code.</a:t>
+            </a:r>
+          </a:p>
+          <a:p>
+            <a:pPr algn="l">
+              <a:buFont typeface="+mj-lt"/>
+              <a:buAutoNum type="arabicPeriod"/>
+            </a:pPr>
+            <a:r>
+              <a:rPr lang="en-US" b="0" i="0">
+                <a:solidFill>
+                  <a:srgbClr val="454547"/>
+                </a:solidFill>
+                <a:effectLst/>
+                <a:latin typeface="Calibre"/>
+              </a:rPr>
+              <a:t>The </a:t>
+            </a:r>
+            <a:r>
+              <a:rPr lang="en-US" b="0" i="0" err="1">
+                <a:solidFill>
+                  <a:srgbClr val="454547"/>
+                </a:solidFill>
+                <a:effectLst/>
+                <a:latin typeface="Calibre"/>
+              </a:rPr>
+              <a:t>tarball</a:t>
+            </a:r>
+            <a:r>
+              <a:rPr lang="en-US" b="0" i="0">
+                <a:solidFill>
+                  <a:srgbClr val="454547"/>
+                </a:solidFill>
+                <a:effectLst/>
+                <a:latin typeface="Calibre"/>
+              </a:rPr>
+              <a:t> you download usually doesn’t include a finished </a:t>
+            </a:r>
+            <a:r>
+              <a:rPr lang="en-US" b="0" i="0" err="1">
+                <a:solidFill>
+                  <a:srgbClr val="454547"/>
+                </a:solidFill>
+                <a:effectLst/>
+                <a:latin typeface="Calibre"/>
+              </a:rPr>
+              <a:t>Makefile</a:t>
+            </a:r>
+            <a:r>
+              <a:rPr lang="en-US" b="0" i="0">
+                <a:solidFill>
+                  <a:srgbClr val="454547"/>
+                </a:solidFill>
+                <a:effectLst/>
+                <a:latin typeface="Calibre"/>
+              </a:rPr>
+              <a:t>. Instead it comes with a template called </a:t>
+            </a:r>
+            <a:r>
+              <a:rPr lang="en-US" b="0" i="0" err="1">
+                <a:solidFill>
+                  <a:srgbClr val="454547"/>
+                </a:solidFill>
+                <a:effectLst/>
+                <a:latin typeface="Calibre"/>
+              </a:rPr>
+              <a:t>Makefile.in</a:t>
+            </a:r>
+            <a:r>
+              <a:rPr lang="en-US" b="0" i="0">
+                <a:solidFill>
+                  <a:srgbClr val="454547"/>
+                </a:solidFill>
+                <a:effectLst/>
+                <a:latin typeface="Calibre"/>
+              </a:rPr>
+              <a:t> and the configure script produces a </a:t>
+            </a:r>
+            <a:r>
+              <a:rPr lang="en-US" b="0" i="0" err="1">
+                <a:solidFill>
+                  <a:srgbClr val="454547"/>
+                </a:solidFill>
+                <a:effectLst/>
+                <a:latin typeface="Calibre"/>
+              </a:rPr>
+              <a:t>customised</a:t>
+            </a:r>
+            <a:r>
+              <a:rPr lang="en-US" b="0" i="0">
+                <a:solidFill>
+                  <a:srgbClr val="454547"/>
+                </a:solidFill>
+                <a:effectLst/>
+                <a:latin typeface="Calibre"/>
+              </a:rPr>
+              <a:t> </a:t>
+            </a:r>
+            <a:r>
+              <a:rPr lang="en-US" b="0" i="0" err="1">
+                <a:solidFill>
+                  <a:srgbClr val="454547"/>
+                </a:solidFill>
+                <a:effectLst/>
+                <a:latin typeface="Calibre"/>
+              </a:rPr>
+              <a:t>Makefile</a:t>
+            </a:r>
+            <a:r>
+              <a:rPr lang="en-US" b="0" i="0">
+                <a:solidFill>
+                  <a:srgbClr val="454547"/>
+                </a:solidFill>
+                <a:effectLst/>
+                <a:latin typeface="Calibre"/>
+              </a:rPr>
+              <a:t> specific to your system.</a:t>
+            </a:r>
+          </a:p>
+          <a:p>
+            <a:pPr algn="l">
+              <a:buFont typeface="+mj-lt"/>
+              <a:buAutoNum type="arabicPeriod"/>
+            </a:pPr>
+            <a:r>
+              <a:rPr lang="en-US" b="0" i="0">
+                <a:solidFill>
+                  <a:srgbClr val="454547"/>
+                </a:solidFill>
+                <a:effectLst/>
+                <a:latin typeface="Calibre"/>
+              </a:rPr>
+              <a:t>Install the software</a:t>
+            </a:r>
+          </a:p>
+          <a:p>
+            <a:pPr algn="l">
+              <a:buFont typeface="+mj-lt"/>
+              <a:buAutoNum type="arabicPeriod"/>
+            </a:pPr>
+            <a:r>
+              <a:rPr lang="en-US" b="0" i="0">
+                <a:solidFill>
+                  <a:srgbClr val="454547"/>
+                </a:solidFill>
+                <a:effectLst/>
+                <a:latin typeface="Calibre"/>
+              </a:rPr>
+              <a:t>Now that the software is built and ready to run, the files can be copied to their final destinations. The make install command will copy the built program, and its libraries and documentation, to the correct locations.</a:t>
+            </a:r>
+          </a:p>
+          <a:p>
+            <a:pPr algn="l">
+              <a:buFont typeface="+mj-lt"/>
+              <a:buAutoNum type="arabicPeriod"/>
+            </a:pPr>
+            <a:r>
+              <a:rPr lang="en-US" b="0" i="0">
+                <a:solidFill>
+                  <a:srgbClr val="454547"/>
+                </a:solidFill>
+                <a:effectLst/>
+                <a:latin typeface="Calibre"/>
+              </a:rPr>
+              <a:t>This usually means that the program’s binary will be copied to a directory on your PATH, the program’s manual page will be copied to a directory on your MANPATH, and any other files it depends on will be safely stored in the appropriate place.</a:t>
+            </a:r>
+          </a:p>
+          <a:p>
+            <a:pPr algn="l">
+              <a:buFont typeface="+mj-lt"/>
+              <a:buAutoNum type="arabicPeriod"/>
+            </a:pPr>
+            <a:r>
+              <a:rPr lang="en-US" b="0" i="0">
+                <a:solidFill>
+                  <a:srgbClr val="454547"/>
+                </a:solidFill>
+                <a:effectLst/>
+                <a:latin typeface="Calibre"/>
+              </a:rPr>
+              <a:t>Since the install step is also defined in the </a:t>
+            </a:r>
+            <a:r>
+              <a:rPr lang="en-US" b="0" i="0" err="1">
+                <a:solidFill>
+                  <a:srgbClr val="454547"/>
+                </a:solidFill>
+                <a:effectLst/>
+                <a:latin typeface="Calibre"/>
+              </a:rPr>
+              <a:t>Makefile</a:t>
+            </a:r>
+            <a:r>
+              <a:rPr lang="en-US" b="0" i="0">
+                <a:solidFill>
+                  <a:srgbClr val="454547"/>
+                </a:solidFill>
+                <a:effectLst/>
+                <a:latin typeface="Calibre"/>
+              </a:rPr>
+              <a:t>, where the software is installed can change based on options passed to the configure script, or things the configure script discovered about your system.</a:t>
+            </a:r>
+          </a:p>
+          <a:p>
+            <a:pPr algn="l">
+              <a:buFont typeface="+mj-lt"/>
+              <a:buAutoNum type="arabicPeriod"/>
+            </a:pPr>
+            <a:r>
+              <a:rPr lang="en-US" b="0" i="0">
+                <a:solidFill>
+                  <a:srgbClr val="454547"/>
+                </a:solidFill>
+                <a:effectLst/>
+                <a:latin typeface="Calibre"/>
+              </a:rPr>
+              <a:t>Depending on where the software is being installed, you might need escalated permissions for this step so you can copy files to system directories. Using </a:t>
+            </a:r>
+            <a:r>
+              <a:rPr lang="en-US" b="0" i="0" err="1">
+                <a:solidFill>
+                  <a:srgbClr val="454547"/>
+                </a:solidFill>
+                <a:effectLst/>
+                <a:latin typeface="Calibre"/>
+              </a:rPr>
+              <a:t>sudo</a:t>
+            </a:r>
+            <a:r>
+              <a:rPr lang="en-US" b="0" i="0">
+                <a:solidFill>
+                  <a:srgbClr val="454547"/>
+                </a:solidFill>
+                <a:effectLst/>
+                <a:latin typeface="Calibre"/>
+              </a:rPr>
+              <a:t> will often do the trick</a:t>
+            </a:r>
+          </a:p>
+          <a:p>
+            <a:endParaRPr lang="en-US" b="0" i="0">
+              <a:solidFill>
+                <a:srgbClr val="202122"/>
+              </a:solidFill>
+              <a:effectLst/>
+              <a:latin typeface="Arial" panose="020B0604020202020204" pitchFamily="34" charset="0"/>
+            </a:endParaRPr>
+          </a:p>
         </p:txBody>
       </p:sp>
       <p:sp>
@@ -1526,7 +1468,7 @@
           <a:p>
             <a:fld id="{A926901F-C6C3-9E47-9843-744856EDDD7A}" type="slidenum">
               <a:rPr lang="en-US" smtClean="0"/>
-              <a:t>16</a:t>
+              <a:t>17</a:t>
             </a:fld>
             <a:endParaRPr lang="en-US"/>
           </a:p>
@@ -1535,7 +1477,7 @@
     </p:spTree>
     <p:extLst>
       <p:ext uri="{BB962C8B-B14F-4D97-AF65-F5344CB8AC3E}">
-        <p14:creationId xmlns:p14="http://schemas.microsoft.com/office/powerpoint/2010/main" val="2565400108"/>
+        <p14:creationId xmlns:p14="http://schemas.microsoft.com/office/powerpoint/2010/main" val="1600570073"/>
       </p:ext>
     </p:extLst>
   </p:cSld>
@@ -1589,7 +1531,79 @@
           <a:bodyPr/>
           <a:lstStyle/>
           <a:p>
-            <a:endParaRPr lang="en-US"/>
+            <a:r>
+              <a:rPr lang="en-US" b="0" i="0">
+                <a:solidFill>
+                  <a:srgbClr val="202122"/>
+                </a:solidFill>
+                <a:effectLst/>
+                <a:latin typeface="Arial" panose="020B0604020202020204" pitchFamily="34" charset="0"/>
+              </a:rPr>
+              <a:t>When compiling an application (target) from multiple files, one might need to use another program called the linker to bind the different parts together. A handy tool to automate the process of compiling and linking is a build system, such as </a:t>
+            </a:r>
+            <a:r>
+              <a:rPr lang="en-US" b="0" i="0" u="none" strike="noStrike">
+                <a:solidFill>
+                  <a:srgbClr val="0645AD"/>
+                </a:solidFill>
+                <a:effectLst/>
+                <a:latin typeface="Arial" panose="020B0604020202020204" pitchFamily="34" charset="0"/>
+                <a:hlinkClick r:id="rId3" tooltip="Make"/>
+              </a:rPr>
+              <a:t>make</a:t>
+            </a:r>
+            <a:r>
+              <a:rPr lang="en-US" b="0" i="0">
+                <a:solidFill>
+                  <a:srgbClr val="202122"/>
+                </a:solidFill>
+                <a:effectLst/>
+                <a:latin typeface="Arial" panose="020B0604020202020204" pitchFamily="34" charset="0"/>
+              </a:rPr>
+              <a:t>, which manages build dependencies between different compilation units. When dealing with more complex applications, build system generators, such as </a:t>
+            </a:r>
+            <a:r>
+              <a:rPr lang="en-US" b="0" i="0" u="none" strike="noStrike">
+                <a:solidFill>
+                  <a:srgbClr val="BA0000"/>
+                </a:solidFill>
+                <a:effectLst/>
+                <a:latin typeface="Arial" panose="020B0604020202020204" pitchFamily="34" charset="0"/>
+                <a:hlinkClick r:id="rId4" tooltip="Autotools (page does not exist)"/>
+              </a:rPr>
+              <a:t>Autotools</a:t>
+            </a:r>
+            <a:r>
+              <a:rPr lang="en-US" b="0" i="0">
+                <a:solidFill>
+                  <a:srgbClr val="202122"/>
+                </a:solidFill>
+                <a:effectLst/>
+                <a:latin typeface="Arial" panose="020B0604020202020204" pitchFamily="34" charset="0"/>
+              </a:rPr>
+              <a:t> or </a:t>
+            </a:r>
+            <a:r>
+              <a:rPr lang="en-US" b="0" i="0" u="none" strike="noStrike">
+                <a:solidFill>
+                  <a:srgbClr val="0645AD"/>
+                </a:solidFill>
+                <a:effectLst/>
+                <a:latin typeface="Arial" panose="020B0604020202020204" pitchFamily="34" charset="0"/>
+                <a:hlinkClick r:id="rId5" tooltip="Cmake"/>
+              </a:rPr>
+              <a:t>CMake</a:t>
+            </a:r>
+            <a:r>
+              <a:rPr lang="en-US" b="0" i="0">
+                <a:solidFill>
+                  <a:srgbClr val="202122"/>
+                </a:solidFill>
+                <a:effectLst/>
+                <a:latin typeface="Arial" panose="020B0604020202020204" pitchFamily="34" charset="0"/>
+              </a:rPr>
+              <a:t>, may prove valuable to handle such dependencies.</a:t>
+            </a:r>
           </a:p>
         </p:txBody>
       </p:sp>
@@ -1619,7 +1633,7 @@
     </p:spTree>
     <p:extLst>
       <p:ext uri="{BB962C8B-B14F-4D97-AF65-F5344CB8AC3E}">
-        <p14:creationId xmlns:p14="http://schemas.microsoft.com/office/powerpoint/2010/main" val="581982737"/>
+        <p14:creationId xmlns:p14="http://schemas.microsoft.com/office/powerpoint/2010/main" val="2565400108"/>
       </p:ext>
     </p:extLst>
   </p:cSld>
@@ -1703,7 +1717,7 @@
     </p:spTree>
     <p:extLst>
       <p:ext uri="{BB962C8B-B14F-4D97-AF65-F5344CB8AC3E}">
-        <p14:creationId xmlns:p14="http://schemas.microsoft.com/office/powerpoint/2010/main" val="1110999703"/>
+        <p14:creationId xmlns:p14="http://schemas.microsoft.com/office/powerpoint/2010/main" val="581982737"/>
       </p:ext>
     </p:extLst>
   </p:cSld>
@@ -1778,7 +1792,7 @@
           <a:p>
             <a:fld id="{A926901F-C6C3-9E47-9843-744856EDDD7A}" type="slidenum">
               <a:rPr lang="en-US" smtClean="0"/>
-              <a:t>21</a:t>
+              <a:t>22</a:t>
             </a:fld>
             <a:endParaRPr lang="en-US"/>
           </a:p>
@@ -1787,7 +1801,7 @@
     </p:spTree>
     <p:extLst>
       <p:ext uri="{BB962C8B-B14F-4D97-AF65-F5344CB8AC3E}">
-        <p14:creationId xmlns:p14="http://schemas.microsoft.com/office/powerpoint/2010/main" val="2996935222"/>
+        <p14:creationId xmlns:p14="http://schemas.microsoft.com/office/powerpoint/2010/main" val="1110999703"/>
       </p:ext>
     </p:extLst>
   </p:cSld>
@@ -1871,7 +1885,7 @@
     </p:spTree>
     <p:extLst>
       <p:ext uri="{BB962C8B-B14F-4D97-AF65-F5344CB8AC3E}">
-        <p14:creationId xmlns:p14="http://schemas.microsoft.com/office/powerpoint/2010/main" val="1883777362"/>
+        <p14:creationId xmlns:p14="http://schemas.microsoft.com/office/powerpoint/2010/main" val="2996935222"/>
       </p:ext>
     </p:extLst>
   </p:cSld>
@@ -1925,7 +1939,7 @@
           <a:bodyPr/>
           <a:lstStyle/>
           <a:p>
-            <a:endParaRPr lang="en-US" dirty="0"/>
+            <a:endParaRPr lang="en-US"/>
           </a:p>
         </p:txBody>
       </p:sp>
@@ -1946,7 +1960,7 @@
           <a:p>
             <a:fld id="{A926901F-C6C3-9E47-9843-744856EDDD7A}" type="slidenum">
               <a:rPr lang="en-US" smtClean="0"/>
-              <a:t>24</a:t>
+              <a:t>25</a:t>
             </a:fld>
             <a:endParaRPr lang="en-US"/>
           </a:p>
@@ -1955,7 +1969,7 @@
     </p:spTree>
     <p:extLst>
       <p:ext uri="{BB962C8B-B14F-4D97-AF65-F5344CB8AC3E}">
-        <p14:creationId xmlns:p14="http://schemas.microsoft.com/office/powerpoint/2010/main" val="4226027263"/>
+        <p14:creationId xmlns:p14="http://schemas.microsoft.com/office/powerpoint/2010/main" val="1883777362"/>
       </p:ext>
     </p:extLst>
   </p:cSld>
@@ -2030,7 +2044,7 @@
           <a:p>
             <a:fld id="{A926901F-C6C3-9E47-9843-744856EDDD7A}" type="slidenum">
               <a:rPr lang="en-US" smtClean="0"/>
-              <a:t>4</a:t>
+              <a:t>5</a:t>
             </a:fld>
             <a:endParaRPr lang="en-US"/>
           </a:p>
@@ -2114,7 +2128,7 @@
           <a:p>
             <a:fld id="{A926901F-C6C3-9E47-9843-744856EDDD7A}" type="slidenum">
               <a:rPr lang="en-US" smtClean="0"/>
-              <a:t>25</a:t>
+              <a:t>26</a:t>
             </a:fld>
             <a:endParaRPr lang="en-US"/>
           </a:p>
@@ -2123,7 +2137,7 @@
     </p:spTree>
     <p:extLst>
       <p:ext uri="{BB962C8B-B14F-4D97-AF65-F5344CB8AC3E}">
-        <p14:creationId xmlns:p14="http://schemas.microsoft.com/office/powerpoint/2010/main" val="3928912980"/>
+        <p14:creationId xmlns:p14="http://schemas.microsoft.com/office/powerpoint/2010/main" val="4226027263"/>
       </p:ext>
     </p:extLst>
   </p:cSld>
@@ -2177,7 +2191,7 @@
           <a:bodyPr/>
           <a:lstStyle/>
           <a:p>
-            <a:endParaRPr lang="en-US"/>
+            <a:endParaRPr lang="en-US" dirty="0"/>
           </a:p>
         </p:txBody>
       </p:sp>
@@ -2198,7 +2212,7 @@
           <a:p>
             <a:fld id="{A926901F-C6C3-9E47-9843-744856EDDD7A}" type="slidenum">
               <a:rPr lang="en-US" smtClean="0"/>
-              <a:t>26</a:t>
+              <a:t>27</a:t>
             </a:fld>
             <a:endParaRPr lang="en-US"/>
           </a:p>
@@ -2207,7 +2221,7 @@
     </p:spTree>
     <p:extLst>
       <p:ext uri="{BB962C8B-B14F-4D97-AF65-F5344CB8AC3E}">
-        <p14:creationId xmlns:p14="http://schemas.microsoft.com/office/powerpoint/2010/main" val="2116637837"/>
+        <p14:creationId xmlns:p14="http://schemas.microsoft.com/office/powerpoint/2010/main" val="3928912980"/>
       </p:ext>
     </p:extLst>
   </p:cSld>
@@ -2261,46 +2275,7 @@
           <a:bodyPr/>
           <a:lstStyle/>
           <a:p>
-            <a:r>
-              <a:rPr lang="en-US" b="0" i="0" dirty="0">
-                <a:solidFill>
-                  <a:srgbClr val="404040"/>
-                </a:solidFill>
-                <a:effectLst/>
-                <a:latin typeface="Lato" panose="020F0502020204030204" pitchFamily="34" charset="0"/>
-              </a:rPr>
-              <a:t>Once you activate an environment, </a:t>
-            </a:r>
-            <a:r>
-              <a:rPr lang="en-US" dirty="0" err="1">
-                <a:effectLst/>
-              </a:rPr>
-              <a:t>spack</a:t>
-            </a:r>
-            <a:r>
-              <a:rPr lang="en-US" dirty="0"/>
-              <a:t> </a:t>
-            </a:r>
-            <a:r>
-              <a:rPr lang="en-US" dirty="0">
-                <a:effectLst/>
-              </a:rPr>
-              <a:t>find</a:t>
-            </a:r>
-            <a:r>
-              <a:rPr lang="en-US" b="0" i="0" dirty="0">
-                <a:solidFill>
-                  <a:srgbClr val="404040"/>
-                </a:solidFill>
-                <a:effectLst/>
-                <a:latin typeface="Lato" panose="020F0502020204030203" pitchFamily="34" charset="0"/>
-              </a:rPr>
-              <a:t> only shows what is in the current environment. </a:t>
-            </a:r>
-            <a:endParaRPr lang="en-US" dirty="0"/>
-          </a:p>
-          <a:p>
-            <a:endParaRPr lang="en-US" dirty="0"/>
+            <a:endParaRPr lang="en-US"/>
           </a:p>
         </p:txBody>
       </p:sp>
@@ -2321,7 +2296,7 @@
           <a:p>
             <a:fld id="{A926901F-C6C3-9E47-9843-744856EDDD7A}" type="slidenum">
               <a:rPr lang="en-US" smtClean="0"/>
-              <a:t>27</a:t>
+              <a:t>28</a:t>
             </a:fld>
             <a:endParaRPr lang="en-US"/>
           </a:p>
@@ -2330,7 +2305,7 @@
     </p:spTree>
     <p:extLst>
       <p:ext uri="{BB962C8B-B14F-4D97-AF65-F5344CB8AC3E}">
-        <p14:creationId xmlns:p14="http://schemas.microsoft.com/office/powerpoint/2010/main" val="2831035227"/>
+        <p14:creationId xmlns:p14="http://schemas.microsoft.com/office/powerpoint/2010/main" val="2116637837"/>
       </p:ext>
     </p:extLst>
   </p:cSld>
@@ -2384,7 +2359,46 @@
           <a:bodyPr/>
           <a:lstStyle/>
           <a:p>
-            <a:endParaRPr lang="en-US"/>
+            <a:r>
+              <a:rPr lang="en-US" b="0" i="0" dirty="0">
+                <a:solidFill>
+                  <a:srgbClr val="404040"/>
+                </a:solidFill>
+                <a:effectLst/>
+                <a:latin typeface="Lato" panose="020F0502020204030204" pitchFamily="34" charset="0"/>
+              </a:rPr>
+              <a:t>Once you activate an environment, </a:t>
+            </a:r>
+            <a:r>
+              <a:rPr lang="en-US" dirty="0" err="1">
+                <a:effectLst/>
+              </a:rPr>
+              <a:t>spack</a:t>
+            </a:r>
+            <a:r>
+              <a:rPr lang="en-US" dirty="0"/>
+              <a:t> </a:t>
+            </a:r>
+            <a:r>
+              <a:rPr lang="en-US" dirty="0">
+                <a:effectLst/>
+              </a:rPr>
+              <a:t>find</a:t>
+            </a:r>
+            <a:r>
+              <a:rPr lang="en-US" b="0" i="0" dirty="0">
+                <a:solidFill>
+                  <a:srgbClr val="404040"/>
+                </a:solidFill>
+                <a:effectLst/>
+                <a:latin typeface="Lato" panose="020F0502020204030203" pitchFamily="34" charset="0"/>
+              </a:rPr>
+              <a:t> only shows what is in the current environment. </a:t>
+            </a:r>
+            <a:endParaRPr lang="en-US" dirty="0"/>
+          </a:p>
+          <a:p>
+            <a:endParaRPr lang="en-US" dirty="0"/>
           </a:p>
         </p:txBody>
       </p:sp>
@@ -2405,7 +2419,7 @@
           <a:p>
             <a:fld id="{A926901F-C6C3-9E47-9843-744856EDDD7A}" type="slidenum">
               <a:rPr lang="en-US" smtClean="0"/>
-              <a:t>28</a:t>
+              <a:t>29</a:t>
             </a:fld>
             <a:endParaRPr lang="en-US"/>
           </a:p>
@@ -2414,7 +2428,7 @@
     </p:spTree>
     <p:extLst>
       <p:ext uri="{BB962C8B-B14F-4D97-AF65-F5344CB8AC3E}">
-        <p14:creationId xmlns:p14="http://schemas.microsoft.com/office/powerpoint/2010/main" val="671770644"/>
+        <p14:creationId xmlns:p14="http://schemas.microsoft.com/office/powerpoint/2010/main" val="2831035227"/>
       </p:ext>
     </p:extLst>
   </p:cSld>
@@ -2468,7 +2482,7 @@
           <a:bodyPr/>
           <a:lstStyle/>
           <a:p>
-            <a:endParaRPr lang="en-US" dirty="0"/>
+            <a:endParaRPr lang="en-US"/>
           </a:p>
         </p:txBody>
       </p:sp>
@@ -2489,7 +2503,7 @@
           <a:p>
             <a:fld id="{A926901F-C6C3-9E47-9843-744856EDDD7A}" type="slidenum">
               <a:rPr lang="en-US" smtClean="0"/>
-              <a:t>29</a:t>
+              <a:t>30</a:t>
             </a:fld>
             <a:endParaRPr lang="en-US"/>
           </a:p>
@@ -2498,7 +2512,7 @@
     </p:spTree>
     <p:extLst>
       <p:ext uri="{BB962C8B-B14F-4D97-AF65-F5344CB8AC3E}">
-        <p14:creationId xmlns:p14="http://schemas.microsoft.com/office/powerpoint/2010/main" val="2711281696"/>
+        <p14:creationId xmlns:p14="http://schemas.microsoft.com/office/powerpoint/2010/main" val="671770644"/>
       </p:ext>
     </p:extLst>
   </p:cSld>
@@ -2552,45 +2566,7 @@
           <a:bodyPr/>
           <a:lstStyle/>
           <a:p>
-            <a:r>
-              <a:rPr lang="en-US"/>
-              <a:t>Demo:</a:t>
-            </a:r>
-          </a:p>
-          <a:p>
-            <a:r>
-              <a:rPr lang="en-US"/>
-              <a:t>-which python</a:t>
-            </a:r>
-          </a:p>
-          <a:p>
-            <a:r>
-              <a:rPr lang="en-US"/>
-              <a:t>-show how </a:t>
-            </a:r>
-            <a:r>
-              <a:rPr lang="en-US" err="1"/>
-              <a:t>conda</a:t>
-            </a:r>
-            <a:r>
-              <a:rPr lang="en-US"/>
-              <a:t> environment is organized</a:t>
-            </a:r>
-          </a:p>
-          <a:p>
-            <a:r>
-              <a:rPr lang="en-US"/>
-              <a:t>-start python </a:t>
-            </a:r>
-          </a:p>
-          <a:p>
-            <a:r>
-              <a:rPr lang="en-US"/>
-              <a:t>-import pandas (show error)</a:t>
-            </a:r>
-          </a:p>
-          <a:p>
-            <a:endParaRPr lang="en-US"/>
+            <a:endParaRPr lang="en-US" dirty="0"/>
           </a:p>
         </p:txBody>
       </p:sp>
@@ -2620,7 +2596,7 @@
     </p:spTree>
     <p:extLst>
       <p:ext uri="{BB962C8B-B14F-4D97-AF65-F5344CB8AC3E}">
-        <p14:creationId xmlns:p14="http://schemas.microsoft.com/office/powerpoint/2010/main" val="938194577"/>
+        <p14:creationId xmlns:p14="http://schemas.microsoft.com/office/powerpoint/2010/main" val="2711281696"/>
       </p:ext>
     </p:extLst>
   </p:cSld>
@@ -2676,69 +2652,19 @@
           <a:p>
             <a:r>
               <a:rPr lang="en-US"/>
-              <a:t>Demo: </a:t>
-            </a:r>
-          </a:p>
-          <a:p>
-            <a:r>
-              <a:rPr lang="en-US" err="1"/>
-              <a:t>curc</a:t>
-            </a:r>
+              <a:t>Demo:</a:t>
+            </a:r>
+          </a:p>
+          <a:p>
             <a:r>
               <a:rPr lang="en-US"/>
-              <a:t>-quota</a:t>
-            </a:r>
-          </a:p>
-          <a:p>
-            <a:endParaRPr lang="en-US"/>
-          </a:p>
-          <a:p>
-            <a:endParaRPr lang="en-US"/>
+              <a:t>-which python</a:t>
+            </a:r>
           </a:p>
           <a:p>
             <a:r>
               <a:rPr lang="en-US"/>
-              <a:t>Demo:</a:t>
-            </a:r>
-          </a:p>
-          <a:p>
-            <a:r>
-              <a:rPr lang="en-US"/>
-              <a:t>cd /projects/lafr9499/software/</a:t>
-            </a:r>
-            <a:r>
-              <a:rPr lang="en-US" err="1"/>
-              <a:t>my_first_env</a:t>
-            </a:r>
-            <a:r>
-              <a:rPr lang="en-US"/>
-              <a:t>/lib/python3.10/site-packages (point out pandas in that </a:t>
-            </a:r>
-            <a:r>
-              <a:rPr lang="en-US" err="1"/>
-              <a:t>dir</a:t>
-            </a:r>
-            <a:r>
-              <a:rPr lang="en-US"/>
-              <a:t>)</a:t>
-            </a:r>
-          </a:p>
-          <a:p>
-            <a:r>
-              <a:rPr lang="en-US"/>
-              <a:t>pip uninstall </a:t>
-            </a:r>
-          </a:p>
-          <a:p>
-            <a:r>
-              <a:rPr lang="en-US"/>
-              <a:t>ls (show no more pandas)</a:t>
-            </a:r>
-          </a:p>
-          <a:p>
-            <a:r>
-              <a:rPr lang="en-US"/>
-              <a:t>then do </a:t>
+              <a:t>-show how </a:t>
             </a:r>
             <a:r>
               <a:rPr lang="en-US" err="1"/>
@@ -2746,124 +2672,19 @@
             </a:r>
             <a:r>
               <a:rPr lang="en-US"/>
-              <a:t> install </a:t>
+              <a:t> environment is organized</a:t>
             </a:r>
           </a:p>
           <a:p>
             <a:r>
               <a:rPr lang="en-US"/>
-              <a:t>ls (show pandas there)</a:t>
-            </a:r>
-          </a:p>
-          <a:p>
-            <a:endParaRPr lang="en-US"/>
-          </a:p>
-          <a:p>
-            <a:endParaRPr lang="en-US"/>
-          </a:p>
-          <a:p>
-            <a:r>
-              <a:rPr lang="en-US" err="1"/>
-              <a:t>conda</a:t>
-            </a:r>
+              <a:t>-start python </a:t>
+            </a:r>
+          </a:p>
+          <a:p>
             <a:r>
               <a:rPr lang="en-US"/>
-              <a:t> install </a:t>
-            </a:r>
-            <a:r>
-              <a:rPr lang="en-US" err="1"/>
-              <a:t>fastqc</a:t>
-            </a:r>
-            <a:r>
-              <a:rPr lang="en-US"/>
-              <a:t> (this will fail)</a:t>
-            </a:r>
-          </a:p>
-          <a:p>
-            <a:r>
-              <a:rPr lang="en-US" err="1"/>
-              <a:t>conda</a:t>
-            </a:r>
-            <a:r>
-              <a:rPr lang="en-US"/>
-              <a:t> config –show channels </a:t>
-            </a:r>
-          </a:p>
-          <a:p>
-            <a:r>
-              <a:rPr lang="en-US" err="1"/>
-              <a:t>conda</a:t>
-            </a:r>
-            <a:r>
-              <a:rPr lang="en-US"/>
-              <a:t> config --add channels </a:t>
-            </a:r>
-            <a:r>
-              <a:rPr lang="en-US" err="1"/>
-              <a:t>bioconda</a:t>
-            </a:r>
-            <a:r>
-              <a:rPr lang="en-US"/>
-              <a:t> (can add channels OR can specify at install if you don’t want to add to your configuration</a:t>
-            </a:r>
-          </a:p>
-          <a:p>
-            <a:r>
-              <a:rPr lang="en-US" err="1"/>
-              <a:t>conda</a:t>
-            </a:r>
-            <a:r>
-              <a:rPr lang="en-US"/>
-              <a:t> install -c </a:t>
-            </a:r>
-            <a:r>
-              <a:rPr lang="en-US" err="1"/>
-              <a:t>bioconda</a:t>
-            </a:r>
-            <a:r>
-              <a:rPr lang="en-US"/>
-              <a:t> </a:t>
-            </a:r>
-            <a:r>
-              <a:rPr lang="en-US" err="1"/>
-              <a:t>fastqc</a:t>
-            </a:r>
-            <a:endParaRPr lang="en-US"/>
-          </a:p>
-          <a:p>
-            <a:r>
-              <a:rPr lang="en-US"/>
-              <a:t>show location in /projects/lafr9499/software/</a:t>
-            </a:r>
-            <a:r>
-              <a:rPr lang="en-US" err="1"/>
-              <a:t>my_first_env</a:t>
-            </a:r>
-            <a:r>
-              <a:rPr lang="en-US"/>
-              <a:t>/bin</a:t>
-            </a:r>
-          </a:p>
-          <a:p>
-            <a:r>
-              <a:rPr lang="en-US"/>
-              <a:t>cd /projects/lafr9499/software/</a:t>
-            </a:r>
-            <a:r>
-              <a:rPr lang="en-US" err="1"/>
-              <a:t>my_first_env</a:t>
-            </a:r>
-            <a:r>
-              <a:rPr lang="en-US"/>
-              <a:t>/bin (show </a:t>
-            </a:r>
-            <a:r>
-              <a:rPr lang="en-US" err="1"/>
-              <a:t>fastqc</a:t>
-            </a:r>
-            <a:r>
-              <a:rPr lang="en-US"/>
-              <a:t> in bin)</a:t>
+              <a:t>-import pandas (show error)</a:t>
             </a:r>
           </a:p>
           <a:p>
@@ -2897,7 +2718,7 @@
     </p:spTree>
     <p:extLst>
       <p:ext uri="{BB962C8B-B14F-4D97-AF65-F5344CB8AC3E}">
-        <p14:creationId xmlns:p14="http://schemas.microsoft.com/office/powerpoint/2010/main" val="500595530"/>
+        <p14:creationId xmlns:p14="http://schemas.microsoft.com/office/powerpoint/2010/main" val="938194577"/>
       </p:ext>
     </p:extLst>
   </p:cSld>
@@ -2952,72 +2773,199 @@
           <a:lstStyle/>
           <a:p>
             <a:r>
-              <a:rPr lang="en-US" dirty="0"/>
+              <a:rPr lang="en-US"/>
+              <a:t>Demo: </a:t>
+            </a:r>
+          </a:p>
+          <a:p>
+            <a:r>
+              <a:rPr lang="en-US" err="1"/>
+              <a:t>curc</a:t>
+            </a:r>
+            <a:r>
+              <a:rPr lang="en-US"/>
+              <a:t>-quota</a:t>
+            </a:r>
+          </a:p>
+          <a:p>
+            <a:endParaRPr lang="en-US"/>
+          </a:p>
+          <a:p>
+            <a:endParaRPr lang="en-US"/>
+          </a:p>
+          <a:p>
+            <a:r>
+              <a:rPr lang="en-US"/>
               <a:t>Demo:</a:t>
             </a:r>
           </a:p>
           <a:p>
             <a:r>
-              <a:rPr lang="en-US" dirty="0"/>
+              <a:rPr lang="en-US"/>
               <a:t>cd /projects/lafr9499/software/</a:t>
             </a:r>
             <a:r>
-              <a:rPr lang="en-US" dirty="0" err="1"/>
+              <a:rPr lang="en-US" err="1"/>
               <a:t>my_first_env</a:t>
             </a:r>
             <a:r>
-              <a:rPr lang="en-US" dirty="0"/>
+              <a:rPr lang="en-US"/>
               <a:t>/lib/python3.10/site-packages (point out pandas in that </a:t>
             </a:r>
             <a:r>
-              <a:rPr lang="en-US" dirty="0" err="1"/>
+              <a:rPr lang="en-US" err="1"/>
               <a:t>dir</a:t>
             </a:r>
             <a:r>
-              <a:rPr lang="en-US" dirty="0"/>
+              <a:rPr lang="en-US"/>
               <a:t>)</a:t>
             </a:r>
           </a:p>
           <a:p>
             <a:r>
-              <a:rPr lang="en-US" dirty="0"/>
+              <a:rPr lang="en-US"/>
               <a:t>pip uninstall </a:t>
             </a:r>
           </a:p>
           <a:p>
             <a:r>
-              <a:rPr lang="en-US" dirty="0"/>
+              <a:rPr lang="en-US"/>
               <a:t>ls (show no more pandas)</a:t>
             </a:r>
           </a:p>
           <a:p>
             <a:r>
-              <a:rPr lang="en-US" dirty="0"/>
+              <a:rPr lang="en-US"/>
               <a:t>then do </a:t>
             </a:r>
             <a:r>
-              <a:rPr lang="en-US" dirty="0" err="1"/>
+              <a:rPr lang="en-US" err="1"/>
               <a:t>conda</a:t>
             </a:r>
             <a:r>
-              <a:rPr lang="en-US" dirty="0"/>
+              <a:rPr lang="en-US"/>
               <a:t> install </a:t>
             </a:r>
           </a:p>
           <a:p>
             <a:r>
-              <a:rPr lang="en-US" dirty="0"/>
+              <a:rPr lang="en-US"/>
               <a:t>ls (show pandas there)</a:t>
             </a:r>
           </a:p>
           <a:p>
-            <a:endParaRPr lang="en-US" dirty="0"/>
-          </a:p>
-          <a:p>
-            <a:endParaRPr lang="en-US" dirty="0"/>
-          </a:p>
-          <a:p>
-            <a:endParaRPr lang="en-US" dirty="0"/>
+            <a:endParaRPr lang="en-US"/>
+          </a:p>
+          <a:p>
+            <a:endParaRPr lang="en-US"/>
+          </a:p>
+          <a:p>
+            <a:r>
+              <a:rPr lang="en-US" err="1"/>
+              <a:t>conda</a:t>
+            </a:r>
+            <a:r>
+              <a:rPr lang="en-US"/>
+              <a:t> install </a:t>
+            </a:r>
+            <a:r>
+              <a:rPr lang="en-US" err="1"/>
+              <a:t>fastqc</a:t>
+            </a:r>
+            <a:r>
+              <a:rPr lang="en-US"/>
+              <a:t> (this will fail)</a:t>
+            </a:r>
+          </a:p>
+          <a:p>
+            <a:r>
+              <a:rPr lang="en-US" err="1"/>
+              <a:t>conda</a:t>
+            </a:r>
+            <a:r>
+              <a:rPr lang="en-US"/>
+              <a:t> config –show channels </a:t>
+            </a:r>
+          </a:p>
+          <a:p>
+            <a:r>
+              <a:rPr lang="en-US" err="1"/>
+              <a:t>conda</a:t>
+            </a:r>
+            <a:r>
+              <a:rPr lang="en-US"/>
+              <a:t> config --add channels </a:t>
+            </a:r>
+            <a:r>
+              <a:rPr lang="en-US" err="1"/>
+              <a:t>bioconda</a:t>
+            </a:r>
+            <a:r>
+              <a:rPr lang="en-US"/>
+              <a:t> (can add channels OR can specify at install if you don’t want to add to your configuration</a:t>
+            </a:r>
+          </a:p>
+          <a:p>
+            <a:r>
+              <a:rPr lang="en-US" err="1"/>
+              <a:t>conda</a:t>
+            </a:r>
+            <a:r>
+              <a:rPr lang="en-US"/>
+              <a:t> install -c </a:t>
+            </a:r>
+            <a:r>
+              <a:rPr lang="en-US" err="1"/>
+              <a:t>bioconda</a:t>
+            </a:r>
+            <a:r>
+              <a:rPr lang="en-US"/>
+              <a:t> </a:t>
+            </a:r>
+            <a:r>
+              <a:rPr lang="en-US" err="1"/>
+              <a:t>fastqc</a:t>
+            </a:r>
+            <a:endParaRPr lang="en-US"/>
+          </a:p>
+          <a:p>
+            <a:r>
+              <a:rPr lang="en-US"/>
+              <a:t>show location in /projects/lafr9499/software/</a:t>
+            </a:r>
+            <a:r>
+              <a:rPr lang="en-US" err="1"/>
+              <a:t>my_first_env</a:t>
+            </a:r>
+            <a:r>
+              <a:rPr lang="en-US"/>
+              <a:t>/bin</a:t>
+            </a:r>
+          </a:p>
+          <a:p>
+            <a:r>
+              <a:rPr lang="en-US"/>
+              <a:t>cd /projects/lafr9499/software/</a:t>
+            </a:r>
+            <a:r>
+              <a:rPr lang="en-US" err="1"/>
+              <a:t>my_first_env</a:t>
+            </a:r>
+            <a:r>
+              <a:rPr lang="en-US"/>
+              <a:t>/bin (show </a:t>
+            </a:r>
+            <a:r>
+              <a:rPr lang="en-US" err="1"/>
+              <a:t>fastqc</a:t>
+            </a:r>
+            <a:r>
+              <a:rPr lang="en-US"/>
+              <a:t> in bin)</a:t>
+            </a:r>
+          </a:p>
+          <a:p>
+            <a:endParaRPr lang="en-US"/>
           </a:p>
         </p:txBody>
       </p:sp>
@@ -3038,7 +2986,7 @@
           <a:p>
             <a:fld id="{A926901F-C6C3-9E47-9843-744856EDDD7A}" type="slidenum">
               <a:rPr lang="en-US" smtClean="0"/>
-              <a:t>34</a:t>
+              <a:t>35</a:t>
             </a:fld>
             <a:endParaRPr lang="en-US"/>
           </a:p>
@@ -3047,7 +2995,7 @@
     </p:spTree>
     <p:extLst>
       <p:ext uri="{BB962C8B-B14F-4D97-AF65-F5344CB8AC3E}">
-        <p14:creationId xmlns:p14="http://schemas.microsoft.com/office/powerpoint/2010/main" val="1111859947"/>
+        <p14:creationId xmlns:p14="http://schemas.microsoft.com/office/powerpoint/2010/main" val="500595530"/>
       </p:ext>
     </p:extLst>
   </p:cSld>
@@ -3101,6 +3049,72 @@
           <a:bodyPr/>
           <a:lstStyle/>
           <a:p>
+            <a:r>
+              <a:rPr lang="en-US" dirty="0"/>
+              <a:t>Demo:</a:t>
+            </a:r>
+          </a:p>
+          <a:p>
+            <a:r>
+              <a:rPr lang="en-US" dirty="0"/>
+              <a:t>cd /projects/lafr9499/software/</a:t>
+            </a:r>
+            <a:r>
+              <a:rPr lang="en-US" dirty="0" err="1"/>
+              <a:t>my_first_env</a:t>
+            </a:r>
+            <a:r>
+              <a:rPr lang="en-US" dirty="0"/>
+              <a:t>/lib/python3.10/site-packages (point out pandas in that </a:t>
+            </a:r>
+            <a:r>
+              <a:rPr lang="en-US" dirty="0" err="1"/>
+              <a:t>dir</a:t>
+            </a:r>
+            <a:r>
+              <a:rPr lang="en-US" dirty="0"/>
+              <a:t>)</a:t>
+            </a:r>
+          </a:p>
+          <a:p>
+            <a:r>
+              <a:rPr lang="en-US" dirty="0"/>
+              <a:t>pip uninstall </a:t>
+            </a:r>
+          </a:p>
+          <a:p>
+            <a:r>
+              <a:rPr lang="en-US" dirty="0"/>
+              <a:t>ls (show no more pandas)</a:t>
+            </a:r>
+          </a:p>
+          <a:p>
+            <a:r>
+              <a:rPr lang="en-US" dirty="0"/>
+              <a:t>then do </a:t>
+            </a:r>
+            <a:r>
+              <a:rPr lang="en-US" dirty="0" err="1"/>
+              <a:t>conda</a:t>
+            </a:r>
+            <a:r>
+              <a:rPr lang="en-US" dirty="0"/>
+              <a:t> install </a:t>
+            </a:r>
+          </a:p>
+          <a:p>
+            <a:r>
+              <a:rPr lang="en-US" dirty="0"/>
+              <a:t>ls (show pandas there)</a:t>
+            </a:r>
+          </a:p>
+          <a:p>
+            <a:endParaRPr lang="en-US" dirty="0"/>
+          </a:p>
+          <a:p>
+            <a:endParaRPr lang="en-US" dirty="0"/>
+          </a:p>
+          <a:p>
             <a:endParaRPr lang="en-US" dirty="0"/>
           </a:p>
         </p:txBody>
@@ -3122,7 +3136,7 @@
           <a:p>
             <a:fld id="{A926901F-C6C3-9E47-9843-744856EDDD7A}" type="slidenum">
               <a:rPr lang="en-US" smtClean="0"/>
-              <a:t>35</a:t>
+              <a:t>36</a:t>
             </a:fld>
             <a:endParaRPr lang="en-US"/>
           </a:p>
@@ -3131,7 +3145,7 @@
     </p:spTree>
     <p:extLst>
       <p:ext uri="{BB962C8B-B14F-4D97-AF65-F5344CB8AC3E}">
-        <p14:creationId xmlns:p14="http://schemas.microsoft.com/office/powerpoint/2010/main" val="487837753"/>
+        <p14:creationId xmlns:p14="http://schemas.microsoft.com/office/powerpoint/2010/main" val="1111859947"/>
       </p:ext>
     </p:extLst>
   </p:cSld>
@@ -3185,98 +3199,7 @@
           <a:bodyPr/>
           <a:lstStyle/>
           <a:p>
-            <a:r>
-              <a:rPr lang="en-US"/>
-              <a:t>https://</a:t>
-            </a:r>
-            <a:r>
-              <a:rPr lang="en-US" err="1"/>
-              <a:t>cloud.google.com</a:t>
-            </a:r>
-            <a:r>
-              <a:rPr lang="en-US"/>
-              <a:t>/learn/what-are-containers</a:t>
-            </a:r>
-          </a:p>
-          <a:p>
-            <a:endParaRPr lang="en-US"/>
-          </a:p>
-          <a:p>
-            <a:pPr algn="l"/>
-            <a:r>
-              <a:rPr lang="en-US" b="0" i="0">
-                <a:solidFill>
-                  <a:srgbClr val="202124"/>
-                </a:solidFill>
-                <a:effectLst/>
-                <a:latin typeface="Google Sans"/>
-              </a:rPr>
-              <a:t>Containers vs. VMs</a:t>
-            </a:r>
-          </a:p>
-          <a:p>
-            <a:pPr algn="l"/>
-            <a:r>
-              <a:rPr lang="en-US" b="0" i="0">
-                <a:solidFill>
-                  <a:srgbClr val="5F6368"/>
-                </a:solidFill>
-                <a:effectLst/>
-                <a:latin typeface="Google Sans Text"/>
-              </a:rPr>
-              <a:t>You might already be familiar with VMs: a guest operating system such as Linux or Windows runs on top of a host operating system with access to the underlying hardware. Containers are often compared to virtual machines (VMs). Like virtual machines, containers allow you to package your application together with libraries and other dependencies, providing isolated environments for running your software services. As you’ll see below, however, the similarities end here as containers offer a far more lightweight unit for developers and IT Ops teams to work with, carrying a myriad of benefits.</a:t>
-            </a:r>
-          </a:p>
-          <a:p>
-            <a:pPr algn="l">
-              <a:buFont typeface="Arial" panose="020B0604020202020204" pitchFamily="34" charset="0"/>
-              <a:buChar char="•"/>
-            </a:pPr>
-            <a:r>
-              <a:rPr lang="en-US" b="0" i="0">
-                <a:solidFill>
-                  <a:srgbClr val="5F6368"/>
-                </a:solidFill>
-                <a:effectLst/>
-                <a:latin typeface="Google Sans Text"/>
-              </a:rPr>
-              <a:t>Containers are much more lightweight than VMs</a:t>
-            </a:r>
-          </a:p>
-          <a:p>
-            <a:pPr algn="l">
-              <a:buFont typeface="Arial" panose="020B0604020202020204" pitchFamily="34" charset="0"/>
-              <a:buChar char="•"/>
-            </a:pPr>
-            <a:r>
-              <a:rPr lang="en-US" b="0" i="0">
-                <a:solidFill>
-                  <a:srgbClr val="5F6368"/>
-                </a:solidFill>
-                <a:effectLst/>
-                <a:latin typeface="Google Sans Text"/>
-              </a:rPr>
-              <a:t>Containers virtualize at the OS level while VMs virtualize at the hardware level</a:t>
-            </a:r>
-          </a:p>
-          <a:p>
-            <a:pPr algn="l">
-              <a:buFont typeface="Arial" panose="020B0604020202020204" pitchFamily="34" charset="0"/>
-              <a:buChar char="•"/>
-            </a:pPr>
-            <a:r>
-              <a:rPr lang="en-US" b="0" i="0">
-                <a:solidFill>
-                  <a:srgbClr val="5F6368"/>
-                </a:solidFill>
-                <a:effectLst/>
-                <a:latin typeface="Google Sans Text"/>
-              </a:rPr>
-              <a:t>Containers share the OS kernel and use a fraction of the memory VMs require</a:t>
-            </a:r>
-          </a:p>
-          <a:p>
-            <a:endParaRPr lang="en-US"/>
+            <a:endParaRPr lang="en-US" dirty="0"/>
           </a:p>
         </p:txBody>
       </p:sp>
@@ -3306,7 +3229,7 @@
     </p:spTree>
     <p:extLst>
       <p:ext uri="{BB962C8B-B14F-4D97-AF65-F5344CB8AC3E}">
-        <p14:creationId xmlns:p14="http://schemas.microsoft.com/office/powerpoint/2010/main" val="68248245"/>
+        <p14:creationId xmlns:p14="http://schemas.microsoft.com/office/powerpoint/2010/main" val="487837753"/>
       </p:ext>
     </p:extLst>
   </p:cSld>
@@ -3381,7 +3304,7 @@
           <a:p>
             <a:fld id="{A926901F-C6C3-9E47-9843-744856EDDD7A}" type="slidenum">
               <a:rPr lang="en-US" smtClean="0"/>
-              <a:t>5</a:t>
+              <a:t>6</a:t>
             </a:fld>
             <a:endParaRPr lang="en-US"/>
           </a:p>
@@ -3446,8 +3369,96 @@
           <a:p>
             <a:r>
               <a:rPr lang="en-US"/>
-              <a:t>SIF = singularity image file </a:t>
-            </a:r>
+              <a:t>https://</a:t>
+            </a:r>
+            <a:r>
+              <a:rPr lang="en-US" err="1"/>
+              <a:t>cloud.google.com</a:t>
+            </a:r>
+            <a:r>
+              <a:rPr lang="en-US"/>
+              <a:t>/learn/what-are-containers</a:t>
+            </a:r>
+          </a:p>
+          <a:p>
+            <a:endParaRPr lang="en-US"/>
+          </a:p>
+          <a:p>
+            <a:pPr algn="l"/>
+            <a:r>
+              <a:rPr lang="en-US" b="0" i="0">
+                <a:solidFill>
+                  <a:srgbClr val="202124"/>
+                </a:solidFill>
+                <a:effectLst/>
+                <a:latin typeface="Google Sans"/>
+              </a:rPr>
+              <a:t>Containers vs. VMs</a:t>
+            </a:r>
+          </a:p>
+          <a:p>
+            <a:pPr algn="l"/>
+            <a:r>
+              <a:rPr lang="en-US" b="0" i="0">
+                <a:solidFill>
+                  <a:srgbClr val="5F6368"/>
+                </a:solidFill>
+                <a:effectLst/>
+                <a:latin typeface="Google Sans Text"/>
+              </a:rPr>
+              <a:t>You might already be familiar with VMs: a guest operating system such as Linux or Windows runs on top of a host operating system with access to the underlying hardware. Containers are often compared to virtual machines (VMs). Like virtual machines, containers allow you to package your application together with libraries and other dependencies, providing isolated environments for running your software services. As you’ll see below, however, the similarities end here as containers offer a far more lightweight unit for developers and IT Ops teams to work with, carrying a myriad of benefits.</a:t>
+            </a:r>
+          </a:p>
+          <a:p>
+            <a:pPr algn="l">
+              <a:buFont typeface="Arial" panose="020B0604020202020204" pitchFamily="34" charset="0"/>
+              <a:buChar char="•"/>
+            </a:pPr>
+            <a:r>
+              <a:rPr lang="en-US" b="0" i="0">
+                <a:solidFill>
+                  <a:srgbClr val="5F6368"/>
+                </a:solidFill>
+                <a:effectLst/>
+                <a:latin typeface="Google Sans Text"/>
+              </a:rPr>
+              <a:t>Containers are much more lightweight than VMs</a:t>
+            </a:r>
+          </a:p>
+          <a:p>
+            <a:pPr algn="l">
+              <a:buFont typeface="Arial" panose="020B0604020202020204" pitchFamily="34" charset="0"/>
+              <a:buChar char="•"/>
+            </a:pPr>
+            <a:r>
+              <a:rPr lang="en-US" b="0" i="0">
+                <a:solidFill>
+                  <a:srgbClr val="5F6368"/>
+                </a:solidFill>
+                <a:effectLst/>
+                <a:latin typeface="Google Sans Text"/>
+              </a:rPr>
+              <a:t>Containers virtualize at the OS level while VMs virtualize at the hardware level</a:t>
+            </a:r>
+          </a:p>
+          <a:p>
+            <a:pPr algn="l">
+              <a:buFont typeface="Arial" panose="020B0604020202020204" pitchFamily="34" charset="0"/>
+              <a:buChar char="•"/>
+            </a:pPr>
+            <a:r>
+              <a:rPr lang="en-US" b="0" i="0">
+                <a:solidFill>
+                  <a:srgbClr val="5F6368"/>
+                </a:solidFill>
+                <a:effectLst/>
+                <a:latin typeface="Google Sans Text"/>
+              </a:rPr>
+              <a:t>Containers share the OS kernel and use a fraction of the memory VMs require</a:t>
+            </a:r>
+          </a:p>
+          <a:p>
+            <a:endParaRPr lang="en-US"/>
           </a:p>
         </p:txBody>
       </p:sp>
@@ -3469,6 +3480,93 @@
             <a:fld id="{A926901F-C6C3-9E47-9843-744856EDDD7A}" type="slidenum">
               <a:rPr lang="en-US" smtClean="0"/>
               <a:t>39</a:t>
+            </a:fld>
+            <a:endParaRPr lang="en-US"/>
+          </a:p>
+        </p:txBody>
+      </p:sp>
+    </p:spTree>
+    <p:extLst>
+      <p:ext uri="{BB962C8B-B14F-4D97-AF65-F5344CB8AC3E}">
+        <p14:creationId xmlns:p14="http://schemas.microsoft.com/office/powerpoint/2010/main" val="68248245"/>
+      </p:ext>
+    </p:extLst>
+  </p:cSld>
+  <p:clrMapOvr>
+    <a:masterClrMapping/>
+  </p:clrMapOvr>
+</p:notes>
+</file>
+
+<file path=ppt/notesSlides/notesSlide31.xml><?xml version="1.0" encoding="utf-8"?>
+<p:notes xmlns:a="http://schemas.openxmlformats.org/drawingml/2006/main" xmlns:r="http://schemas.openxmlformats.org/officeDocument/2006/relationships" xmlns:p="http://schemas.openxmlformats.org/presentationml/2006/main">
+  <p:cSld>
+    <p:spTree>
+      <p:nvGrpSpPr>
+        <p:cNvPr id="1" name=""/>
+        <p:cNvGrpSpPr/>
+        <p:nvPr/>
+      </p:nvGrpSpPr>
+      <p:grpSpPr>
+        <a:xfrm>
+          <a:off x="0" y="0"/>
+          <a:ext cx="0" cy="0"/>
+          <a:chOff x="0" y="0"/>
+          <a:chExt cx="0" cy="0"/>
+        </a:xfrm>
+      </p:grpSpPr>
+      <p:sp>
+        <p:nvSpPr>
+          <p:cNvPr id="2" name="Slide Image Placeholder 1"/>
+          <p:cNvSpPr>
+            <a:spLocks noGrp="1" noRot="1" noChangeAspect="1"/>
+          </p:cNvSpPr>
+          <p:nvPr>
+            <p:ph type="sldImg"/>
+          </p:nvPr>
+        </p:nvSpPr>
+        <p:spPr/>
+      </p:sp>
+      <p:sp>
+        <p:nvSpPr>
+          <p:cNvPr id="3" name="Notes Placeholder 2"/>
+          <p:cNvSpPr>
+            <a:spLocks noGrp="1"/>
+          </p:cNvSpPr>
+          <p:nvPr>
+            <p:ph type="body" idx="1"/>
+          </p:nvPr>
+        </p:nvSpPr>
+        <p:spPr/>
+        <p:txBody>
+          <a:bodyPr/>
+          <a:lstStyle/>
+          <a:p>
+            <a:r>
+              <a:rPr lang="en-US"/>
+              <a:t>SIF = singularity image file </a:t>
+            </a:r>
+          </a:p>
+        </p:txBody>
+      </p:sp>
+      <p:sp>
+        <p:nvSpPr>
+          <p:cNvPr id="4" name="Slide Number Placeholder 3"/>
+          <p:cNvSpPr>
+            <a:spLocks noGrp="1"/>
+          </p:cNvSpPr>
+          <p:nvPr>
+            <p:ph type="sldNum" sz="quarter" idx="5"/>
+          </p:nvPr>
+        </p:nvSpPr>
+        <p:spPr/>
+        <p:txBody>
+          <a:bodyPr/>
+          <a:lstStyle/>
+          <a:p>
+            <a:fld id="{A926901F-C6C3-9E47-9843-744856EDDD7A}" type="slidenum">
+              <a:rPr lang="en-US" smtClean="0"/>
+              <a:t>41</a:t>
             </a:fld>
             <a:endParaRPr lang="en-US"/>
           </a:p>
@@ -3583,7 +3681,7 @@
           <a:p>
             <a:fld id="{A926901F-C6C3-9E47-9843-744856EDDD7A}" type="slidenum">
               <a:rPr lang="en-US" smtClean="0"/>
-              <a:t>6</a:t>
+              <a:t>7</a:t>
             </a:fld>
             <a:endParaRPr lang="en-US"/>
           </a:p>
@@ -3773,7 +3871,7 @@
           <a:p>
             <a:fld id="{A926901F-C6C3-9E47-9843-744856EDDD7A}" type="slidenum">
               <a:rPr lang="en-US" smtClean="0"/>
-              <a:t>7</a:t>
+              <a:t>8</a:t>
             </a:fld>
             <a:endParaRPr lang="en-US"/>
           </a:p>
@@ -3871,7 +3969,7 @@
           <a:p>
             <a:fld id="{A926901F-C6C3-9E47-9843-744856EDDD7A}" type="slidenum">
               <a:rPr lang="en-US" smtClean="0"/>
-              <a:t>8</a:t>
+              <a:t>9</a:t>
             </a:fld>
             <a:endParaRPr lang="en-US"/>
           </a:p>
@@ -3955,7 +4053,7 @@
           <a:p>
             <a:fld id="{A926901F-C6C3-9E47-9843-744856EDDD7A}" type="slidenum">
               <a:rPr lang="en-US" smtClean="0"/>
-              <a:t>9</a:t>
+              <a:t>10</a:t>
             </a:fld>
             <a:endParaRPr lang="en-US"/>
           </a:p>
@@ -4039,7 +4137,7 @@
           <a:p>
             <a:fld id="{A926901F-C6C3-9E47-9843-744856EDDD7A}" type="slidenum">
               <a:rPr lang="en-US" smtClean="0"/>
-              <a:t>10</a:t>
+              <a:t>11</a:t>
             </a:fld>
             <a:endParaRPr lang="en-US"/>
           </a:p>
@@ -4102,19 +4200,7 @@
           <a:bodyPr/>
           <a:lstStyle/>
           <a:p>
-            <a:r>
-              <a:rPr lang="en-US"/>
-              <a:t>Okay, so let’s say you want to use a third-party software that isn’t available as a module. What do you do? You have to build your own software!</a:t>
-            </a:r>
-          </a:p>
-          <a:p>
             <a:endParaRPr lang="en-US"/>
-          </a:p>
-          <a:p>
-            <a:r>
-              <a:rPr lang="en-US"/>
-              <a:t>Let’s get some definitions out of the way.</a:t>
-            </a:r>
           </a:p>
         </p:txBody>
       </p:sp>
@@ -4135,7 +4221,7 @@
           <a:p>
             <a:fld id="{A926901F-C6C3-9E47-9843-744856EDDD7A}" type="slidenum">
               <a:rPr lang="en-US" smtClean="0"/>
-              <a:t>11</a:t>
+              <a:t>12</a:t>
             </a:fld>
             <a:endParaRPr lang="en-US"/>
           </a:p>
@@ -4144,7 +4230,7 @@
     </p:spTree>
     <p:extLst>
       <p:ext uri="{BB962C8B-B14F-4D97-AF65-F5344CB8AC3E}">
-        <p14:creationId xmlns:p14="http://schemas.microsoft.com/office/powerpoint/2010/main" val="349788503"/>
+        <p14:creationId xmlns:p14="http://schemas.microsoft.com/office/powerpoint/2010/main" val="2692761767"/>
       </p:ext>
     </p:extLst>
   </p:cSld>
@@ -5544,6 +5630,644 @@
             <p:ph idx="1"/>
           </p:nvPr>
         </p:nvSpPr>
+        <p:spPr>
+          <a:xfrm>
+            <a:off x="838200" y="1546225"/>
+            <a:ext cx="10515600" cy="4351338"/>
+          </a:xfrm>
+        </p:spPr>
+        <p:txBody>
+          <a:bodyPr>
+            <a:normAutofit/>
+          </a:bodyPr>
+          <a:lstStyle/>
+          <a:p>
+            <a:pPr marL="0" indent="0">
+              <a:buNone/>
+            </a:pPr>
+            <a:r>
+              <a:rPr lang="en-US" sz="3200" i="1">
+                <a:latin typeface="Century Gothic" panose="020B0502020202020204" pitchFamily="34" charset="0"/>
+                <a:ea typeface="Helvetica Neue" panose="02000503000000020004" pitchFamily="2" charset="0"/>
+                <a:cs typeface="Helvetica Neue" panose="02000503000000020004" pitchFamily="2" charset="0"/>
+              </a:rPr>
+              <a:t>Live Demo</a:t>
+            </a:r>
+            <a:r>
+              <a:rPr lang="en-US" sz="3200">
+                <a:latin typeface="Century Gothic" panose="020B0502020202020204" pitchFamily="34" charset="0"/>
+                <a:ea typeface="Helvetica Neue" panose="02000503000000020004" pitchFamily="2" charset="0"/>
+                <a:cs typeface="Helvetica Neue" panose="02000503000000020004" pitchFamily="2" charset="0"/>
+              </a:rPr>
+              <a:t>: </a:t>
+            </a:r>
+            <a:r>
+              <a:rPr lang="en-US" sz="3200">
+                <a:latin typeface="Century Gothic" panose="020B0502020202020204" pitchFamily="34" charset="0"/>
+              </a:rPr>
+              <a:t>Useful </a:t>
+            </a:r>
+            <a:r>
+              <a:rPr lang="en-US" sz="3200" err="1">
+                <a:latin typeface="Century Gothic" panose="020B0502020202020204" pitchFamily="34" charset="0"/>
+              </a:rPr>
+              <a:t>Lmod</a:t>
+            </a:r>
+            <a:r>
+              <a:rPr lang="en-US" sz="3200">
+                <a:latin typeface="Century Gothic" panose="020B0502020202020204" pitchFamily="34" charset="0"/>
+              </a:rPr>
+              <a:t> commands</a:t>
+            </a:r>
+          </a:p>
+        </p:txBody>
+      </p:sp>
+      <p:sp>
+        <p:nvSpPr>
+          <p:cNvPr id="4" name="Date Placeholder 3">
+            <a:extLst>
+              <a:ext uri="{FF2B5EF4-FFF2-40B4-BE49-F238E27FC236}">
+                <a16:creationId xmlns:a16="http://schemas.microsoft.com/office/drawing/2014/main" id="{FB497113-4E89-1CAC-8F64-8E901EF4D66E}"/>
+              </a:ext>
+            </a:extLst>
+          </p:cNvPr>
+          <p:cNvSpPr>
+            <a:spLocks noGrp="1"/>
+          </p:cNvSpPr>
+          <p:nvPr>
+            <p:ph type="dt" sz="half" idx="10"/>
+          </p:nvPr>
+        </p:nvSpPr>
+        <p:spPr/>
+        <p:txBody>
+          <a:bodyPr/>
+          <a:lstStyle/>
+          <a:p>
+            <a:pPr algn="ctr"/>
+            <a:r>
+              <a:rPr lang="en-US" dirty="0"/>
+              <a:t>3/5/24</a:t>
+            </a:r>
+          </a:p>
+        </p:txBody>
+      </p:sp>
+      <p:pic>
+        <p:nvPicPr>
+          <p:cNvPr id="8" name="Picture 7" descr="A picture containing graphics, screenshot, font, graphic design&#10;&#10;Description automatically generated">
+            <a:extLst>
+              <a:ext uri="{FF2B5EF4-FFF2-40B4-BE49-F238E27FC236}">
+                <a16:creationId xmlns:a16="http://schemas.microsoft.com/office/drawing/2014/main" id="{A9F43A77-4393-CCF1-83C1-AE60C4D575C9}"/>
+              </a:ext>
+            </a:extLst>
+          </p:cNvPr>
+          <p:cNvPicPr>
+            <a:picLocks noChangeAspect="1"/>
+          </p:cNvPicPr>
+          <p:nvPr/>
+        </p:nvPicPr>
+        <p:blipFill>
+          <a:blip r:embed="rId3"/>
+          <a:stretch>
+            <a:fillRect/>
+          </a:stretch>
+        </p:blipFill>
+        <p:spPr>
+          <a:xfrm>
+            <a:off x="7886700" y="365125"/>
+            <a:ext cx="3467100" cy="1181100"/>
+          </a:xfrm>
+          <a:prstGeom prst="rect">
+            <a:avLst/>
+          </a:prstGeom>
+        </p:spPr>
+      </p:pic>
+      <p:grpSp>
+        <p:nvGrpSpPr>
+          <p:cNvPr id="6" name="Group 5">
+            <a:extLst>
+              <a:ext uri="{FF2B5EF4-FFF2-40B4-BE49-F238E27FC236}">
+                <a16:creationId xmlns:a16="http://schemas.microsoft.com/office/drawing/2014/main" id="{DA7B3A39-72BA-3A4B-C0BE-0C2BC796D6E1}"/>
+              </a:ext>
+            </a:extLst>
+          </p:cNvPr>
+          <p:cNvGrpSpPr/>
+          <p:nvPr/>
+        </p:nvGrpSpPr>
+        <p:grpSpPr>
+          <a:xfrm>
+            <a:off x="569877" y="2076384"/>
+            <a:ext cx="11052246" cy="4245434"/>
+            <a:chOff x="569877" y="3868113"/>
+            <a:chExt cx="11052246" cy="1583355"/>
+          </a:xfrm>
+        </p:grpSpPr>
+        <p:sp>
+          <p:nvSpPr>
+            <p:cNvPr id="7" name="Rectangle 6">
+              <a:extLst>
+                <a:ext uri="{FF2B5EF4-FFF2-40B4-BE49-F238E27FC236}">
+                  <a16:creationId xmlns:a16="http://schemas.microsoft.com/office/drawing/2014/main" id="{21AEDACD-5D20-4921-301A-2BF552F14543}"/>
+                </a:ext>
+              </a:extLst>
+            </p:cNvPr>
+            <p:cNvSpPr/>
+            <p:nvPr/>
+          </p:nvSpPr>
+          <p:spPr>
+            <a:xfrm>
+              <a:off x="569877" y="3911411"/>
+              <a:ext cx="11052246" cy="1496760"/>
+            </a:xfrm>
+            <a:prstGeom prst="rect">
+              <a:avLst/>
+            </a:prstGeom>
+            <a:solidFill>
+              <a:schemeClr val="bg2">
+                <a:lumMod val="90000"/>
+              </a:schemeClr>
+            </a:solidFill>
+            <a:ln>
+              <a:noFill/>
+            </a:ln>
+            <a:effectLst>
+              <a:softEdge rad="31750"/>
+            </a:effectLst>
+          </p:spPr>
+          <p:style>
+            <a:lnRef idx="2">
+              <a:schemeClr val="accent1">
+                <a:shade val="50000"/>
+              </a:schemeClr>
+            </a:lnRef>
+            <a:fillRef idx="1">
+              <a:schemeClr val="accent1"/>
+            </a:fillRef>
+            <a:effectRef idx="0">
+              <a:schemeClr val="accent1"/>
+            </a:effectRef>
+            <a:fontRef idx="minor">
+              <a:schemeClr val="lt1"/>
+            </a:fontRef>
+          </p:style>
+          <p:txBody>
+            <a:bodyPr rtlCol="0" anchor="ctr"/>
+            <a:lstStyle/>
+            <a:p>
+              <a:pPr algn="ctr"/>
+              <a:endParaRPr lang="en-US"/>
+            </a:p>
+          </p:txBody>
+        </p:sp>
+        <p:sp>
+          <p:nvSpPr>
+            <p:cNvPr id="9" name="Content Placeholder 2">
+              <a:extLst>
+                <a:ext uri="{FF2B5EF4-FFF2-40B4-BE49-F238E27FC236}">
+                  <a16:creationId xmlns:a16="http://schemas.microsoft.com/office/drawing/2014/main" id="{44D56538-8673-FD92-1F82-72A6749C8F0D}"/>
+                </a:ext>
+              </a:extLst>
+            </p:cNvPr>
+            <p:cNvSpPr txBox="1">
+              <a:spLocks/>
+            </p:cNvSpPr>
+            <p:nvPr/>
+          </p:nvSpPr>
+          <p:spPr>
+            <a:xfrm>
+              <a:off x="719528" y="3868113"/>
+              <a:ext cx="10634272" cy="1583355"/>
+            </a:xfrm>
+            <a:prstGeom prst="rect">
+              <a:avLst/>
+            </a:prstGeom>
+          </p:spPr>
+          <p:txBody>
+            <a:bodyPr vert="horz" lIns="91440" tIns="45720" rIns="91440" bIns="45720" rtlCol="0" anchor="t">
+              <a:noAutofit/>
+            </a:bodyPr>
+            <a:lstStyle>
+              <a:lvl1pPr marL="228600" indent="-228600" algn="l" defTabSz="914400" rtl="0" eaLnBrk="1" latinLnBrk="0" hangingPunct="1">
+                <a:lnSpc>
+                  <a:spcPct val="90000"/>
+                </a:lnSpc>
+                <a:spcBef>
+                  <a:spcPts val="1000"/>
+                </a:spcBef>
+                <a:buFont typeface="Arial" panose="020B0604020202020204" pitchFamily="34" charset="0"/>
+                <a:buChar char="•"/>
+                <a:defRPr sz="2800" kern="1200">
+                  <a:solidFill>
+                    <a:schemeClr val="tx1"/>
+                  </a:solidFill>
+                  <a:latin typeface="+mn-lt"/>
+                  <a:ea typeface="+mn-ea"/>
+                  <a:cs typeface="+mn-cs"/>
+                </a:defRPr>
+              </a:lvl1pPr>
+              <a:lvl2pPr marL="685800" indent="-228600" algn="l" defTabSz="914400" rtl="0" eaLnBrk="1" latinLnBrk="0" hangingPunct="1">
+                <a:lnSpc>
+                  <a:spcPct val="90000"/>
+                </a:lnSpc>
+                <a:spcBef>
+                  <a:spcPts val="500"/>
+                </a:spcBef>
+                <a:buFont typeface="Arial" panose="020B0604020202020204" pitchFamily="34" charset="0"/>
+                <a:buChar char="•"/>
+                <a:defRPr sz="2400" kern="1200">
+                  <a:solidFill>
+                    <a:schemeClr val="tx1"/>
+                  </a:solidFill>
+                  <a:latin typeface="+mn-lt"/>
+                  <a:ea typeface="+mn-ea"/>
+                  <a:cs typeface="+mn-cs"/>
+                </a:defRPr>
+              </a:lvl2pPr>
+              <a:lvl3pPr marL="1143000" indent="-228600" algn="l" defTabSz="914400" rtl="0" eaLnBrk="1" latinLnBrk="0" hangingPunct="1">
+                <a:lnSpc>
+                  <a:spcPct val="90000"/>
+                </a:lnSpc>
+                <a:spcBef>
+                  <a:spcPts val="500"/>
+                </a:spcBef>
+                <a:buFont typeface="Arial" panose="020B0604020202020204" pitchFamily="34" charset="0"/>
+                <a:buChar char="•"/>
+                <a:defRPr sz="2000" kern="1200">
+                  <a:solidFill>
+                    <a:schemeClr val="tx1"/>
+                  </a:solidFill>
+                  <a:latin typeface="+mn-lt"/>
+                  <a:ea typeface="+mn-ea"/>
+                  <a:cs typeface="+mn-cs"/>
+                </a:defRPr>
+              </a:lvl3pPr>
+              <a:lvl4pPr marL="1600200" indent="-228600" algn="l" defTabSz="914400" rtl="0" eaLnBrk="1" latinLnBrk="0" hangingPunct="1">
+                <a:lnSpc>
+                  <a:spcPct val="90000"/>
+                </a:lnSpc>
+                <a:spcBef>
+                  <a:spcPts val="500"/>
+                </a:spcBef>
+                <a:buFont typeface="Arial" panose="020B0604020202020204" pitchFamily="34" charset="0"/>
+                <a:buChar char="•"/>
+                <a:defRPr sz="1800" kern="1200">
+                  <a:solidFill>
+                    <a:schemeClr val="tx1"/>
+                  </a:solidFill>
+                  <a:latin typeface="+mn-lt"/>
+                  <a:ea typeface="+mn-ea"/>
+                  <a:cs typeface="+mn-cs"/>
+                </a:defRPr>
+              </a:lvl4pPr>
+              <a:lvl5pPr marL="2057400" indent="-228600" algn="l" defTabSz="914400" rtl="0" eaLnBrk="1" latinLnBrk="0" hangingPunct="1">
+                <a:lnSpc>
+                  <a:spcPct val="90000"/>
+                </a:lnSpc>
+                <a:spcBef>
+                  <a:spcPts val="500"/>
+                </a:spcBef>
+                <a:buFont typeface="Arial" panose="020B0604020202020204" pitchFamily="34" charset="0"/>
+                <a:buChar char="•"/>
+                <a:defRPr sz="1800" kern="1200">
+                  <a:solidFill>
+                    <a:schemeClr val="tx1"/>
+                  </a:solidFill>
+                  <a:latin typeface="+mn-lt"/>
+                  <a:ea typeface="+mn-ea"/>
+                  <a:cs typeface="+mn-cs"/>
+                </a:defRPr>
+              </a:lvl5pPr>
+              <a:lvl6pPr marL="2514600" indent="-228600" algn="l" defTabSz="914400" rtl="0" eaLnBrk="1" latinLnBrk="0" hangingPunct="1">
+                <a:lnSpc>
+                  <a:spcPct val="90000"/>
+                </a:lnSpc>
+                <a:spcBef>
+                  <a:spcPts val="500"/>
+                </a:spcBef>
+                <a:buFont typeface="Arial" panose="020B0604020202020204" pitchFamily="34" charset="0"/>
+                <a:buChar char="•"/>
+                <a:defRPr sz="1800" kern="1200">
+                  <a:solidFill>
+                    <a:schemeClr val="tx1"/>
+                  </a:solidFill>
+                  <a:latin typeface="+mn-lt"/>
+                  <a:ea typeface="+mn-ea"/>
+                  <a:cs typeface="+mn-cs"/>
+                </a:defRPr>
+              </a:lvl6pPr>
+              <a:lvl7pPr marL="2971800" indent="-228600" algn="l" defTabSz="914400" rtl="0" eaLnBrk="1" latinLnBrk="0" hangingPunct="1">
+                <a:lnSpc>
+                  <a:spcPct val="90000"/>
+                </a:lnSpc>
+                <a:spcBef>
+                  <a:spcPts val="500"/>
+                </a:spcBef>
+                <a:buFont typeface="Arial" panose="020B0604020202020204" pitchFamily="34" charset="0"/>
+                <a:buChar char="•"/>
+                <a:defRPr sz="1800" kern="1200">
+                  <a:solidFill>
+                    <a:schemeClr val="tx1"/>
+                  </a:solidFill>
+                  <a:latin typeface="+mn-lt"/>
+                  <a:ea typeface="+mn-ea"/>
+                  <a:cs typeface="+mn-cs"/>
+                </a:defRPr>
+              </a:lvl7pPr>
+              <a:lvl8pPr marL="3429000" indent="-228600" algn="l" defTabSz="914400" rtl="0" eaLnBrk="1" latinLnBrk="0" hangingPunct="1">
+                <a:lnSpc>
+                  <a:spcPct val="90000"/>
+                </a:lnSpc>
+                <a:spcBef>
+                  <a:spcPts val="500"/>
+                </a:spcBef>
+                <a:buFont typeface="Arial" panose="020B0604020202020204" pitchFamily="34" charset="0"/>
+                <a:buChar char="•"/>
+                <a:defRPr sz="1800" kern="1200">
+                  <a:solidFill>
+                    <a:schemeClr val="tx1"/>
+                  </a:solidFill>
+                  <a:latin typeface="+mn-lt"/>
+                  <a:ea typeface="+mn-ea"/>
+                  <a:cs typeface="+mn-cs"/>
+                </a:defRPr>
+              </a:lvl8pPr>
+              <a:lvl9pPr marL="3886200" indent="-228600" algn="l" defTabSz="914400" rtl="0" eaLnBrk="1" latinLnBrk="0" hangingPunct="1">
+                <a:lnSpc>
+                  <a:spcPct val="90000"/>
+                </a:lnSpc>
+                <a:spcBef>
+                  <a:spcPts val="500"/>
+                </a:spcBef>
+                <a:buFont typeface="Arial" panose="020B0604020202020204" pitchFamily="34" charset="0"/>
+                <a:buChar char="•"/>
+                <a:defRPr sz="1800" kern="1200">
+                  <a:solidFill>
+                    <a:schemeClr val="tx1"/>
+                  </a:solidFill>
+                  <a:latin typeface="+mn-lt"/>
+                  <a:ea typeface="+mn-ea"/>
+                  <a:cs typeface="+mn-cs"/>
+                </a:defRPr>
+              </a:lvl9pPr>
+            </a:lstStyle>
+            <a:p>
+              <a:pPr marL="0" indent="0">
+                <a:buFont typeface="Arial" panose="020B0604020202020204" pitchFamily="34" charset="0"/>
+                <a:buNone/>
+              </a:pPr>
+              <a:endParaRPr lang="en-US" sz="2000" dirty="0">
+                <a:latin typeface="Century Gothic" panose="020B0502020202020204" pitchFamily="34" charset="0"/>
+              </a:endParaRPr>
+            </a:p>
+            <a:p>
+              <a:pPr marL="0" indent="0">
+                <a:lnSpc>
+                  <a:spcPct val="100000"/>
+                </a:lnSpc>
+                <a:buFont typeface="Arial" panose="020B0604020202020204" pitchFamily="34" charset="0"/>
+                <a:buNone/>
+              </a:pPr>
+              <a:r>
+                <a:rPr lang="en-US" sz="2000" dirty="0">
+                  <a:latin typeface="Courier New" panose="02070309020205020404" pitchFamily="49" charset="0"/>
+                  <a:cs typeface="Courier New" panose="02070309020205020404" pitchFamily="49" charset="0"/>
+                </a:rPr>
+                <a:t>module spider				# list all available modules</a:t>
+              </a:r>
+            </a:p>
+            <a:p>
+              <a:pPr marL="0" indent="0">
+                <a:lnSpc>
+                  <a:spcPct val="100000"/>
+                </a:lnSpc>
+                <a:buFont typeface="Arial" panose="020B0604020202020204" pitchFamily="34" charset="0"/>
+                <a:buNone/>
+              </a:pPr>
+              <a:r>
+                <a:rPr lang="en-US" sz="2000" dirty="0">
+                  <a:latin typeface="Courier New" panose="02070309020205020404" pitchFamily="49" charset="0"/>
+                  <a:cs typeface="Courier New" panose="02070309020205020404" pitchFamily="49" charset="0"/>
+                </a:rPr>
+                <a:t>module avail				# list modules available to you</a:t>
+              </a:r>
+            </a:p>
+            <a:p>
+              <a:pPr marL="0" indent="0">
+                <a:lnSpc>
+                  <a:spcPct val="100000"/>
+                </a:lnSpc>
+                <a:buFont typeface="Arial" panose="020B0604020202020204" pitchFamily="34" charset="0"/>
+                <a:buNone/>
+              </a:pPr>
+              <a:r>
+                <a:rPr lang="en-US" sz="2000" dirty="0">
+                  <a:latin typeface="Courier New" panose="02070309020205020404" pitchFamily="49" charset="0"/>
+                  <a:cs typeface="Courier New" panose="02070309020205020404" pitchFamily="49" charset="0"/>
+                </a:rPr>
+                <a:t>module load &lt;package/version&gt;		# load a module into your env</a:t>
+              </a:r>
+            </a:p>
+            <a:p>
+              <a:pPr marL="0" indent="0">
+                <a:lnSpc>
+                  <a:spcPct val="100000"/>
+                </a:lnSpc>
+                <a:buFont typeface="Arial" panose="020B0604020202020204" pitchFamily="34" charset="0"/>
+                <a:buNone/>
+              </a:pPr>
+              <a:r>
+                <a:rPr lang="en-US" sz="2000" dirty="0">
+                  <a:latin typeface="Courier New" panose="02070309020205020404" pitchFamily="49" charset="0"/>
+                  <a:cs typeface="Courier New" panose="02070309020205020404" pitchFamily="49" charset="0"/>
+                </a:rPr>
+                <a:t>module purge				# unload all modules</a:t>
+              </a:r>
+            </a:p>
+            <a:p>
+              <a:pPr marL="0" indent="0">
+                <a:lnSpc>
+                  <a:spcPct val="100000"/>
+                </a:lnSpc>
+                <a:buFont typeface="Arial" panose="020B0604020202020204" pitchFamily="34" charset="0"/>
+                <a:buNone/>
+              </a:pPr>
+              <a:r>
+                <a:rPr lang="en-US" sz="2000" dirty="0">
+                  <a:latin typeface="Courier New" panose="02070309020205020404" pitchFamily="49" charset="0"/>
+                  <a:cs typeface="Courier New" panose="02070309020205020404" pitchFamily="49" charset="0"/>
+                </a:rPr>
+                <a:t>module list 				# list currently loaded modules</a:t>
+              </a:r>
+            </a:p>
+            <a:p>
+              <a:pPr marL="0" indent="0">
+                <a:lnSpc>
+                  <a:spcPct val="100000"/>
+                </a:lnSpc>
+                <a:buNone/>
+              </a:pPr>
+              <a:r>
+                <a:rPr lang="en-US" sz="2000" dirty="0">
+                  <a:latin typeface="Courier New" panose="02070309020205020404" pitchFamily="49" charset="0"/>
+                  <a:ea typeface="Helvetica Neue" panose="02000503000000020004" pitchFamily="2" charset="0"/>
+                  <a:cs typeface="Courier New" panose="02070309020205020404" pitchFamily="49" charset="0"/>
+                </a:rPr>
+                <a:t>module display &lt;package&gt; 		# display module info/help</a:t>
+              </a:r>
+            </a:p>
+            <a:p>
+              <a:pPr marL="0" indent="0">
+                <a:lnSpc>
+                  <a:spcPct val="100000"/>
+                </a:lnSpc>
+                <a:buNone/>
+              </a:pPr>
+              <a:r>
+                <a:rPr lang="en-US" sz="2000" dirty="0">
+                  <a:latin typeface="Courier New" panose="02070309020205020404" pitchFamily="49" charset="0"/>
+                  <a:ea typeface="Helvetica Neue" panose="02000503000000020004" pitchFamily="2" charset="0"/>
+                  <a:cs typeface="Courier New" panose="02070309020205020404" pitchFamily="49" charset="0"/>
+                </a:rPr>
+                <a:t>module spider &lt;package&gt;			# view info for all version</a:t>
+              </a:r>
+            </a:p>
+            <a:p>
+              <a:pPr marL="0" indent="0">
+                <a:lnSpc>
+                  <a:spcPct val="100000"/>
+                </a:lnSpc>
+                <a:buNone/>
+              </a:pPr>
+              <a:r>
+                <a:rPr lang="en-US" sz="2000" dirty="0">
+                  <a:latin typeface="Courier New" panose="02070309020205020404" pitchFamily="49" charset="0"/>
+                  <a:ea typeface="Helvetica Neue" panose="02000503000000020004" pitchFamily="2" charset="0"/>
+                  <a:cs typeface="Courier New" panose="02070309020205020404" pitchFamily="49" charset="0"/>
+                </a:rPr>
+                <a:t>module spider &lt;package/version&gt; 	# view info for specific version</a:t>
+              </a:r>
+            </a:p>
+            <a:p>
+              <a:pPr marL="0" indent="0">
+                <a:lnSpc>
+                  <a:spcPct val="100000"/>
+                </a:lnSpc>
+                <a:buNone/>
+              </a:pPr>
+              <a:r>
+                <a:rPr lang="en-US" sz="2000" dirty="0">
+                  <a:latin typeface="Monaco"/>
+                </a:rPr>
+                <a:t>	</a:t>
+              </a:r>
+            </a:p>
+          </p:txBody>
+        </p:sp>
+      </p:grpSp>
+      <p:sp>
+        <p:nvSpPr>
+          <p:cNvPr id="10" name="Slide Number Placeholder 9">
+            <a:extLst>
+              <a:ext uri="{FF2B5EF4-FFF2-40B4-BE49-F238E27FC236}">
+                <a16:creationId xmlns:a16="http://schemas.microsoft.com/office/drawing/2014/main" id="{8A564E97-89CB-7A68-2107-F1E85B8AC7C5}"/>
+              </a:ext>
+            </a:extLst>
+          </p:cNvPr>
+          <p:cNvSpPr>
+            <a:spLocks noGrp="1"/>
+          </p:cNvSpPr>
+          <p:nvPr>
+            <p:ph type="sldNum" sz="quarter" idx="12"/>
+          </p:nvPr>
+        </p:nvSpPr>
+        <p:spPr/>
+        <p:txBody>
+          <a:bodyPr/>
+          <a:lstStyle/>
+          <a:p>
+            <a:fld id="{ABDA560F-461C-6043-9BC4-489BA92F7161}" type="slidenum">
+              <a:rPr lang="en-US" smtClean="0"/>
+              <a:t>10</a:t>
+            </a:fld>
+            <a:endParaRPr lang="en-US"/>
+          </a:p>
+        </p:txBody>
+      </p:sp>
+    </p:spTree>
+    <p:extLst>
+      <p:ext uri="{BB962C8B-B14F-4D97-AF65-F5344CB8AC3E}">
+        <p14:creationId xmlns:p14="http://schemas.microsoft.com/office/powerpoint/2010/main" val="1361976318"/>
+      </p:ext>
+    </p:extLst>
+  </p:cSld>
+  <p:clrMapOvr>
+    <a:masterClrMapping/>
+  </p:clrMapOvr>
+</p:sld>
+</file>
+
+<file path=ppt/slides/slide11.xml><?xml version="1.0" encoding="utf-8"?>
+<p:sld xmlns:a="http://schemas.openxmlformats.org/drawingml/2006/main" xmlns:r="http://schemas.openxmlformats.org/officeDocument/2006/relationships" xmlns:p="http://schemas.openxmlformats.org/presentationml/2006/main">
+  <p:cSld>
+    <p:spTree>
+      <p:nvGrpSpPr>
+        <p:cNvPr id="1" name=""/>
+        <p:cNvGrpSpPr/>
+        <p:nvPr/>
+      </p:nvGrpSpPr>
+      <p:grpSpPr>
+        <a:xfrm>
+          <a:off x="0" y="0"/>
+          <a:ext cx="0" cy="0"/>
+          <a:chOff x="0" y="0"/>
+          <a:chExt cx="0" cy="0"/>
+        </a:xfrm>
+      </p:grpSpPr>
+      <p:sp>
+        <p:nvSpPr>
+          <p:cNvPr id="2" name="Title 1">
+            <a:extLst>
+              <a:ext uri="{FF2B5EF4-FFF2-40B4-BE49-F238E27FC236}">
+                <a16:creationId xmlns:a16="http://schemas.microsoft.com/office/drawing/2014/main" id="{6FADF519-AE7F-36C9-168F-1F04A49B8831}"/>
+              </a:ext>
+            </a:extLst>
+          </p:cNvPr>
+          <p:cNvSpPr>
+            <a:spLocks noGrp="1"/>
+          </p:cNvSpPr>
+          <p:nvPr>
+            <p:ph type="title"/>
+          </p:nvPr>
+        </p:nvSpPr>
+        <p:spPr/>
+        <p:txBody>
+          <a:bodyPr/>
+          <a:lstStyle/>
+          <a:p>
+            <a:r>
+              <a:rPr lang="en-US" b="1" dirty="0">
+                <a:latin typeface="Century Gothic" panose="020B0502020202020204" pitchFamily="34" charset="0"/>
+              </a:rPr>
+              <a:t>The Module System </a:t>
+            </a:r>
+          </a:p>
+        </p:txBody>
+      </p:sp>
+      <p:sp>
+        <p:nvSpPr>
+          <p:cNvPr id="3" name="Content Placeholder 2">
+            <a:extLst>
+              <a:ext uri="{FF2B5EF4-FFF2-40B4-BE49-F238E27FC236}">
+                <a16:creationId xmlns:a16="http://schemas.microsoft.com/office/drawing/2014/main" id="{6484EA7B-346E-9CB5-DB70-6227BCA98122}"/>
+              </a:ext>
+            </a:extLst>
+          </p:cNvPr>
+          <p:cNvSpPr>
+            <a:spLocks noGrp="1"/>
+          </p:cNvSpPr>
+          <p:nvPr>
+            <p:ph idx="1"/>
+          </p:nvPr>
+        </p:nvSpPr>
         <p:spPr/>
         <p:txBody>
           <a:bodyPr>
@@ -5701,7 +6425,7 @@
           <a:p>
             <a:fld id="{ABDA560F-461C-6043-9BC4-489BA92F7161}" type="slidenum">
               <a:rPr lang="en-US" smtClean="0"/>
-              <a:t>10</a:t>
+              <a:t>11</a:t>
             </a:fld>
             <a:endParaRPr lang="en-US"/>
           </a:p>
@@ -5711,468 +6435,6 @@
     <p:extLst>
       <p:ext uri="{BB962C8B-B14F-4D97-AF65-F5344CB8AC3E}">
         <p14:creationId xmlns:p14="http://schemas.microsoft.com/office/powerpoint/2010/main" val="1311368502"/>
-      </p:ext>
-    </p:extLst>
-  </p:cSld>
-  <p:clrMapOvr>
-    <a:masterClrMapping/>
-  </p:clrMapOvr>
-  <p:timing>
-    <p:tnLst>
-      <p:par>
-        <p:cTn id="1" dur="indefinite" restart="never" nodeType="tmRoot">
-          <p:childTnLst>
-            <p:seq concurrent="1" nextAc="seek">
-              <p:cTn id="2" dur="indefinite" nodeType="mainSeq">
-                <p:childTnLst>
-                  <p:par>
-                    <p:cTn id="3" fill="hold">
-                      <p:stCondLst>
-                        <p:cond delay="indefinite"/>
-                      </p:stCondLst>
-                      <p:childTnLst>
-                        <p:par>
-                          <p:cTn id="4" fill="hold">
-                            <p:stCondLst>
-                              <p:cond delay="0"/>
-                            </p:stCondLst>
-                            <p:childTnLst>
-                              <p:par>
-                                <p:cTn id="5" presetID="1" presetClass="entr" presetSubtype="0" fill="hold" nodeType="clickEffect">
-                                  <p:stCondLst>
-                                    <p:cond delay="0"/>
-                                  </p:stCondLst>
-                                  <p:childTnLst>
-                                    <p:set>
-                                      <p:cBhvr>
-                                        <p:cTn id="6" dur="1" fill="hold">
-                                          <p:stCondLst>
-                                            <p:cond delay="0"/>
-                                          </p:stCondLst>
-                                        </p:cTn>
-                                        <p:tgtEl>
-                                          <p:spTgt spid="3">
-                                            <p:txEl>
-                                              <p:pRg st="1" end="1"/>
-                                            </p:txEl>
-                                          </p:spTgt>
-                                        </p:tgtEl>
-                                        <p:attrNameLst>
-                                          <p:attrName>style.visibility</p:attrName>
-                                        </p:attrNameLst>
-                                      </p:cBhvr>
-                                      <p:to>
-                                        <p:strVal val="visible"/>
-                                      </p:to>
-                                    </p:set>
-                                  </p:childTnLst>
-                                </p:cTn>
-                              </p:par>
-                            </p:childTnLst>
-                          </p:cTn>
-                        </p:par>
-                      </p:childTnLst>
-                    </p:cTn>
-                  </p:par>
-                  <p:par>
-                    <p:cTn id="7" fill="hold">
-                      <p:stCondLst>
-                        <p:cond delay="indefinite"/>
-                      </p:stCondLst>
-                      <p:childTnLst>
-                        <p:par>
-                          <p:cTn id="8" fill="hold">
-                            <p:stCondLst>
-                              <p:cond delay="0"/>
-                            </p:stCondLst>
-                            <p:childTnLst>
-                              <p:par>
-                                <p:cTn id="9" presetID="1" presetClass="entr" presetSubtype="0" fill="hold" nodeType="clickEffect">
-                                  <p:stCondLst>
-                                    <p:cond delay="0"/>
-                                  </p:stCondLst>
-                                  <p:childTnLst>
-                                    <p:set>
-                                      <p:cBhvr>
-                                        <p:cTn id="10" dur="1" fill="hold">
-                                          <p:stCondLst>
-                                            <p:cond delay="0"/>
-                                          </p:stCondLst>
-                                        </p:cTn>
-                                        <p:tgtEl>
-                                          <p:spTgt spid="3">
-                                            <p:txEl>
-                                              <p:pRg st="2" end="2"/>
-                                            </p:txEl>
-                                          </p:spTgt>
-                                        </p:tgtEl>
-                                        <p:attrNameLst>
-                                          <p:attrName>style.visibility</p:attrName>
-                                        </p:attrNameLst>
-                                      </p:cBhvr>
-                                      <p:to>
-                                        <p:strVal val="visible"/>
-                                      </p:to>
-                                    </p:set>
-                                  </p:childTnLst>
-                                </p:cTn>
-                              </p:par>
-                            </p:childTnLst>
-                          </p:cTn>
-                        </p:par>
-                      </p:childTnLst>
-                    </p:cTn>
-                  </p:par>
-                  <p:par>
-                    <p:cTn id="11" fill="hold">
-                      <p:stCondLst>
-                        <p:cond delay="indefinite"/>
-                      </p:stCondLst>
-                      <p:childTnLst>
-                        <p:par>
-                          <p:cTn id="12" fill="hold">
-                            <p:stCondLst>
-                              <p:cond delay="0"/>
-                            </p:stCondLst>
-                            <p:childTnLst>
-                              <p:par>
-                                <p:cTn id="13" presetID="1" presetClass="entr" presetSubtype="0" fill="hold" nodeType="clickEffect">
-                                  <p:stCondLst>
-                                    <p:cond delay="0"/>
-                                  </p:stCondLst>
-                                  <p:childTnLst>
-                                    <p:set>
-                                      <p:cBhvr>
-                                        <p:cTn id="14" dur="1" fill="hold">
-                                          <p:stCondLst>
-                                            <p:cond delay="0"/>
-                                          </p:stCondLst>
-                                        </p:cTn>
-                                        <p:tgtEl>
-                                          <p:spTgt spid="3">
-                                            <p:txEl>
-                                              <p:pRg st="3" end="3"/>
-                                            </p:txEl>
-                                          </p:spTgt>
-                                        </p:tgtEl>
-                                        <p:attrNameLst>
-                                          <p:attrName>style.visibility</p:attrName>
-                                        </p:attrNameLst>
-                                      </p:cBhvr>
-                                      <p:to>
-                                        <p:strVal val="visible"/>
-                                      </p:to>
-                                    </p:set>
-                                  </p:childTnLst>
-                                </p:cTn>
-                              </p:par>
-                            </p:childTnLst>
-                          </p:cTn>
-                        </p:par>
-                      </p:childTnLst>
-                    </p:cTn>
-                  </p:par>
-                  <p:par>
-                    <p:cTn id="15" fill="hold">
-                      <p:stCondLst>
-                        <p:cond delay="indefinite"/>
-                      </p:stCondLst>
-                      <p:childTnLst>
-                        <p:par>
-                          <p:cTn id="16" fill="hold">
-                            <p:stCondLst>
-                              <p:cond delay="0"/>
-                            </p:stCondLst>
-                            <p:childTnLst>
-                              <p:par>
-                                <p:cTn id="17" presetID="1" presetClass="entr" presetSubtype="0" fill="hold" nodeType="clickEffect">
-                                  <p:stCondLst>
-                                    <p:cond delay="0"/>
-                                  </p:stCondLst>
-                                  <p:childTnLst>
-                                    <p:set>
-                                      <p:cBhvr>
-                                        <p:cTn id="18" dur="1" fill="hold">
-                                          <p:stCondLst>
-                                            <p:cond delay="0"/>
-                                          </p:stCondLst>
-                                        </p:cTn>
-                                        <p:tgtEl>
-                                          <p:spTgt spid="3">
-                                            <p:txEl>
-                                              <p:pRg st="4" end="4"/>
-                                            </p:txEl>
-                                          </p:spTgt>
-                                        </p:tgtEl>
-                                        <p:attrNameLst>
-                                          <p:attrName>style.visibility</p:attrName>
-                                        </p:attrNameLst>
-                                      </p:cBhvr>
-                                      <p:to>
-                                        <p:strVal val="visible"/>
-                                      </p:to>
-                                    </p:set>
-                                  </p:childTnLst>
-                                </p:cTn>
-                              </p:par>
-                            </p:childTnLst>
-                          </p:cTn>
-                        </p:par>
-                      </p:childTnLst>
-                    </p:cTn>
-                  </p:par>
-                </p:childTnLst>
-              </p:cTn>
-              <p:prevCondLst>
-                <p:cond evt="onPrev" delay="0">
-                  <p:tgtEl>
-                    <p:sldTgt/>
-                  </p:tgtEl>
-                </p:cond>
-              </p:prevCondLst>
-              <p:nextCondLst>
-                <p:cond evt="onNext" delay="0">
-                  <p:tgtEl>
-                    <p:sldTgt/>
-                  </p:tgtEl>
-                </p:cond>
-              </p:nextCondLst>
-            </p:seq>
-          </p:childTnLst>
-        </p:cTn>
-      </p:par>
-    </p:tnLst>
-  </p:timing>
-</p:sld>
-</file>
-
-<file path=ppt/slides/slide11.xml><?xml version="1.0" encoding="utf-8"?>
-<p:sld xmlns:a="http://schemas.openxmlformats.org/drawingml/2006/main" xmlns:r="http://schemas.openxmlformats.org/officeDocument/2006/relationships" xmlns:p="http://schemas.openxmlformats.org/presentationml/2006/main">
-  <p:cSld>
-    <p:spTree>
-      <p:nvGrpSpPr>
-        <p:cNvPr id="1" name=""/>
-        <p:cNvGrpSpPr/>
-        <p:nvPr/>
-      </p:nvGrpSpPr>
-      <p:grpSpPr>
-        <a:xfrm>
-          <a:off x="0" y="0"/>
-          <a:ext cx="0" cy="0"/>
-          <a:chOff x="0" y="0"/>
-          <a:chExt cx="0" cy="0"/>
-        </a:xfrm>
-      </p:grpSpPr>
-      <p:sp>
-        <p:nvSpPr>
-          <p:cNvPr id="2" name="Title 1">
-            <a:extLst>
-              <a:ext uri="{FF2B5EF4-FFF2-40B4-BE49-F238E27FC236}">
-                <a16:creationId xmlns:a16="http://schemas.microsoft.com/office/drawing/2014/main" id="{6FADF519-AE7F-36C9-168F-1F04A49B8831}"/>
-              </a:ext>
-            </a:extLst>
-          </p:cNvPr>
-          <p:cNvSpPr>
-            <a:spLocks noGrp="1"/>
-          </p:cNvSpPr>
-          <p:nvPr>
-            <p:ph type="title"/>
-          </p:nvPr>
-        </p:nvSpPr>
-        <p:spPr/>
-        <p:txBody>
-          <a:bodyPr/>
-          <a:lstStyle/>
-          <a:p>
-            <a:r>
-              <a:rPr lang="en-US" b="1">
-                <a:latin typeface="Century Gothic" panose="020B0502020202020204" pitchFamily="34" charset="0"/>
-              </a:rPr>
-              <a:t>Building Software on CURC Systems</a:t>
-            </a:r>
-          </a:p>
-        </p:txBody>
-      </p:sp>
-      <p:sp>
-        <p:nvSpPr>
-          <p:cNvPr id="3" name="Content Placeholder 2">
-            <a:extLst>
-              <a:ext uri="{FF2B5EF4-FFF2-40B4-BE49-F238E27FC236}">
-                <a16:creationId xmlns:a16="http://schemas.microsoft.com/office/drawing/2014/main" id="{6484EA7B-346E-9CB5-DB70-6227BCA98122}"/>
-              </a:ext>
-            </a:extLst>
-          </p:cNvPr>
-          <p:cNvSpPr>
-            <a:spLocks noGrp="1"/>
-          </p:cNvSpPr>
-          <p:nvPr>
-            <p:ph idx="1"/>
-          </p:nvPr>
-        </p:nvSpPr>
-        <p:spPr/>
-        <p:txBody>
-          <a:bodyPr>
-            <a:normAutofit/>
-          </a:bodyPr>
-          <a:lstStyle/>
-          <a:p>
-            <a:r>
-              <a:rPr lang="en-US" sz="3200">
-                <a:latin typeface="Century Gothic" panose="020B0502020202020204" pitchFamily="34" charset="0"/>
-              </a:rPr>
-              <a:t>Definitions</a:t>
-            </a:r>
-          </a:p>
-          <a:p>
-            <a:pPr lvl="1"/>
-            <a:r>
-              <a:rPr lang="en-US" sz="2800" b="1">
-                <a:latin typeface="Century Gothic" panose="020B0502020202020204" pitchFamily="34" charset="0"/>
-              </a:rPr>
-              <a:t>Building- </a:t>
-            </a:r>
-            <a:r>
-              <a:rPr lang="en-US" sz="2800">
-                <a:latin typeface="Century Gothic" panose="020B0502020202020204" pitchFamily="34" charset="0"/>
-              </a:rPr>
-              <a:t>a</a:t>
-            </a:r>
-            <a:r>
-              <a:rPr lang="en-US" sz="2800" b="1">
-                <a:latin typeface="Century Gothic" panose="020B0502020202020204" pitchFamily="34" charset="0"/>
-              </a:rPr>
-              <a:t> </a:t>
-            </a:r>
-            <a:r>
-              <a:rPr lang="en-US" sz="2800">
-                <a:latin typeface="Century Gothic" panose="020B0502020202020204" pitchFamily="34" charset="0"/>
-              </a:rPr>
-              <a:t>generic term describing the overall installation process that includes compiling</a:t>
-            </a:r>
-            <a:endParaRPr lang="en-US" sz="2800" b="1">
-              <a:latin typeface="Century Gothic" panose="020B0502020202020204" pitchFamily="34" charset="0"/>
-            </a:endParaRPr>
-          </a:p>
-          <a:p>
-            <a:pPr lvl="1"/>
-            <a:r>
-              <a:rPr lang="en-US" sz="2800" b="1">
-                <a:latin typeface="Century Gothic" panose="020B0502020202020204" pitchFamily="34" charset="0"/>
-              </a:rPr>
-              <a:t>Compiling</a:t>
-            </a:r>
-            <a:r>
-              <a:rPr lang="en-US" sz="2800">
-                <a:latin typeface="Century Gothic" panose="020B0502020202020204" pitchFamily="34" charset="0"/>
-              </a:rPr>
-              <a:t>- the process of converting source code to an executable</a:t>
-            </a:r>
-          </a:p>
-          <a:p>
-            <a:pPr lvl="1"/>
-            <a:r>
-              <a:rPr lang="en-US" sz="2800" b="1">
-                <a:latin typeface="Century Gothic" panose="020B0502020202020204" pitchFamily="34" charset="0"/>
-              </a:rPr>
-              <a:t>Linking</a:t>
-            </a:r>
-            <a:r>
-              <a:rPr lang="en-US" sz="2800">
-                <a:latin typeface="Century Gothic" panose="020B0502020202020204" pitchFamily="34" charset="0"/>
-              </a:rPr>
-              <a:t>- the process of combining pieces of code and data into a single file that can be loaded into memory and executed</a:t>
-            </a:r>
-          </a:p>
-          <a:p>
-            <a:pPr lvl="1"/>
-            <a:r>
-              <a:rPr lang="en-US" sz="2800" b="1">
-                <a:latin typeface="Century Gothic" panose="020B0502020202020204" pitchFamily="34" charset="0"/>
-              </a:rPr>
-              <a:t>Installing</a:t>
-            </a:r>
-            <a:r>
-              <a:rPr lang="en-US" sz="2800">
-                <a:latin typeface="Century Gothic" panose="020B0502020202020204" pitchFamily="34" charset="0"/>
-              </a:rPr>
-              <a:t>- any process that results in executables</a:t>
-            </a:r>
-            <a:endParaRPr lang="en-US" sz="2800" b="1">
-              <a:latin typeface="Century Gothic" panose="020B0502020202020204" pitchFamily="34" charset="0"/>
-            </a:endParaRPr>
-          </a:p>
-          <a:p>
-            <a:pPr marL="457200" lvl="1" indent="0">
-              <a:buNone/>
-            </a:pPr>
-            <a:endParaRPr lang="en-US" sz="2800" b="1">
-              <a:latin typeface="Century Gothic" panose="020B0502020202020204" pitchFamily="34" charset="0"/>
-            </a:endParaRPr>
-          </a:p>
-        </p:txBody>
-      </p:sp>
-      <p:sp>
-        <p:nvSpPr>
-          <p:cNvPr id="4" name="Date Placeholder 3">
-            <a:extLst>
-              <a:ext uri="{FF2B5EF4-FFF2-40B4-BE49-F238E27FC236}">
-                <a16:creationId xmlns:a16="http://schemas.microsoft.com/office/drawing/2014/main" id="{FB497113-4E89-1CAC-8F64-8E901EF4D66E}"/>
-              </a:ext>
-            </a:extLst>
-          </p:cNvPr>
-          <p:cNvSpPr>
-            <a:spLocks noGrp="1"/>
-          </p:cNvSpPr>
-          <p:nvPr>
-            <p:ph type="dt" sz="half" idx="10"/>
-          </p:nvPr>
-        </p:nvSpPr>
-        <p:spPr/>
-        <p:txBody>
-          <a:bodyPr/>
-          <a:lstStyle/>
-          <a:p>
-            <a:pPr algn="ctr"/>
-            <a:r>
-              <a:rPr lang="en-US" dirty="0"/>
-              <a:t>3/5/24</a:t>
-            </a:r>
-          </a:p>
-        </p:txBody>
-      </p:sp>
-      <p:sp>
-        <p:nvSpPr>
-          <p:cNvPr id="6" name="Slide Number Placeholder 5">
-            <a:extLst>
-              <a:ext uri="{FF2B5EF4-FFF2-40B4-BE49-F238E27FC236}">
-                <a16:creationId xmlns:a16="http://schemas.microsoft.com/office/drawing/2014/main" id="{57A70CEC-FAC2-B59D-3E30-9863AA27CA50}"/>
-              </a:ext>
-            </a:extLst>
-          </p:cNvPr>
-          <p:cNvSpPr>
-            <a:spLocks noGrp="1"/>
-          </p:cNvSpPr>
-          <p:nvPr>
-            <p:ph type="sldNum" sz="quarter" idx="12"/>
-          </p:nvPr>
-        </p:nvSpPr>
-        <p:spPr/>
-        <p:txBody>
-          <a:bodyPr/>
-          <a:lstStyle/>
-          <a:p>
-            <a:fld id="{ABDA560F-461C-6043-9BC4-489BA92F7161}" type="slidenum">
-              <a:rPr lang="en-US" smtClean="0"/>
-              <a:t>11</a:t>
-            </a:fld>
-            <a:endParaRPr lang="en-US"/>
-          </a:p>
-        </p:txBody>
-      </p:sp>
-    </p:spTree>
-    <p:extLst>
-      <p:ext uri="{BB962C8B-B14F-4D97-AF65-F5344CB8AC3E}">
-        <p14:creationId xmlns:p14="http://schemas.microsoft.com/office/powerpoint/2010/main" val="1899867223"/>
       </p:ext>
     </p:extLst>
   </p:cSld>
@@ -6447,6 +6709,225 @@
           <a:lstStyle/>
           <a:p>
             <a:r>
+              <a:rPr lang="en-US" b="1" dirty="0">
+                <a:latin typeface="Century Gothic" panose="020B0502020202020204" pitchFamily="34" charset="0"/>
+              </a:rPr>
+              <a:t>The Module System </a:t>
+            </a:r>
+          </a:p>
+        </p:txBody>
+      </p:sp>
+      <p:sp>
+        <p:nvSpPr>
+          <p:cNvPr id="4" name="Date Placeholder 3">
+            <a:extLst>
+              <a:ext uri="{FF2B5EF4-FFF2-40B4-BE49-F238E27FC236}">
+                <a16:creationId xmlns:a16="http://schemas.microsoft.com/office/drawing/2014/main" id="{FB497113-4E89-1CAC-8F64-8E901EF4D66E}"/>
+              </a:ext>
+            </a:extLst>
+          </p:cNvPr>
+          <p:cNvSpPr>
+            <a:spLocks noGrp="1"/>
+          </p:cNvSpPr>
+          <p:nvPr>
+            <p:ph type="dt" sz="half" idx="10"/>
+          </p:nvPr>
+        </p:nvSpPr>
+        <p:spPr/>
+        <p:txBody>
+          <a:bodyPr/>
+          <a:lstStyle/>
+          <a:p>
+            <a:pPr algn="ctr"/>
+            <a:r>
+              <a:rPr lang="en-US" dirty="0"/>
+              <a:t>3/5/24</a:t>
+            </a:r>
+          </a:p>
+        </p:txBody>
+      </p:sp>
+      <p:sp>
+        <p:nvSpPr>
+          <p:cNvPr id="22" name="TextBox 21">
+            <a:extLst>
+              <a:ext uri="{FF2B5EF4-FFF2-40B4-BE49-F238E27FC236}">
+                <a16:creationId xmlns:a16="http://schemas.microsoft.com/office/drawing/2014/main" id="{CDAE866F-9A4C-BC78-08C5-4310C2B3246B}"/>
+              </a:ext>
+            </a:extLst>
+          </p:cNvPr>
+          <p:cNvSpPr txBox="1"/>
+          <p:nvPr/>
+        </p:nvSpPr>
+        <p:spPr>
+          <a:xfrm>
+            <a:off x="569877" y="1906130"/>
+            <a:ext cx="11052246" cy="3970318"/>
+          </a:xfrm>
+          <a:prstGeom prst="rect">
+            <a:avLst/>
+          </a:prstGeom>
+          <a:noFill/>
+        </p:spPr>
+        <p:txBody>
+          <a:bodyPr wrap="square" rtlCol="0" anchor="ctr">
+            <a:spAutoFit/>
+          </a:bodyPr>
+          <a:lstStyle/>
+          <a:p>
+            <a:r>
+              <a:rPr lang="en-US" sz="2800" dirty="0">
+                <a:latin typeface="Century Gothic" panose="020B0502020202020204" pitchFamily="34" charset="0"/>
+              </a:rPr>
+              <a:t>Hands-on exercise #1</a:t>
+            </a:r>
+          </a:p>
+          <a:p>
+            <a:endParaRPr lang="en-US" sz="2800" dirty="0">
+              <a:latin typeface="Century Gothic" panose="020B0502020202020204" pitchFamily="34" charset="0"/>
+            </a:endParaRPr>
+          </a:p>
+          <a:p>
+            <a:r>
+              <a:rPr lang="en-US" sz="2800" b="1" dirty="0">
+                <a:latin typeface="Century Gothic" panose="020B0502020202020204" pitchFamily="34" charset="0"/>
+              </a:rPr>
+              <a:t>Objectives:</a:t>
+            </a:r>
+          </a:p>
+          <a:p>
+            <a:pPr marL="514350" indent="-514350">
+              <a:buAutoNum type="arabicParenR"/>
+            </a:pPr>
+            <a:r>
+              <a:rPr lang="en-US" sz="2800" dirty="0">
+                <a:latin typeface="Century Gothic" panose="020B0502020202020204" pitchFamily="34" charset="0"/>
+              </a:rPr>
+              <a:t>Log in to the CU Research Computing System</a:t>
+            </a:r>
+          </a:p>
+          <a:p>
+            <a:pPr marL="514350" indent="-514350">
+              <a:buAutoNum type="arabicParenR"/>
+            </a:pPr>
+            <a:r>
+              <a:rPr lang="en-US" sz="2800" dirty="0">
+                <a:latin typeface="Century Gothic" panose="020B0502020202020204" pitchFamily="34" charset="0"/>
+              </a:rPr>
+              <a:t>Explore the CURC module stack</a:t>
+            </a:r>
+          </a:p>
+          <a:p>
+            <a:endParaRPr lang="en-US" sz="2800" dirty="0">
+              <a:latin typeface="Century Gothic" panose="020B0502020202020204" pitchFamily="34" charset="0"/>
+            </a:endParaRPr>
+          </a:p>
+          <a:p>
+            <a:r>
+              <a:rPr lang="en-US" sz="2800" b="1" dirty="0">
+                <a:latin typeface="Century Gothic" panose="020B0502020202020204" pitchFamily="34" charset="0"/>
+              </a:rPr>
+              <a:t>Estimated time to complete</a:t>
+            </a:r>
+            <a:r>
+              <a:rPr lang="en-US" sz="2800" dirty="0">
+                <a:latin typeface="Century Gothic" panose="020B0502020202020204" pitchFamily="34" charset="0"/>
+              </a:rPr>
+              <a:t>: 5 minutes</a:t>
+            </a:r>
+          </a:p>
+          <a:p>
+            <a:endParaRPr lang="en-US" sz="2800" b="1" dirty="0">
+              <a:latin typeface="Century Gothic" panose="020B0502020202020204" pitchFamily="34" charset="0"/>
+            </a:endParaRPr>
+          </a:p>
+          <a:p>
+            <a:endParaRPr lang="en-US" sz="2800" b="1" dirty="0">
+              <a:latin typeface="Century Gothic" panose="020B0502020202020204" pitchFamily="34" charset="0"/>
+            </a:endParaRPr>
+          </a:p>
+        </p:txBody>
+      </p:sp>
+      <p:sp>
+        <p:nvSpPr>
+          <p:cNvPr id="3" name="Slide Number Placeholder 2">
+            <a:extLst>
+              <a:ext uri="{FF2B5EF4-FFF2-40B4-BE49-F238E27FC236}">
+                <a16:creationId xmlns:a16="http://schemas.microsoft.com/office/drawing/2014/main" id="{91FA35DD-4DE7-AC61-0C57-A6F8C4847748}"/>
+              </a:ext>
+            </a:extLst>
+          </p:cNvPr>
+          <p:cNvSpPr>
+            <a:spLocks noGrp="1"/>
+          </p:cNvSpPr>
+          <p:nvPr>
+            <p:ph type="sldNum" sz="quarter" idx="12"/>
+          </p:nvPr>
+        </p:nvSpPr>
+        <p:spPr/>
+        <p:txBody>
+          <a:bodyPr/>
+          <a:lstStyle/>
+          <a:p>
+            <a:fld id="{ABDA560F-461C-6043-9BC4-489BA92F7161}" type="slidenum">
+              <a:rPr lang="en-US" smtClean="0"/>
+              <a:t>12</a:t>
+            </a:fld>
+            <a:endParaRPr lang="en-US"/>
+          </a:p>
+        </p:txBody>
+      </p:sp>
+    </p:spTree>
+    <p:extLst>
+      <p:ext uri="{BB962C8B-B14F-4D97-AF65-F5344CB8AC3E}">
+        <p14:creationId xmlns:p14="http://schemas.microsoft.com/office/powerpoint/2010/main" val="4137536846"/>
+      </p:ext>
+    </p:extLst>
+  </p:cSld>
+  <p:clrMapOvr>
+    <a:masterClrMapping/>
+  </p:clrMapOvr>
+</p:sld>
+</file>
+
+<file path=ppt/slides/slide13.xml><?xml version="1.0" encoding="utf-8"?>
+<p:sld xmlns:a="http://schemas.openxmlformats.org/drawingml/2006/main" xmlns:r="http://schemas.openxmlformats.org/officeDocument/2006/relationships" xmlns:p="http://schemas.openxmlformats.org/presentationml/2006/main">
+  <p:cSld>
+    <p:spTree>
+      <p:nvGrpSpPr>
+        <p:cNvPr id="1" name=""/>
+        <p:cNvGrpSpPr/>
+        <p:nvPr/>
+      </p:nvGrpSpPr>
+      <p:grpSpPr>
+        <a:xfrm>
+          <a:off x="0" y="0"/>
+          <a:ext cx="0" cy="0"/>
+          <a:chOff x="0" y="0"/>
+          <a:chExt cx="0" cy="0"/>
+        </a:xfrm>
+      </p:grpSpPr>
+      <p:sp>
+        <p:nvSpPr>
+          <p:cNvPr id="2" name="Title 1">
+            <a:extLst>
+              <a:ext uri="{FF2B5EF4-FFF2-40B4-BE49-F238E27FC236}">
+                <a16:creationId xmlns:a16="http://schemas.microsoft.com/office/drawing/2014/main" id="{6FADF519-AE7F-36C9-168F-1F04A49B8831}"/>
+              </a:ext>
+            </a:extLst>
+          </p:cNvPr>
+          <p:cNvSpPr>
+            <a:spLocks noGrp="1"/>
+          </p:cNvSpPr>
+          <p:nvPr>
+            <p:ph type="title"/>
+          </p:nvPr>
+        </p:nvSpPr>
+        <p:spPr/>
+        <p:txBody>
+          <a:bodyPr/>
+          <a:lstStyle/>
+          <a:p>
+            <a:r>
               <a:rPr lang="en-US" b="1">
                 <a:latin typeface="Century Gothic" panose="020B0502020202020204" pitchFamily="34" charset="0"/>
               </a:rPr>
@@ -6479,108 +6960,87 @@
           <a:lstStyle/>
           <a:p>
             <a:r>
-              <a:rPr lang="en-US" sz="3200" dirty="0">
+              <a:rPr lang="en-US" sz="3200">
                 <a:latin typeface="Century Gothic" panose="020B0502020202020204" pitchFamily="34" charset="0"/>
               </a:rPr>
-              <a:t>There are numerous ways to install software on CURC systems</a:t>
+              <a:t>Definitions</a:t>
             </a:r>
           </a:p>
           <a:p>
             <a:pPr lvl="1"/>
             <a:r>
-              <a:rPr lang="en-US" sz="2800" dirty="0">
+              <a:rPr lang="en-US" sz="2800" b="1">
                 <a:latin typeface="Century Gothic" panose="020B0502020202020204" pitchFamily="34" charset="0"/>
               </a:rPr>
-              <a:t>grab pre-compiled binaries</a:t>
-            </a:r>
+              <a:t>Building- </a:t>
+            </a:r>
+            <a:r>
+              <a:rPr lang="en-US" sz="2800">
+                <a:latin typeface="Century Gothic" panose="020B0502020202020204" pitchFamily="34" charset="0"/>
+              </a:rPr>
+              <a:t>a</a:t>
+            </a:r>
+            <a:r>
+              <a:rPr lang="en-US" sz="2800" b="1">
+                <a:latin typeface="Century Gothic" panose="020B0502020202020204" pitchFamily="34" charset="0"/>
+              </a:rPr>
+              <a:t> </a:t>
+            </a:r>
+            <a:r>
+              <a:rPr lang="en-US" sz="2800">
+                <a:latin typeface="Century Gothic" panose="020B0502020202020204" pitchFamily="34" charset="0"/>
+              </a:rPr>
+              <a:t>generic term describing the overall installation process that includes compiling</a:t>
+            </a:r>
+            <a:endParaRPr lang="en-US" sz="2800" b="1">
+              <a:latin typeface="Century Gothic" panose="020B0502020202020204" pitchFamily="34" charset="0"/>
+            </a:endParaRPr>
           </a:p>
           <a:p>
             <a:pPr lvl="1"/>
             <a:r>
-              <a:rPr lang="en-US" sz="2800" dirty="0">
+              <a:rPr lang="en-US" sz="2800" b="1">
                 <a:latin typeface="Century Gothic" panose="020B0502020202020204" pitchFamily="34" charset="0"/>
               </a:rPr>
-              <a:t>within virtual environments (using </a:t>
-            </a:r>
-            <a:r>
-              <a:rPr lang="en-US" sz="2800" dirty="0" err="1">
+              <a:t>Compiling</a:t>
+            </a:r>
+            <a:r>
+              <a:rPr lang="en-US" sz="2800">
                 <a:latin typeface="Century Gothic" panose="020B0502020202020204" pitchFamily="34" charset="0"/>
               </a:rPr>
-              <a:t>Conda</a:t>
-            </a:r>
-            <a:r>
-              <a:rPr lang="en-US" sz="2800" dirty="0">
+              <a:t>- the process of converting source code to an executable</a:t>
+            </a:r>
+          </a:p>
+          <a:p>
+            <a:pPr lvl="1"/>
+            <a:r>
+              <a:rPr lang="en-US" sz="2800" b="1">
                 <a:latin typeface="Century Gothic" panose="020B0502020202020204" pitchFamily="34" charset="0"/>
               </a:rPr>
-              <a:t>, </a:t>
-            </a:r>
-            <a:r>
-              <a:rPr lang="en-US" sz="2800" dirty="0" err="1">
+              <a:t>Linking</a:t>
+            </a:r>
+            <a:r>
+              <a:rPr lang="en-US" sz="2800">
                 <a:latin typeface="Century Gothic" panose="020B0502020202020204" pitchFamily="34" charset="0"/>
               </a:rPr>
-              <a:t>Miniconda</a:t>
-            </a:r>
-            <a:r>
-              <a:rPr lang="en-US" sz="2800" dirty="0">
+              <a:t>- the process of combining pieces of code and data into a single file that can be loaded into memory and executed</a:t>
+            </a:r>
+          </a:p>
+          <a:p>
+            <a:pPr lvl="1"/>
+            <a:r>
+              <a:rPr lang="en-US" sz="2800" b="1">
                 <a:latin typeface="Century Gothic" panose="020B0502020202020204" pitchFamily="34" charset="0"/>
               </a:rPr>
-              <a:t>, or Mamba)</a:t>
-            </a:r>
-          </a:p>
-          <a:p>
-            <a:pPr lvl="1"/>
-            <a:r>
-              <a:rPr lang="en-US" sz="2800" dirty="0">
+              <a:t>Installing</a:t>
+            </a:r>
+            <a:r>
+              <a:rPr lang="en-US" sz="2800">
                 <a:latin typeface="Century Gothic" panose="020B0502020202020204" pitchFamily="34" charset="0"/>
               </a:rPr>
-              <a:t>using containers (</a:t>
-            </a:r>
-            <a:r>
-              <a:rPr lang="en-US" sz="2800" dirty="0" err="1">
-                <a:latin typeface="Century Gothic" panose="020B0502020202020204" pitchFamily="34" charset="0"/>
-              </a:rPr>
-              <a:t>Apptainer</a:t>
-            </a:r>
-            <a:r>
-              <a:rPr lang="en-US" sz="2800" dirty="0">
-                <a:latin typeface="Century Gothic" panose="020B0502020202020204" pitchFamily="34" charset="0"/>
-              </a:rPr>
-              <a:t>)</a:t>
-            </a:r>
-          </a:p>
-          <a:p>
-            <a:pPr lvl="1"/>
-            <a:r>
-              <a:rPr lang="en-US" sz="2800" dirty="0">
-                <a:latin typeface="Century Gothic" panose="020B0502020202020204" pitchFamily="34" charset="0"/>
-              </a:rPr>
-              <a:t>from source</a:t>
-            </a:r>
-          </a:p>
-          <a:p>
-            <a:pPr lvl="1"/>
-            <a:r>
-              <a:rPr lang="en-US" sz="2800" dirty="0">
-                <a:latin typeface="Century Gothic" panose="020B0502020202020204" pitchFamily="34" charset="0"/>
-              </a:rPr>
-              <a:t>using a package manager for HPC systems (</a:t>
-            </a:r>
-            <a:r>
-              <a:rPr lang="en-US" sz="2800" dirty="0" err="1">
-                <a:latin typeface="Century Gothic" panose="020B0502020202020204" pitchFamily="34" charset="0"/>
-              </a:rPr>
-              <a:t>Spack</a:t>
-            </a:r>
-            <a:r>
-              <a:rPr lang="en-US" sz="2800" dirty="0">
-                <a:latin typeface="Century Gothic" panose="020B0502020202020204" pitchFamily="34" charset="0"/>
-              </a:rPr>
-              <a:t>)</a:t>
-            </a:r>
-          </a:p>
-          <a:p>
-            <a:pPr lvl="1"/>
-            <a:endParaRPr lang="en-US" dirty="0">
+              <a:t>- any process that results in executables</a:t>
+            </a:r>
+            <a:endParaRPr lang="en-US" sz="2800" b="1">
               <a:latin typeface="Century Gothic" panose="020B0502020202020204" pitchFamily="34" charset="0"/>
             </a:endParaRPr>
           </a:p>
@@ -6588,7 +7048,7 @@
             <a:pPr marL="457200" lvl="1" indent="0">
               <a:buNone/>
             </a:pPr>
-            <a:endParaRPr lang="en-US" sz="2800" b="1" dirty="0">
+            <a:endParaRPr lang="en-US" sz="2800" b="1">
               <a:latin typeface="Century Gothic" panose="020B0502020202020204" pitchFamily="34" charset="0"/>
             </a:endParaRPr>
           </a:p>
@@ -6628,6 +7088,489 @@
           <p:cNvPr id="6" name="Slide Number Placeholder 5">
             <a:extLst>
               <a:ext uri="{FF2B5EF4-FFF2-40B4-BE49-F238E27FC236}">
+                <a16:creationId xmlns:a16="http://schemas.microsoft.com/office/drawing/2014/main" id="{57A70CEC-FAC2-B59D-3E30-9863AA27CA50}"/>
+              </a:ext>
+            </a:extLst>
+          </p:cNvPr>
+          <p:cNvSpPr>
+            <a:spLocks noGrp="1"/>
+          </p:cNvSpPr>
+          <p:nvPr>
+            <p:ph type="sldNum" sz="quarter" idx="12"/>
+          </p:nvPr>
+        </p:nvSpPr>
+        <p:spPr/>
+        <p:txBody>
+          <a:bodyPr/>
+          <a:lstStyle/>
+          <a:p>
+            <a:fld id="{ABDA560F-461C-6043-9BC4-489BA92F7161}" type="slidenum">
+              <a:rPr lang="en-US" smtClean="0"/>
+              <a:t>13</a:t>
+            </a:fld>
+            <a:endParaRPr lang="en-US"/>
+          </a:p>
+        </p:txBody>
+      </p:sp>
+    </p:spTree>
+    <p:extLst>
+      <p:ext uri="{BB962C8B-B14F-4D97-AF65-F5344CB8AC3E}">
+        <p14:creationId xmlns:p14="http://schemas.microsoft.com/office/powerpoint/2010/main" val="1899867223"/>
+      </p:ext>
+    </p:extLst>
+  </p:cSld>
+  <p:clrMapOvr>
+    <a:masterClrMapping/>
+  </p:clrMapOvr>
+  <p:timing>
+    <p:tnLst>
+      <p:par>
+        <p:cTn id="1" dur="indefinite" restart="never" nodeType="tmRoot">
+          <p:childTnLst>
+            <p:seq concurrent="1" nextAc="seek">
+              <p:cTn id="2" dur="indefinite" nodeType="mainSeq">
+                <p:childTnLst>
+                  <p:par>
+                    <p:cTn id="3" fill="hold">
+                      <p:stCondLst>
+                        <p:cond delay="indefinite"/>
+                      </p:stCondLst>
+                      <p:childTnLst>
+                        <p:par>
+                          <p:cTn id="4" fill="hold">
+                            <p:stCondLst>
+                              <p:cond delay="0"/>
+                            </p:stCondLst>
+                            <p:childTnLst>
+                              <p:par>
+                                <p:cTn id="5" presetID="1" presetClass="entr" presetSubtype="0" fill="hold" nodeType="clickEffect">
+                                  <p:stCondLst>
+                                    <p:cond delay="0"/>
+                                  </p:stCondLst>
+                                  <p:childTnLst>
+                                    <p:set>
+                                      <p:cBhvr>
+                                        <p:cTn id="6" dur="1" fill="hold">
+                                          <p:stCondLst>
+                                            <p:cond delay="0"/>
+                                          </p:stCondLst>
+                                        </p:cTn>
+                                        <p:tgtEl>
+                                          <p:spTgt spid="3">
+                                            <p:txEl>
+                                              <p:pRg st="1" end="1"/>
+                                            </p:txEl>
+                                          </p:spTgt>
+                                        </p:tgtEl>
+                                        <p:attrNameLst>
+                                          <p:attrName>style.visibility</p:attrName>
+                                        </p:attrNameLst>
+                                      </p:cBhvr>
+                                      <p:to>
+                                        <p:strVal val="visible"/>
+                                      </p:to>
+                                    </p:set>
+                                  </p:childTnLst>
+                                </p:cTn>
+                              </p:par>
+                            </p:childTnLst>
+                          </p:cTn>
+                        </p:par>
+                      </p:childTnLst>
+                    </p:cTn>
+                  </p:par>
+                  <p:par>
+                    <p:cTn id="7" fill="hold">
+                      <p:stCondLst>
+                        <p:cond delay="indefinite"/>
+                      </p:stCondLst>
+                      <p:childTnLst>
+                        <p:par>
+                          <p:cTn id="8" fill="hold">
+                            <p:stCondLst>
+                              <p:cond delay="0"/>
+                            </p:stCondLst>
+                            <p:childTnLst>
+                              <p:par>
+                                <p:cTn id="9" presetID="1" presetClass="entr" presetSubtype="0" fill="hold" nodeType="clickEffect">
+                                  <p:stCondLst>
+                                    <p:cond delay="0"/>
+                                  </p:stCondLst>
+                                  <p:childTnLst>
+                                    <p:set>
+                                      <p:cBhvr>
+                                        <p:cTn id="10" dur="1" fill="hold">
+                                          <p:stCondLst>
+                                            <p:cond delay="0"/>
+                                          </p:stCondLst>
+                                        </p:cTn>
+                                        <p:tgtEl>
+                                          <p:spTgt spid="3">
+                                            <p:txEl>
+                                              <p:pRg st="2" end="2"/>
+                                            </p:txEl>
+                                          </p:spTgt>
+                                        </p:tgtEl>
+                                        <p:attrNameLst>
+                                          <p:attrName>style.visibility</p:attrName>
+                                        </p:attrNameLst>
+                                      </p:cBhvr>
+                                      <p:to>
+                                        <p:strVal val="visible"/>
+                                      </p:to>
+                                    </p:set>
+                                  </p:childTnLst>
+                                </p:cTn>
+                              </p:par>
+                            </p:childTnLst>
+                          </p:cTn>
+                        </p:par>
+                      </p:childTnLst>
+                    </p:cTn>
+                  </p:par>
+                  <p:par>
+                    <p:cTn id="11" fill="hold">
+                      <p:stCondLst>
+                        <p:cond delay="indefinite"/>
+                      </p:stCondLst>
+                      <p:childTnLst>
+                        <p:par>
+                          <p:cTn id="12" fill="hold">
+                            <p:stCondLst>
+                              <p:cond delay="0"/>
+                            </p:stCondLst>
+                            <p:childTnLst>
+                              <p:par>
+                                <p:cTn id="13" presetID="1" presetClass="entr" presetSubtype="0" fill="hold" nodeType="clickEffect">
+                                  <p:stCondLst>
+                                    <p:cond delay="0"/>
+                                  </p:stCondLst>
+                                  <p:childTnLst>
+                                    <p:set>
+                                      <p:cBhvr>
+                                        <p:cTn id="14" dur="1" fill="hold">
+                                          <p:stCondLst>
+                                            <p:cond delay="0"/>
+                                          </p:stCondLst>
+                                        </p:cTn>
+                                        <p:tgtEl>
+                                          <p:spTgt spid="3">
+                                            <p:txEl>
+                                              <p:pRg st="3" end="3"/>
+                                            </p:txEl>
+                                          </p:spTgt>
+                                        </p:tgtEl>
+                                        <p:attrNameLst>
+                                          <p:attrName>style.visibility</p:attrName>
+                                        </p:attrNameLst>
+                                      </p:cBhvr>
+                                      <p:to>
+                                        <p:strVal val="visible"/>
+                                      </p:to>
+                                    </p:set>
+                                  </p:childTnLst>
+                                </p:cTn>
+                              </p:par>
+                            </p:childTnLst>
+                          </p:cTn>
+                        </p:par>
+                      </p:childTnLst>
+                    </p:cTn>
+                  </p:par>
+                  <p:par>
+                    <p:cTn id="15" fill="hold">
+                      <p:stCondLst>
+                        <p:cond delay="indefinite"/>
+                      </p:stCondLst>
+                      <p:childTnLst>
+                        <p:par>
+                          <p:cTn id="16" fill="hold">
+                            <p:stCondLst>
+                              <p:cond delay="0"/>
+                            </p:stCondLst>
+                            <p:childTnLst>
+                              <p:par>
+                                <p:cTn id="17" presetID="1" presetClass="entr" presetSubtype="0" fill="hold" nodeType="clickEffect">
+                                  <p:stCondLst>
+                                    <p:cond delay="0"/>
+                                  </p:stCondLst>
+                                  <p:childTnLst>
+                                    <p:set>
+                                      <p:cBhvr>
+                                        <p:cTn id="18" dur="1" fill="hold">
+                                          <p:stCondLst>
+                                            <p:cond delay="0"/>
+                                          </p:stCondLst>
+                                        </p:cTn>
+                                        <p:tgtEl>
+                                          <p:spTgt spid="3">
+                                            <p:txEl>
+                                              <p:pRg st="4" end="4"/>
+                                            </p:txEl>
+                                          </p:spTgt>
+                                        </p:tgtEl>
+                                        <p:attrNameLst>
+                                          <p:attrName>style.visibility</p:attrName>
+                                        </p:attrNameLst>
+                                      </p:cBhvr>
+                                      <p:to>
+                                        <p:strVal val="visible"/>
+                                      </p:to>
+                                    </p:set>
+                                  </p:childTnLst>
+                                </p:cTn>
+                              </p:par>
+                            </p:childTnLst>
+                          </p:cTn>
+                        </p:par>
+                      </p:childTnLst>
+                    </p:cTn>
+                  </p:par>
+                </p:childTnLst>
+              </p:cTn>
+              <p:prevCondLst>
+                <p:cond evt="onPrev" delay="0">
+                  <p:tgtEl>
+                    <p:sldTgt/>
+                  </p:tgtEl>
+                </p:cond>
+              </p:prevCondLst>
+              <p:nextCondLst>
+                <p:cond evt="onNext" delay="0">
+                  <p:tgtEl>
+                    <p:sldTgt/>
+                  </p:tgtEl>
+                </p:cond>
+              </p:nextCondLst>
+            </p:seq>
+          </p:childTnLst>
+        </p:cTn>
+      </p:par>
+    </p:tnLst>
+  </p:timing>
+</p:sld>
+</file>
+
+<file path=ppt/slides/slide14.xml><?xml version="1.0" encoding="utf-8"?>
+<p:sld xmlns:a="http://schemas.openxmlformats.org/drawingml/2006/main" xmlns:r="http://schemas.openxmlformats.org/officeDocument/2006/relationships" xmlns:p="http://schemas.openxmlformats.org/presentationml/2006/main">
+  <p:cSld>
+    <p:spTree>
+      <p:nvGrpSpPr>
+        <p:cNvPr id="1" name=""/>
+        <p:cNvGrpSpPr/>
+        <p:nvPr/>
+      </p:nvGrpSpPr>
+      <p:grpSpPr>
+        <a:xfrm>
+          <a:off x="0" y="0"/>
+          <a:ext cx="0" cy="0"/>
+          <a:chOff x="0" y="0"/>
+          <a:chExt cx="0" cy="0"/>
+        </a:xfrm>
+      </p:grpSpPr>
+      <p:sp>
+        <p:nvSpPr>
+          <p:cNvPr id="2" name="Title 1">
+            <a:extLst>
+              <a:ext uri="{FF2B5EF4-FFF2-40B4-BE49-F238E27FC236}">
+                <a16:creationId xmlns:a16="http://schemas.microsoft.com/office/drawing/2014/main" id="{6FADF519-AE7F-36C9-168F-1F04A49B8831}"/>
+              </a:ext>
+            </a:extLst>
+          </p:cNvPr>
+          <p:cNvSpPr>
+            <a:spLocks noGrp="1"/>
+          </p:cNvSpPr>
+          <p:nvPr>
+            <p:ph type="title"/>
+          </p:nvPr>
+        </p:nvSpPr>
+        <p:spPr/>
+        <p:txBody>
+          <a:bodyPr/>
+          <a:lstStyle/>
+          <a:p>
+            <a:r>
+              <a:rPr lang="en-US" b="1">
+                <a:latin typeface="Century Gothic" panose="020B0502020202020204" pitchFamily="34" charset="0"/>
+              </a:rPr>
+              <a:t>Building Software on CURC Systems</a:t>
+            </a:r>
+          </a:p>
+        </p:txBody>
+      </p:sp>
+      <p:sp>
+        <p:nvSpPr>
+          <p:cNvPr id="3" name="Content Placeholder 2">
+            <a:extLst>
+              <a:ext uri="{FF2B5EF4-FFF2-40B4-BE49-F238E27FC236}">
+                <a16:creationId xmlns:a16="http://schemas.microsoft.com/office/drawing/2014/main" id="{6484EA7B-346E-9CB5-DB70-6227BCA98122}"/>
+              </a:ext>
+            </a:extLst>
+          </p:cNvPr>
+          <p:cNvSpPr>
+            <a:spLocks noGrp="1"/>
+          </p:cNvSpPr>
+          <p:nvPr>
+            <p:ph idx="1"/>
+          </p:nvPr>
+        </p:nvSpPr>
+        <p:spPr/>
+        <p:txBody>
+          <a:bodyPr>
+            <a:normAutofit/>
+          </a:bodyPr>
+          <a:lstStyle/>
+          <a:p>
+            <a:r>
+              <a:rPr lang="en-US" sz="3200" dirty="0">
+                <a:latin typeface="Century Gothic" panose="020B0502020202020204" pitchFamily="34" charset="0"/>
+              </a:rPr>
+              <a:t>There are numerous ways to install software on CURC systems</a:t>
+            </a:r>
+          </a:p>
+          <a:p>
+            <a:pPr lvl="1"/>
+            <a:r>
+              <a:rPr lang="en-US" sz="2800" dirty="0">
+                <a:latin typeface="Century Gothic" panose="020B0502020202020204" pitchFamily="34" charset="0"/>
+              </a:rPr>
+              <a:t>grab pre-compiled binaries</a:t>
+            </a:r>
+          </a:p>
+          <a:p>
+            <a:pPr lvl="1"/>
+            <a:r>
+              <a:rPr lang="en-US" sz="2800" dirty="0">
+                <a:latin typeface="Century Gothic" panose="020B0502020202020204" pitchFamily="34" charset="0"/>
+              </a:rPr>
+              <a:t>within virtual environments (using </a:t>
+            </a:r>
+            <a:r>
+              <a:rPr lang="en-US" sz="2800" dirty="0" err="1">
+                <a:latin typeface="Century Gothic" panose="020B0502020202020204" pitchFamily="34" charset="0"/>
+              </a:rPr>
+              <a:t>Conda</a:t>
+            </a:r>
+            <a:r>
+              <a:rPr lang="en-US" sz="2800" dirty="0">
+                <a:latin typeface="Century Gothic" panose="020B0502020202020204" pitchFamily="34" charset="0"/>
+              </a:rPr>
+              <a:t>, </a:t>
+            </a:r>
+            <a:r>
+              <a:rPr lang="en-US" sz="2800" dirty="0" err="1">
+                <a:latin typeface="Century Gothic" panose="020B0502020202020204" pitchFamily="34" charset="0"/>
+              </a:rPr>
+              <a:t>Miniconda</a:t>
+            </a:r>
+            <a:r>
+              <a:rPr lang="en-US" sz="2800" dirty="0">
+                <a:latin typeface="Century Gothic" panose="020B0502020202020204" pitchFamily="34" charset="0"/>
+              </a:rPr>
+              <a:t>, or Mamba)</a:t>
+            </a:r>
+          </a:p>
+          <a:p>
+            <a:pPr lvl="1"/>
+            <a:r>
+              <a:rPr lang="en-US" sz="2800" dirty="0">
+                <a:latin typeface="Century Gothic" panose="020B0502020202020204" pitchFamily="34" charset="0"/>
+              </a:rPr>
+              <a:t>using containers (</a:t>
+            </a:r>
+            <a:r>
+              <a:rPr lang="en-US" sz="2800" dirty="0" err="1">
+                <a:latin typeface="Century Gothic" panose="020B0502020202020204" pitchFamily="34" charset="0"/>
+              </a:rPr>
+              <a:t>Apptainer</a:t>
+            </a:r>
+            <a:r>
+              <a:rPr lang="en-US" sz="2800" dirty="0">
+                <a:latin typeface="Century Gothic" panose="020B0502020202020204" pitchFamily="34" charset="0"/>
+              </a:rPr>
+              <a:t>)</a:t>
+            </a:r>
+          </a:p>
+          <a:p>
+            <a:pPr lvl="1"/>
+            <a:r>
+              <a:rPr lang="en-US" sz="2800" dirty="0">
+                <a:latin typeface="Century Gothic" panose="020B0502020202020204" pitchFamily="34" charset="0"/>
+              </a:rPr>
+              <a:t>from source</a:t>
+            </a:r>
+          </a:p>
+          <a:p>
+            <a:pPr lvl="1"/>
+            <a:r>
+              <a:rPr lang="en-US" sz="2800" dirty="0">
+                <a:latin typeface="Century Gothic" panose="020B0502020202020204" pitchFamily="34" charset="0"/>
+              </a:rPr>
+              <a:t>using a package manager for HPC systems (</a:t>
+            </a:r>
+            <a:r>
+              <a:rPr lang="en-US" sz="2800" dirty="0" err="1">
+                <a:latin typeface="Century Gothic" panose="020B0502020202020204" pitchFamily="34" charset="0"/>
+              </a:rPr>
+              <a:t>Spack</a:t>
+            </a:r>
+            <a:r>
+              <a:rPr lang="en-US" sz="2800" dirty="0">
+                <a:latin typeface="Century Gothic" panose="020B0502020202020204" pitchFamily="34" charset="0"/>
+              </a:rPr>
+              <a:t>)</a:t>
+            </a:r>
+          </a:p>
+          <a:p>
+            <a:pPr lvl="1"/>
+            <a:endParaRPr lang="en-US" dirty="0">
+              <a:latin typeface="Century Gothic" panose="020B0502020202020204" pitchFamily="34" charset="0"/>
+            </a:endParaRPr>
+          </a:p>
+          <a:p>
+            <a:pPr marL="457200" lvl="1" indent="0">
+              <a:buNone/>
+            </a:pPr>
+            <a:endParaRPr lang="en-US" sz="2800" b="1" dirty="0">
+              <a:latin typeface="Century Gothic" panose="020B0502020202020204" pitchFamily="34" charset="0"/>
+            </a:endParaRPr>
+          </a:p>
+        </p:txBody>
+      </p:sp>
+      <p:sp>
+        <p:nvSpPr>
+          <p:cNvPr id="4" name="Date Placeholder 3">
+            <a:extLst>
+              <a:ext uri="{FF2B5EF4-FFF2-40B4-BE49-F238E27FC236}">
+                <a16:creationId xmlns:a16="http://schemas.microsoft.com/office/drawing/2014/main" id="{FB497113-4E89-1CAC-8F64-8E901EF4D66E}"/>
+              </a:ext>
+            </a:extLst>
+          </p:cNvPr>
+          <p:cNvSpPr>
+            <a:spLocks noGrp="1"/>
+          </p:cNvSpPr>
+          <p:nvPr>
+            <p:ph type="dt" sz="half" idx="10"/>
+          </p:nvPr>
+        </p:nvSpPr>
+        <p:spPr/>
+        <p:txBody>
+          <a:bodyPr/>
+          <a:lstStyle/>
+          <a:p>
+            <a:pPr algn="ctr"/>
+            <a:r>
+              <a:rPr lang="en-US" dirty="0"/>
+              <a:t>3/5/24</a:t>
+            </a:r>
+          </a:p>
+        </p:txBody>
+      </p:sp>
+      <p:sp>
+        <p:nvSpPr>
+          <p:cNvPr id="6" name="Slide Number Placeholder 5">
+            <a:extLst>
+              <a:ext uri="{FF2B5EF4-FFF2-40B4-BE49-F238E27FC236}">
                 <a16:creationId xmlns:a16="http://schemas.microsoft.com/office/drawing/2014/main" id="{B71A570D-80E3-B737-CDED-5525200C3A83}"/>
               </a:ext>
             </a:extLst>
@@ -6646,7 +7589,7 @@
           <a:p>
             <a:fld id="{ABDA560F-461C-6043-9BC4-489BA92F7161}" type="slidenum">
               <a:rPr lang="en-US" smtClean="0"/>
-              <a:t>12</a:t>
+              <a:t>14</a:t>
             </a:fld>
             <a:endParaRPr lang="en-US"/>
           </a:p>
@@ -6940,7 +7883,7 @@
 </p:sld>
 </file>
 
-<file path=ppt/slides/slide13.xml><?xml version="1.0" encoding="utf-8"?>
+<file path=ppt/slides/slide15.xml><?xml version="1.0" encoding="utf-8"?>
 <p:sld xmlns:a="http://schemas.openxmlformats.org/drawingml/2006/main" xmlns:r="http://schemas.openxmlformats.org/officeDocument/2006/relationships" xmlns:p="http://schemas.openxmlformats.org/presentationml/2006/main">
   <p:cSld>
     <p:spTree>
@@ -7098,7 +8041,7 @@
           <a:p>
             <a:fld id="{ABDA560F-461C-6043-9BC4-489BA92F7161}" type="slidenum">
               <a:rPr lang="en-US" smtClean="0"/>
-              <a:t>13</a:t>
+              <a:t>15</a:t>
             </a:fld>
             <a:endParaRPr lang="en-US"/>
           </a:p>
@@ -7245,7 +8188,7 @@
 </p:sld>
 </file>
 
-<file path=ppt/slides/slide14.xml><?xml version="1.0" encoding="utf-8"?>
+<file path=ppt/slides/slide16.xml><?xml version="1.0" encoding="utf-8"?>
 <p:sld xmlns:a="http://schemas.openxmlformats.org/drawingml/2006/main" xmlns:r="http://schemas.openxmlformats.org/officeDocument/2006/relationships" xmlns:p="http://schemas.openxmlformats.org/presentationml/2006/main">
   <p:cSld>
     <p:spTree>
@@ -7409,7 +8352,7 @@
           <a:p>
             <a:fld id="{ABDA560F-461C-6043-9BC4-489BA92F7161}" type="slidenum">
               <a:rPr lang="en-US" smtClean="0"/>
-              <a:t>14</a:t>
+              <a:t>16</a:t>
             </a:fld>
             <a:endParaRPr lang="en-US"/>
           </a:p>
@@ -7428,7 +8371,7 @@
 </p:sld>
 </file>
 
-<file path=ppt/slides/slide15.xml><?xml version="1.0" encoding="utf-8"?>
+<file path=ppt/slides/slide17.xml><?xml version="1.0" encoding="utf-8"?>
 <p:sld xmlns:a="http://schemas.openxmlformats.org/drawingml/2006/main" xmlns:r="http://schemas.openxmlformats.org/officeDocument/2006/relationships" xmlns:p="http://schemas.openxmlformats.org/presentationml/2006/main">
   <p:cSld>
     <p:spTree>
@@ -7852,7 +8795,7 @@
           <a:p>
             <a:fld id="{ABDA560F-461C-6043-9BC4-489BA92F7161}" type="slidenum">
               <a:rPr lang="en-US" smtClean="0"/>
-              <a:t>15</a:t>
+              <a:t>17</a:t>
             </a:fld>
             <a:endParaRPr lang="en-US"/>
           </a:p>
@@ -8044,7 +8987,7 @@
 </p:sld>
 </file>
 
-<file path=ppt/slides/slide16.xml><?xml version="1.0" encoding="utf-8"?>
+<file path=ppt/slides/slide18.xml><?xml version="1.0" encoding="utf-8"?>
 <p:sld xmlns:a="http://schemas.openxmlformats.org/drawingml/2006/main" xmlns:r="http://schemas.openxmlformats.org/officeDocument/2006/relationships" xmlns:p="http://schemas.openxmlformats.org/presentationml/2006/main">
   <p:cSld>
     <p:spTree>
@@ -8391,7 +9334,7 @@
           <a:p>
             <a:fld id="{ABDA560F-461C-6043-9BC4-489BA92F7161}" type="slidenum">
               <a:rPr lang="en-US" smtClean="0"/>
-              <a:t>16</a:t>
+              <a:t>18</a:t>
             </a:fld>
             <a:endParaRPr lang="en-US"/>
           </a:p>
@@ -8583,7 +9526,7 @@
 </p:sld>
 </file>
 
-<file path=ppt/slides/slide17.xml><?xml version="1.0" encoding="utf-8"?>
+<file path=ppt/slides/slide19.xml><?xml version="1.0" encoding="utf-8"?>
 <p:sld xmlns:a="http://schemas.openxmlformats.org/drawingml/2006/main" xmlns:r="http://schemas.openxmlformats.org/officeDocument/2006/relationships" xmlns:p="http://schemas.openxmlformats.org/presentationml/2006/main">
   <p:cSld>
     <p:spTree>
@@ -8809,7 +9752,7 @@
           <a:p>
             <a:fld id="{ABDA560F-461C-6043-9BC4-489BA92F7161}" type="slidenum">
               <a:rPr lang="en-US" smtClean="0"/>
-              <a:t>17</a:t>
+              <a:t>19</a:t>
             </a:fld>
             <a:endParaRPr lang="en-US"/>
           </a:p>
@@ -9054,7 +9997,183 @@
 </p:sld>
 </file>
 
-<file path=ppt/slides/slide18.xml><?xml version="1.0" encoding="utf-8"?>
+<file path=ppt/slides/slide2.xml><?xml version="1.0" encoding="utf-8"?>
+<p:sld xmlns:a="http://schemas.openxmlformats.org/drawingml/2006/main" xmlns:r="http://schemas.openxmlformats.org/officeDocument/2006/relationships" xmlns:p="http://schemas.openxmlformats.org/presentationml/2006/main">
+  <p:cSld>
+    <p:spTree>
+      <p:nvGrpSpPr>
+        <p:cNvPr id="1" name=""/>
+        <p:cNvGrpSpPr/>
+        <p:nvPr/>
+      </p:nvGrpSpPr>
+      <p:grpSpPr>
+        <a:xfrm>
+          <a:off x="0" y="0"/>
+          <a:ext cx="0" cy="0"/>
+          <a:chOff x="0" y="0"/>
+          <a:chExt cx="0" cy="0"/>
+        </a:xfrm>
+      </p:grpSpPr>
+      <p:sp>
+        <p:nvSpPr>
+          <p:cNvPr id="3" name="Content Placeholder 2">
+            <a:extLst>
+              <a:ext uri="{FF2B5EF4-FFF2-40B4-BE49-F238E27FC236}">
+                <a16:creationId xmlns:a16="http://schemas.microsoft.com/office/drawing/2014/main" id="{5433201F-B470-4FB6-3E2A-B4F0D1B28558}"/>
+              </a:ext>
+            </a:extLst>
+          </p:cNvPr>
+          <p:cNvSpPr>
+            <a:spLocks noGrp="1"/>
+          </p:cNvSpPr>
+          <p:nvPr>
+            <p:ph idx="1"/>
+          </p:nvPr>
+        </p:nvSpPr>
+        <p:spPr>
+          <a:xfrm>
+            <a:off x="998720" y="1661232"/>
+            <a:ext cx="5562600" cy="3535533"/>
+          </a:xfrm>
+        </p:spPr>
+        <p:txBody>
+          <a:bodyPr vert="horz" lIns="91440" tIns="45720" rIns="91440" bIns="45720" rtlCol="0" anchor="ctr">
+            <a:normAutofit/>
+          </a:bodyPr>
+          <a:lstStyle/>
+          <a:p>
+            <a:pPr marL="0" indent="0" algn="ctr">
+              <a:buNone/>
+            </a:pPr>
+            <a:r>
+              <a:rPr lang="en-US" sz="3200" b="1" dirty="0">
+                <a:latin typeface="Century Gothic"/>
+              </a:rPr>
+              <a:t>Slides &amp; Exercises</a:t>
+            </a:r>
+          </a:p>
+          <a:p>
+            <a:pPr marL="0" indent="0" algn="ctr">
+              <a:buNone/>
+            </a:pPr>
+            <a:r>
+              <a:rPr lang="en-US" sz="3200" dirty="0">
+                <a:latin typeface="Century Gothic"/>
+                <a:hlinkClick r:id="rId2"/>
+              </a:rPr>
+              <a:t>https://github.com/ResearchComputing/alpine_software_techlab</a:t>
+            </a:r>
+            <a:r>
+              <a:rPr lang="en-US" sz="3200" dirty="0">
+                <a:latin typeface="Century Gothic"/>
+              </a:rPr>
+              <a:t>  </a:t>
+            </a:r>
+          </a:p>
+        </p:txBody>
+      </p:sp>
+      <p:sp>
+        <p:nvSpPr>
+          <p:cNvPr id="4" name="Date Placeholder 3">
+            <a:extLst>
+              <a:ext uri="{FF2B5EF4-FFF2-40B4-BE49-F238E27FC236}">
+                <a16:creationId xmlns:a16="http://schemas.microsoft.com/office/drawing/2014/main" id="{5D412731-C520-83F2-BE89-8DEE9214789C}"/>
+              </a:ext>
+            </a:extLst>
+          </p:cNvPr>
+          <p:cNvSpPr>
+            <a:spLocks noGrp="1"/>
+          </p:cNvSpPr>
+          <p:nvPr>
+            <p:ph type="dt" sz="half" idx="10"/>
+          </p:nvPr>
+        </p:nvSpPr>
+        <p:spPr/>
+        <p:txBody>
+          <a:bodyPr/>
+          <a:lstStyle/>
+          <a:p>
+            <a:pPr algn="ctr"/>
+            <a:r>
+              <a:rPr lang="en-US" dirty="0"/>
+              <a:t>3/5/24</a:t>
+            </a:r>
+          </a:p>
+        </p:txBody>
+      </p:sp>
+      <p:sp>
+        <p:nvSpPr>
+          <p:cNvPr id="7" name="Slide Number Placeholder 6">
+            <a:extLst>
+              <a:ext uri="{FF2B5EF4-FFF2-40B4-BE49-F238E27FC236}">
+                <a16:creationId xmlns:a16="http://schemas.microsoft.com/office/drawing/2014/main" id="{CA99CC0F-C097-D682-7893-512CA8823C8D}"/>
+              </a:ext>
+            </a:extLst>
+          </p:cNvPr>
+          <p:cNvSpPr>
+            <a:spLocks noGrp="1"/>
+          </p:cNvSpPr>
+          <p:nvPr>
+            <p:ph type="sldNum" sz="quarter" idx="12"/>
+          </p:nvPr>
+        </p:nvSpPr>
+        <p:spPr/>
+        <p:txBody>
+          <a:bodyPr/>
+          <a:lstStyle/>
+          <a:p>
+            <a:fld id="{ABDA560F-461C-6043-9BC4-489BA92F7161}" type="slidenum">
+              <a:rPr lang="en-US" smtClean="0"/>
+              <a:t>2</a:t>
+            </a:fld>
+            <a:endParaRPr lang="en-US"/>
+          </a:p>
+        </p:txBody>
+      </p:sp>
+      <p:pic>
+        <p:nvPicPr>
+          <p:cNvPr id="5" name="Picture 4" descr="A qr code on a white background&#10;&#10;Description automatically generated">
+            <a:extLst>
+              <a:ext uri="{FF2B5EF4-FFF2-40B4-BE49-F238E27FC236}">
+                <a16:creationId xmlns:a16="http://schemas.microsoft.com/office/drawing/2014/main" id="{EF031D53-38D5-E8CF-EBCB-07EC715BC229}"/>
+              </a:ext>
+            </a:extLst>
+          </p:cNvPr>
+          <p:cNvPicPr>
+            <a:picLocks noChangeAspect="1"/>
+          </p:cNvPicPr>
+          <p:nvPr/>
+        </p:nvPicPr>
+        <p:blipFill>
+          <a:blip r:embed="rId3"/>
+          <a:stretch>
+            <a:fillRect/>
+          </a:stretch>
+        </p:blipFill>
+        <p:spPr>
+          <a:xfrm>
+            <a:off x="6983239" y="1121213"/>
+            <a:ext cx="4615570" cy="4615570"/>
+          </a:xfrm>
+          <a:prstGeom prst="rect">
+            <a:avLst/>
+          </a:prstGeom>
+        </p:spPr>
+      </p:pic>
+    </p:spTree>
+    <p:extLst>
+      <p:ext uri="{BB962C8B-B14F-4D97-AF65-F5344CB8AC3E}">
+        <p14:creationId xmlns:p14="http://schemas.microsoft.com/office/powerpoint/2010/main" val="1644030922"/>
+      </p:ext>
+    </p:extLst>
+  </p:cSld>
+  <p:clrMapOvr>
+    <a:masterClrMapping/>
+  </p:clrMapOvr>
+</p:sld>
+</file>
+
+<file path=ppt/slides/slide20.xml><?xml version="1.0" encoding="utf-8"?>
 <p:sld xmlns:a="http://schemas.openxmlformats.org/drawingml/2006/main" xmlns:r="http://schemas.openxmlformats.org/officeDocument/2006/relationships" xmlns:p="http://schemas.openxmlformats.org/presentationml/2006/main">
   <p:cSld>
     <p:spTree>
@@ -9254,7 +10373,7 @@
           <a:p>
             <a:fld id="{ABDA560F-461C-6043-9BC4-489BA92F7161}" type="slidenum">
               <a:rPr lang="en-US" smtClean="0"/>
-              <a:t>18</a:t>
+              <a:t>20</a:t>
             </a:fld>
             <a:endParaRPr lang="en-US"/>
           </a:p>
@@ -9481,7 +10600,7 @@
 </p:sld>
 </file>
 
-<file path=ppt/slides/slide19.xml><?xml version="1.0" encoding="utf-8"?>
+<file path=ppt/slides/slide21.xml><?xml version="1.0" encoding="utf-8"?>
 <p:sld xmlns:a="http://schemas.openxmlformats.org/drawingml/2006/main" xmlns:r="http://schemas.openxmlformats.org/officeDocument/2006/relationships" xmlns:p="http://schemas.openxmlformats.org/presentationml/2006/main">
   <p:cSld>
     <p:spTree>
@@ -10012,7 +11131,7 @@
           <a:p>
             <a:fld id="{ABDA560F-461C-6043-9BC4-489BA92F7161}" type="slidenum">
               <a:rPr lang="en-US" smtClean="0"/>
-              <a:t>19</a:t>
+              <a:t>21</a:t>
             </a:fld>
             <a:endParaRPr lang="en-US"/>
           </a:p>
@@ -10106,191 +11225,7 @@
 </p:sld>
 </file>
 
-<file path=ppt/slides/slide2.xml><?xml version="1.0" encoding="utf-8"?>
-<p:sld xmlns:a="http://schemas.openxmlformats.org/drawingml/2006/main" xmlns:r="http://schemas.openxmlformats.org/officeDocument/2006/relationships" xmlns:p="http://schemas.openxmlformats.org/presentationml/2006/main">
-  <p:cSld>
-    <p:spTree>
-      <p:nvGrpSpPr>
-        <p:cNvPr id="1" name=""/>
-        <p:cNvGrpSpPr/>
-        <p:nvPr/>
-      </p:nvGrpSpPr>
-      <p:grpSpPr>
-        <a:xfrm>
-          <a:off x="0" y="0"/>
-          <a:ext cx="0" cy="0"/>
-          <a:chOff x="0" y="0"/>
-          <a:chExt cx="0" cy="0"/>
-        </a:xfrm>
-      </p:grpSpPr>
-      <p:sp>
-        <p:nvSpPr>
-          <p:cNvPr id="3" name="Content Placeholder 2">
-            <a:extLst>
-              <a:ext uri="{FF2B5EF4-FFF2-40B4-BE49-F238E27FC236}">
-                <a16:creationId xmlns:a16="http://schemas.microsoft.com/office/drawing/2014/main" id="{5433201F-B470-4FB6-3E2A-B4F0D1B28558}"/>
-              </a:ext>
-            </a:extLst>
-          </p:cNvPr>
-          <p:cNvSpPr>
-            <a:spLocks noGrp="1"/>
-          </p:cNvSpPr>
-          <p:nvPr>
-            <p:ph idx="1"/>
-          </p:nvPr>
-        </p:nvSpPr>
-        <p:spPr>
-          <a:xfrm>
-            <a:off x="998720" y="1661232"/>
-            <a:ext cx="5562600" cy="3535533"/>
-          </a:xfrm>
-        </p:spPr>
-        <p:txBody>
-          <a:bodyPr vert="horz" lIns="91440" tIns="45720" rIns="91440" bIns="45720" rtlCol="0" anchor="ctr">
-            <a:normAutofit/>
-          </a:bodyPr>
-          <a:lstStyle/>
-          <a:p>
-            <a:pPr marL="0" indent="0" algn="ctr">
-              <a:buNone/>
-            </a:pPr>
-            <a:r>
-              <a:rPr lang="en-US" sz="3200" b="1" dirty="0">
-                <a:latin typeface="Century Gothic"/>
-              </a:rPr>
-              <a:t>Slides &amp; Exercises</a:t>
-            </a:r>
-          </a:p>
-          <a:p>
-            <a:pPr marL="0" indent="0" algn="ctr">
-              <a:buNone/>
-            </a:pPr>
-            <a:r>
-              <a:rPr lang="en-US" sz="3200" dirty="0">
-                <a:latin typeface="Century Gothic"/>
-                <a:hlinkClick r:id="rId2"/>
-              </a:rPr>
-              <a:t>https://github.com/ResearchComputing/research-software-curc</a:t>
-            </a:r>
-            <a:endParaRPr lang="en-US" sz="3200" dirty="0">
-              <a:latin typeface="Century Gothic"/>
-            </a:endParaRPr>
-          </a:p>
-          <a:p>
-            <a:pPr marL="0" indent="0" algn="ctr">
-              <a:buNone/>
-            </a:pPr>
-            <a:r>
-              <a:rPr lang="en-US" sz="3200" dirty="0">
-                <a:latin typeface="Century Gothic"/>
-              </a:rPr>
-              <a:t> </a:t>
-            </a:r>
-          </a:p>
-        </p:txBody>
-      </p:sp>
-      <p:sp>
-        <p:nvSpPr>
-          <p:cNvPr id="4" name="Date Placeholder 3">
-            <a:extLst>
-              <a:ext uri="{FF2B5EF4-FFF2-40B4-BE49-F238E27FC236}">
-                <a16:creationId xmlns:a16="http://schemas.microsoft.com/office/drawing/2014/main" id="{5D412731-C520-83F2-BE89-8DEE9214789C}"/>
-              </a:ext>
-            </a:extLst>
-          </p:cNvPr>
-          <p:cNvSpPr>
-            <a:spLocks noGrp="1"/>
-          </p:cNvSpPr>
-          <p:nvPr>
-            <p:ph type="dt" sz="half" idx="10"/>
-          </p:nvPr>
-        </p:nvSpPr>
-        <p:spPr/>
-        <p:txBody>
-          <a:bodyPr/>
-          <a:lstStyle/>
-          <a:p>
-            <a:pPr algn="ctr"/>
-            <a:r>
-              <a:rPr lang="en-US" dirty="0"/>
-              <a:t>3/5/24</a:t>
-            </a:r>
-          </a:p>
-        </p:txBody>
-      </p:sp>
-      <p:sp>
-        <p:nvSpPr>
-          <p:cNvPr id="7" name="Slide Number Placeholder 6">
-            <a:extLst>
-              <a:ext uri="{FF2B5EF4-FFF2-40B4-BE49-F238E27FC236}">
-                <a16:creationId xmlns:a16="http://schemas.microsoft.com/office/drawing/2014/main" id="{CA99CC0F-C097-D682-7893-512CA8823C8D}"/>
-              </a:ext>
-            </a:extLst>
-          </p:cNvPr>
-          <p:cNvSpPr>
-            <a:spLocks noGrp="1"/>
-          </p:cNvSpPr>
-          <p:nvPr>
-            <p:ph type="sldNum" sz="quarter" idx="12"/>
-          </p:nvPr>
-        </p:nvSpPr>
-        <p:spPr/>
-        <p:txBody>
-          <a:bodyPr/>
-          <a:lstStyle/>
-          <a:p>
-            <a:fld id="{ABDA560F-461C-6043-9BC4-489BA92F7161}" type="slidenum">
-              <a:rPr lang="en-US" smtClean="0"/>
-              <a:t>2</a:t>
-            </a:fld>
-            <a:endParaRPr lang="en-US"/>
-          </a:p>
-        </p:txBody>
-      </p:sp>
-      <p:pic>
-        <p:nvPicPr>
-          <p:cNvPr id="6" name="Picture 5" descr="A qr code with a white background&#10;&#10;Description automatically generated">
-            <a:extLst>
-              <a:ext uri="{FF2B5EF4-FFF2-40B4-BE49-F238E27FC236}">
-                <a16:creationId xmlns:a16="http://schemas.microsoft.com/office/drawing/2014/main" id="{9F59C98D-811F-CFA4-0659-775FAC560CFC}"/>
-              </a:ext>
-            </a:extLst>
-          </p:cNvPr>
-          <p:cNvPicPr>
-            <a:picLocks noChangeAspect="1"/>
-          </p:cNvPicPr>
-          <p:nvPr/>
-        </p:nvPicPr>
-        <p:blipFill>
-          <a:blip r:embed="rId3"/>
-          <a:stretch>
-            <a:fillRect/>
-          </a:stretch>
-        </p:blipFill>
-        <p:spPr>
-          <a:xfrm>
-            <a:off x="6913485" y="1418702"/>
-            <a:ext cx="4020591" cy="4020591"/>
-          </a:xfrm>
-          <a:prstGeom prst="rect">
-            <a:avLst/>
-          </a:prstGeom>
-        </p:spPr>
-      </p:pic>
-    </p:spTree>
-    <p:extLst>
-      <p:ext uri="{BB962C8B-B14F-4D97-AF65-F5344CB8AC3E}">
-        <p14:creationId xmlns:p14="http://schemas.microsoft.com/office/powerpoint/2010/main" val="1644030922"/>
-      </p:ext>
-    </p:extLst>
-  </p:cSld>
-  <p:clrMapOvr>
-    <a:masterClrMapping/>
-  </p:clrMapOvr>
-</p:sld>
-</file>
-
-<file path=ppt/slides/slide20.xml><?xml version="1.0" encoding="utf-8"?>
+<file path=ppt/slides/slide22.xml><?xml version="1.0" encoding="utf-8"?>
 <p:sld xmlns:a="http://schemas.openxmlformats.org/drawingml/2006/main" xmlns:r="http://schemas.openxmlformats.org/officeDocument/2006/relationships" xmlns:p="http://schemas.openxmlformats.org/presentationml/2006/main">
   <p:cSld>
     <p:spTree>
@@ -10398,7 +11333,7 @@
               <a:rPr lang="en-US" sz="2800" dirty="0">
                 <a:latin typeface="Century Gothic" panose="020B0502020202020204" pitchFamily="34" charset="0"/>
               </a:rPr>
-              <a:t>Hands-on exercise #1.</a:t>
+              <a:t>Hands-on exercise #2</a:t>
             </a:r>
           </a:p>
           <a:p>
@@ -10490,7 +11425,7 @@
           <a:p>
             <a:fld id="{ABDA560F-461C-6043-9BC4-489BA92F7161}" type="slidenum">
               <a:rPr lang="en-US" smtClean="0"/>
-              <a:t>20</a:t>
+              <a:t>22</a:t>
             </a:fld>
             <a:endParaRPr lang="en-US"/>
           </a:p>
@@ -10509,7 +11444,7 @@
 </p:sld>
 </file>
 
-<file path=ppt/slides/slide21.xml><?xml version="1.0" encoding="utf-8"?>
+<file path=ppt/slides/slide23.xml><?xml version="1.0" encoding="utf-8"?>
 <p:sld xmlns:a="http://schemas.openxmlformats.org/drawingml/2006/main" xmlns:r="http://schemas.openxmlformats.org/officeDocument/2006/relationships" xmlns:p="http://schemas.openxmlformats.org/presentationml/2006/main">
   <p:cSld>
     <p:spTree>
@@ -10732,7 +11667,7 @@
           <a:p>
             <a:fld id="{ABDA560F-461C-6043-9BC4-489BA92F7161}" type="slidenum">
               <a:rPr lang="en-US" smtClean="0"/>
-              <a:t>21</a:t>
+              <a:t>23</a:t>
             </a:fld>
             <a:endParaRPr lang="en-US"/>
           </a:p>
@@ -10928,7 +11863,7 @@
 </p:sld>
 </file>
 
-<file path=ppt/slides/slide22.xml><?xml version="1.0" encoding="utf-8"?>
+<file path=ppt/slides/slide24.xml><?xml version="1.0" encoding="utf-8"?>
 <p:sld xmlns:a="http://schemas.openxmlformats.org/drawingml/2006/main" xmlns:r="http://schemas.openxmlformats.org/officeDocument/2006/relationships" xmlns:p="http://schemas.openxmlformats.org/presentationml/2006/main">
   <p:cSld>
     <p:spTree>
@@ -11660,7 +12595,7 @@
           <a:p>
             <a:fld id="{ABDA560F-461C-6043-9BC4-489BA92F7161}" type="slidenum">
               <a:rPr lang="en-US" smtClean="0"/>
-              <a:t>22</a:t>
+              <a:t>24</a:t>
             </a:fld>
             <a:endParaRPr lang="en-US"/>
           </a:p>
@@ -11944,7 +12879,7 @@
 </p:sld>
 </file>
 
-<file path=ppt/slides/slide23.xml><?xml version="1.0" encoding="utf-8"?>
+<file path=ppt/slides/slide25.xml><?xml version="1.0" encoding="utf-8"?>
 <p:sld xmlns:a="http://schemas.openxmlformats.org/drawingml/2006/main" xmlns:r="http://schemas.openxmlformats.org/officeDocument/2006/relationships" xmlns:p="http://schemas.openxmlformats.org/presentationml/2006/main">
   <p:cSld>
     <p:spTree>
@@ -12154,7 +13089,7 @@
           <a:p>
             <a:fld id="{ABDA560F-461C-6043-9BC4-489BA92F7161}" type="slidenum">
               <a:rPr lang="en-US" smtClean="0"/>
-              <a:t>23</a:t>
+              <a:t>25</a:t>
             </a:fld>
             <a:endParaRPr lang="en-US"/>
           </a:p>
@@ -12380,7 +13315,7 @@
 </p:sld>
 </file>
 
-<file path=ppt/slides/slide24.xml><?xml version="1.0" encoding="utf-8"?>
+<file path=ppt/slides/slide26.xml><?xml version="1.0" encoding="utf-8"?>
 <p:sld xmlns:a="http://schemas.openxmlformats.org/drawingml/2006/main" xmlns:r="http://schemas.openxmlformats.org/officeDocument/2006/relationships" xmlns:p="http://schemas.openxmlformats.org/presentationml/2006/main">
   <p:cSld>
     <p:spTree>
@@ -13211,7 +14146,7 @@
           <a:p>
             <a:fld id="{ABDA560F-461C-6043-9BC4-489BA92F7161}" type="slidenum">
               <a:rPr lang="en-US" smtClean="0"/>
-              <a:t>24</a:t>
+              <a:t>26</a:t>
             </a:fld>
             <a:endParaRPr lang="en-US"/>
           </a:p>
@@ -13383,7 +14318,7 @@
 </p:sld>
 </file>
 
-<file path=ppt/slides/slide25.xml><?xml version="1.0" encoding="utf-8"?>
+<file path=ppt/slides/slide27.xml><?xml version="1.0" encoding="utf-8"?>
 <p:sld xmlns:a="http://schemas.openxmlformats.org/drawingml/2006/main" xmlns:r="http://schemas.openxmlformats.org/officeDocument/2006/relationships" xmlns:p="http://schemas.openxmlformats.org/presentationml/2006/main">
   <p:cSld>
     <p:spTree>
@@ -14194,7 +15129,7 @@
           <a:p>
             <a:fld id="{ABDA560F-461C-6043-9BC4-489BA92F7161}" type="slidenum">
               <a:rPr lang="en-US" smtClean="0"/>
-              <a:t>25</a:t>
+              <a:t>27</a:t>
             </a:fld>
             <a:endParaRPr lang="en-US"/>
           </a:p>
@@ -14348,7 +15283,7 @@
 </p:sld>
 </file>
 
-<file path=ppt/slides/slide26.xml><?xml version="1.0" encoding="utf-8"?>
+<file path=ppt/slides/slide28.xml><?xml version="1.0" encoding="utf-8"?>
 <p:sld xmlns:a="http://schemas.openxmlformats.org/drawingml/2006/main" xmlns:r="http://schemas.openxmlformats.org/officeDocument/2006/relationships" xmlns:p="http://schemas.openxmlformats.org/presentationml/2006/main">
   <p:cSld>
     <p:spTree>
@@ -14559,7 +15494,7 @@
           <a:p>
             <a:fld id="{ABDA560F-461C-6043-9BC4-489BA92F7161}" type="slidenum">
               <a:rPr lang="en-US" smtClean="0"/>
-              <a:t>26</a:t>
+              <a:t>28</a:t>
             </a:fld>
             <a:endParaRPr lang="en-US"/>
           </a:p>
@@ -14706,7 +15641,7 @@
 </p:sld>
 </file>
 
-<file path=ppt/slides/slide27.xml><?xml version="1.0" encoding="utf-8"?>
+<file path=ppt/slides/slide29.xml><?xml version="1.0" encoding="utf-8"?>
 <p:sld xmlns:a="http://schemas.openxmlformats.org/drawingml/2006/main" xmlns:r="http://schemas.openxmlformats.org/officeDocument/2006/relationships" xmlns:p="http://schemas.openxmlformats.org/presentationml/2006/main">
   <p:cSld>
     <p:spTree>
@@ -14899,7 +15834,7 @@
           <a:p>
             <a:fld id="{ABDA560F-461C-6043-9BC4-489BA92F7161}" type="slidenum">
               <a:rPr lang="en-US" smtClean="0"/>
-              <a:t>27</a:t>
+              <a:t>29</a:t>
             </a:fld>
             <a:endParaRPr lang="en-US"/>
           </a:p>
@@ -15460,7 +16395,299 @@
 </p:sld>
 </file>
 
-<file path=ppt/slides/slide28.xml><?xml version="1.0" encoding="utf-8"?>
+<file path=ppt/slides/slide3.xml><?xml version="1.0" encoding="utf-8"?>
+<p:sld xmlns:a="http://schemas.openxmlformats.org/drawingml/2006/main" xmlns:r="http://schemas.openxmlformats.org/officeDocument/2006/relationships" xmlns:p="http://schemas.openxmlformats.org/presentationml/2006/main">
+  <p:cSld>
+    <p:spTree>
+      <p:nvGrpSpPr>
+        <p:cNvPr id="1" name=""/>
+        <p:cNvGrpSpPr/>
+        <p:nvPr/>
+      </p:nvGrpSpPr>
+      <p:grpSpPr>
+        <a:xfrm>
+          <a:off x="0" y="0"/>
+          <a:ext cx="0" cy="0"/>
+          <a:chOff x="0" y="0"/>
+          <a:chExt cx="0" cy="0"/>
+        </a:xfrm>
+      </p:grpSpPr>
+      <p:sp>
+        <p:nvSpPr>
+          <p:cNvPr id="2" name="Title 1">
+            <a:extLst>
+              <a:ext uri="{FF2B5EF4-FFF2-40B4-BE49-F238E27FC236}">
+                <a16:creationId xmlns:a16="http://schemas.microsoft.com/office/drawing/2014/main" id="{5E3A5C00-123E-2CD0-AD48-005F02DD9C54}"/>
+              </a:ext>
+            </a:extLst>
+          </p:cNvPr>
+          <p:cNvSpPr>
+            <a:spLocks noGrp="1"/>
+          </p:cNvSpPr>
+          <p:nvPr>
+            <p:ph type="title"/>
+          </p:nvPr>
+        </p:nvSpPr>
+        <p:spPr/>
+        <p:txBody>
+          <a:bodyPr/>
+          <a:lstStyle/>
+          <a:p>
+            <a:r>
+              <a:rPr lang="en-US" b="1" dirty="0">
+                <a:latin typeface="Century Gothic" panose="020B0502020202020204" pitchFamily="34" charset="0"/>
+              </a:rPr>
+              <a:t>Learning Objectives</a:t>
+            </a:r>
+            <a:endParaRPr lang="en-US" dirty="0"/>
+          </a:p>
+        </p:txBody>
+      </p:sp>
+      <p:sp>
+        <p:nvSpPr>
+          <p:cNvPr id="3" name="Content Placeholder 2">
+            <a:extLst>
+              <a:ext uri="{FF2B5EF4-FFF2-40B4-BE49-F238E27FC236}">
+                <a16:creationId xmlns:a16="http://schemas.microsoft.com/office/drawing/2014/main" id="{5433201F-B470-4FB6-3E2A-B4F0D1B28558}"/>
+              </a:ext>
+            </a:extLst>
+          </p:cNvPr>
+          <p:cNvSpPr>
+            <a:spLocks noGrp="1"/>
+          </p:cNvSpPr>
+          <p:nvPr>
+            <p:ph idx="1"/>
+          </p:nvPr>
+        </p:nvSpPr>
+        <p:spPr>
+          <a:xfrm>
+            <a:off x="838200" y="1690688"/>
+            <a:ext cx="10914888" cy="4351338"/>
+          </a:xfrm>
+        </p:spPr>
+        <p:txBody>
+          <a:bodyPr vert="horz" lIns="91440" tIns="45720" rIns="91440" bIns="45720" rtlCol="0" anchor="t">
+            <a:normAutofit/>
+          </a:bodyPr>
+          <a:lstStyle/>
+          <a:p>
+            <a:r>
+              <a:rPr lang="en-US" sz="3200" dirty="0">
+                <a:latin typeface="Century Gothic"/>
+              </a:rPr>
+              <a:t>Learn about the different methods to install and use software on Alpine</a:t>
+            </a:r>
+          </a:p>
+          <a:p>
+            <a:r>
+              <a:rPr lang="en-US" sz="3200" dirty="0">
+                <a:latin typeface="Century Gothic"/>
+              </a:rPr>
+              <a:t>Gain hands-on experience with each method</a:t>
+            </a:r>
+          </a:p>
+        </p:txBody>
+      </p:sp>
+      <p:sp>
+        <p:nvSpPr>
+          <p:cNvPr id="4" name="Date Placeholder 3">
+            <a:extLst>
+              <a:ext uri="{FF2B5EF4-FFF2-40B4-BE49-F238E27FC236}">
+                <a16:creationId xmlns:a16="http://schemas.microsoft.com/office/drawing/2014/main" id="{5D412731-C520-83F2-BE89-8DEE9214789C}"/>
+              </a:ext>
+            </a:extLst>
+          </p:cNvPr>
+          <p:cNvSpPr>
+            <a:spLocks noGrp="1"/>
+          </p:cNvSpPr>
+          <p:nvPr>
+            <p:ph type="dt" sz="half" idx="10"/>
+          </p:nvPr>
+        </p:nvSpPr>
+        <p:spPr/>
+        <p:txBody>
+          <a:bodyPr/>
+          <a:lstStyle/>
+          <a:p>
+            <a:pPr algn="ctr"/>
+            <a:r>
+              <a:rPr lang="en-US" dirty="0"/>
+              <a:t>3/5/24</a:t>
+            </a:r>
+          </a:p>
+        </p:txBody>
+      </p:sp>
+      <p:sp>
+        <p:nvSpPr>
+          <p:cNvPr id="7" name="Slide Number Placeholder 6">
+            <a:extLst>
+              <a:ext uri="{FF2B5EF4-FFF2-40B4-BE49-F238E27FC236}">
+                <a16:creationId xmlns:a16="http://schemas.microsoft.com/office/drawing/2014/main" id="{CA99CC0F-C097-D682-7893-512CA8823C8D}"/>
+              </a:ext>
+            </a:extLst>
+          </p:cNvPr>
+          <p:cNvSpPr>
+            <a:spLocks noGrp="1"/>
+          </p:cNvSpPr>
+          <p:nvPr>
+            <p:ph type="sldNum" sz="quarter" idx="12"/>
+          </p:nvPr>
+        </p:nvSpPr>
+        <p:spPr/>
+        <p:txBody>
+          <a:bodyPr/>
+          <a:lstStyle/>
+          <a:p>
+            <a:fld id="{ABDA560F-461C-6043-9BC4-489BA92F7161}" type="slidenum">
+              <a:rPr lang="en-US" smtClean="0"/>
+              <a:t>3</a:t>
+            </a:fld>
+            <a:endParaRPr lang="en-US"/>
+          </a:p>
+        </p:txBody>
+      </p:sp>
+    </p:spTree>
+    <p:extLst>
+      <p:ext uri="{BB962C8B-B14F-4D97-AF65-F5344CB8AC3E}">
+        <p14:creationId xmlns:p14="http://schemas.microsoft.com/office/powerpoint/2010/main" val="3131271541"/>
+      </p:ext>
+    </p:extLst>
+  </p:cSld>
+  <p:clrMapOvr>
+    <a:masterClrMapping/>
+  </p:clrMapOvr>
+  <p:timing>
+    <p:tnLst>
+      <p:par>
+        <p:cTn id="1" dur="indefinite" restart="never" nodeType="tmRoot">
+          <p:childTnLst>
+            <p:seq concurrent="1" nextAc="seek">
+              <p:cTn id="2" dur="indefinite" nodeType="mainSeq">
+                <p:childTnLst>
+                  <p:par>
+                    <p:cTn id="3" fill="hold">
+                      <p:stCondLst>
+                        <p:cond delay="indefinite"/>
+                      </p:stCondLst>
+                      <p:childTnLst>
+                        <p:par>
+                          <p:cTn id="4" fill="hold">
+                            <p:stCondLst>
+                              <p:cond delay="0"/>
+                            </p:stCondLst>
+                            <p:childTnLst>
+                              <p:par>
+                                <p:cTn id="5" presetID="1" presetClass="entr" presetSubtype="0" fill="hold" nodeType="clickEffect">
+                                  <p:stCondLst>
+                                    <p:cond delay="0"/>
+                                  </p:stCondLst>
+                                  <p:childTnLst>
+                                    <p:set>
+                                      <p:cBhvr>
+                                        <p:cTn id="6" dur="1" fill="hold">
+                                          <p:stCondLst>
+                                            <p:cond delay="0"/>
+                                          </p:stCondLst>
+                                        </p:cTn>
+                                        <p:tgtEl>
+                                          <p:spTgt spid="3">
+                                            <p:txEl>
+                                              <p:pRg st="1" end="1"/>
+                                            </p:txEl>
+                                          </p:spTgt>
+                                        </p:tgtEl>
+                                        <p:attrNameLst>
+                                          <p:attrName>style.visibility</p:attrName>
+                                        </p:attrNameLst>
+                                      </p:cBhvr>
+                                      <p:to>
+                                        <p:strVal val="visible"/>
+                                      </p:to>
+                                    </p:set>
+                                  </p:childTnLst>
+                                </p:cTn>
+                              </p:par>
+                            </p:childTnLst>
+                          </p:cTn>
+                        </p:par>
+                      </p:childTnLst>
+                    </p:cTn>
+                  </p:par>
+                  <p:par>
+                    <p:cTn id="7" fill="hold">
+                      <p:stCondLst>
+                        <p:cond delay="indefinite"/>
+                      </p:stCondLst>
+                      <p:childTnLst>
+                        <p:par>
+                          <p:cTn id="8" fill="hold">
+                            <p:stCondLst>
+                              <p:cond delay="0"/>
+                            </p:stCondLst>
+                            <p:childTnLst>
+                              <p:par>
+                                <p:cTn id="9" presetID="1" presetClass="entr" presetSubtype="0" fill="hold" nodeType="clickEffect">
+                                  <p:stCondLst>
+                                    <p:cond delay="0"/>
+                                  </p:stCondLst>
+                                  <p:childTnLst>
+                                    <p:set>
+                                      <p:cBhvr>
+                                        <p:cTn id="10" dur="1" fill="hold">
+                                          <p:stCondLst>
+                                            <p:cond delay="0"/>
+                                          </p:stCondLst>
+                                        </p:cTn>
+                                        <p:tgtEl>
+                                          <p:spTgt spid="3">
+                                            <p:txEl>
+                                              <p:pRg st="0" end="0"/>
+                                            </p:txEl>
+                                          </p:spTgt>
+                                        </p:tgtEl>
+                                        <p:attrNameLst>
+                                          <p:attrName>style.visibility</p:attrName>
+                                        </p:attrNameLst>
+                                      </p:cBhvr>
+                                      <p:to>
+                                        <p:strVal val="visible"/>
+                                      </p:to>
+                                    </p:set>
+                                  </p:childTnLst>
+                                </p:cTn>
+                              </p:par>
+                            </p:childTnLst>
+                          </p:cTn>
+                        </p:par>
+                      </p:childTnLst>
+                    </p:cTn>
+                  </p:par>
+                </p:childTnLst>
+              </p:cTn>
+              <p:prevCondLst>
+                <p:cond evt="onPrev" delay="0">
+                  <p:tgtEl>
+                    <p:sldTgt/>
+                  </p:tgtEl>
+                </p:cond>
+              </p:prevCondLst>
+              <p:nextCondLst>
+                <p:cond evt="onNext" delay="0">
+                  <p:tgtEl>
+                    <p:sldTgt/>
+                  </p:tgtEl>
+                </p:cond>
+              </p:nextCondLst>
+            </p:seq>
+          </p:childTnLst>
+        </p:cTn>
+      </p:par>
+    </p:tnLst>
+  </p:timing>
+</p:sld>
+</file>
+
+<file path=ppt/slides/slide30.xml><?xml version="1.0" encoding="utf-8"?>
 <p:sld xmlns:a="http://schemas.openxmlformats.org/drawingml/2006/main" xmlns:r="http://schemas.openxmlformats.org/officeDocument/2006/relationships" xmlns:p="http://schemas.openxmlformats.org/presentationml/2006/main">
   <p:cSld>
     <p:spTree>
@@ -16168,7 +17395,7 @@
           <a:p>
             <a:fld id="{ABDA560F-461C-6043-9BC4-489BA92F7161}" type="slidenum">
               <a:rPr lang="en-US" dirty="0" smtClean="0"/>
-              <a:t>28</a:t>
+              <a:t>30</a:t>
             </a:fld>
             <a:endParaRPr lang="en-US"/>
           </a:p>
@@ -16292,7 +17519,7 @@
 </p:sld>
 </file>
 
-<file path=ppt/slides/slide29.xml><?xml version="1.0" encoding="utf-8"?>
+<file path=ppt/slides/slide31.xml><?xml version="1.0" encoding="utf-8"?>
 <p:sld xmlns:a="http://schemas.openxmlformats.org/drawingml/2006/main" xmlns:r="http://schemas.openxmlformats.org/officeDocument/2006/relationships" xmlns:p="http://schemas.openxmlformats.org/presentationml/2006/main">
   <p:cSld>
     <p:spTree>
@@ -16406,7 +17633,7 @@
               <a:rPr lang="en-US" sz="2800" dirty="0">
                 <a:latin typeface="Century Gothic"/>
               </a:rPr>
-              <a:t>Hands-on exercise #2.</a:t>
+              <a:t>Hands-on exercise #3</a:t>
             </a:r>
             <a:endParaRPr lang="en-US" sz="2800" dirty="0">
               <a:latin typeface="Century Gothic" panose="020B0502020202020204" pitchFamily="34" charset="0"/>
@@ -16534,7 +17761,7 @@
           <a:p>
             <a:fld id="{ABDA560F-461C-6043-9BC4-489BA92F7161}" type="slidenum">
               <a:rPr lang="en-US" smtClean="0"/>
-              <a:t>29</a:t>
+              <a:t>31</a:t>
             </a:fld>
             <a:endParaRPr lang="en-US"/>
           </a:p>
@@ -16583,869 +17810,7 @@
 </p:sld>
 </file>
 
-<file path=ppt/slides/slide3.xml><?xml version="1.0" encoding="utf-8"?>
-<p:sld xmlns:a="http://schemas.openxmlformats.org/drawingml/2006/main" xmlns:r="http://schemas.openxmlformats.org/officeDocument/2006/relationships" xmlns:p="http://schemas.openxmlformats.org/presentationml/2006/main">
-  <p:cSld>
-    <p:spTree>
-      <p:nvGrpSpPr>
-        <p:cNvPr id="1" name=""/>
-        <p:cNvGrpSpPr/>
-        <p:nvPr/>
-      </p:nvGrpSpPr>
-      <p:grpSpPr>
-        <a:xfrm>
-          <a:off x="0" y="0"/>
-          <a:ext cx="0" cy="0"/>
-          <a:chOff x="0" y="0"/>
-          <a:chExt cx="0" cy="0"/>
-        </a:xfrm>
-      </p:grpSpPr>
-      <p:sp>
-        <p:nvSpPr>
-          <p:cNvPr id="2" name="Title 1">
-            <a:extLst>
-              <a:ext uri="{FF2B5EF4-FFF2-40B4-BE49-F238E27FC236}">
-                <a16:creationId xmlns:a16="http://schemas.microsoft.com/office/drawing/2014/main" id="{5E3A5C00-123E-2CD0-AD48-005F02DD9C54}"/>
-              </a:ext>
-            </a:extLst>
-          </p:cNvPr>
-          <p:cNvSpPr>
-            <a:spLocks noGrp="1"/>
-          </p:cNvSpPr>
-          <p:nvPr>
-            <p:ph type="title"/>
-          </p:nvPr>
-        </p:nvSpPr>
-        <p:spPr/>
-        <p:txBody>
-          <a:bodyPr/>
-          <a:lstStyle/>
-          <a:p>
-            <a:r>
-              <a:rPr lang="en-US" b="1">
-                <a:latin typeface="Century Gothic" panose="020B0502020202020204" pitchFamily="34" charset="0"/>
-              </a:rPr>
-              <a:t>Session Overview</a:t>
-            </a:r>
-            <a:r>
-              <a:rPr lang="en-US"/>
-              <a:t> </a:t>
-            </a:r>
-          </a:p>
-        </p:txBody>
-      </p:sp>
-      <p:sp>
-        <p:nvSpPr>
-          <p:cNvPr id="3" name="Content Placeholder 2">
-            <a:extLst>
-              <a:ext uri="{FF2B5EF4-FFF2-40B4-BE49-F238E27FC236}">
-                <a16:creationId xmlns:a16="http://schemas.microsoft.com/office/drawing/2014/main" id="{5433201F-B470-4FB6-3E2A-B4F0D1B28558}"/>
-              </a:ext>
-            </a:extLst>
-          </p:cNvPr>
-          <p:cNvSpPr>
-            <a:spLocks noGrp="1"/>
-          </p:cNvSpPr>
-          <p:nvPr>
-            <p:ph idx="1"/>
-          </p:nvPr>
-        </p:nvSpPr>
-        <p:spPr>
-          <a:xfrm>
-            <a:off x="838200" y="1690688"/>
-            <a:ext cx="10914888" cy="4351338"/>
-          </a:xfrm>
-        </p:spPr>
-        <p:txBody>
-          <a:bodyPr vert="horz" lIns="91440" tIns="45720" rIns="91440" bIns="45720" rtlCol="0" anchor="t">
-            <a:normAutofit fontScale="77500" lnSpcReduction="20000"/>
-          </a:bodyPr>
-          <a:lstStyle/>
-          <a:p>
-            <a:pPr marL="0" indent="0">
-              <a:buNone/>
-            </a:pPr>
-            <a:r>
-              <a:rPr lang="en-US" sz="3200" dirty="0">
-                <a:latin typeface="Century Gothic"/>
-              </a:rPr>
-              <a:t>The Module System (</a:t>
-            </a:r>
-            <a:r>
-              <a:rPr lang="en-US" sz="3200" dirty="0" err="1">
-                <a:latin typeface="Century Gothic"/>
-              </a:rPr>
-              <a:t>Lmod</a:t>
-            </a:r>
-            <a:r>
-              <a:rPr lang="en-US" sz="3200" dirty="0">
-                <a:latin typeface="Century Gothic"/>
-              </a:rPr>
-              <a:t>)</a:t>
-            </a:r>
-            <a:endParaRPr lang="en-US" dirty="0">
-              <a:latin typeface="Century Gothic"/>
-            </a:endParaRPr>
-          </a:p>
-          <a:p>
-            <a:pPr lvl="2"/>
-            <a:r>
-              <a:rPr lang="en-US" sz="2800" dirty="0">
-                <a:latin typeface="Century Gothic"/>
-              </a:rPr>
-              <a:t>Setting up for today’s session</a:t>
-            </a:r>
-          </a:p>
-          <a:p>
-            <a:pPr lvl="2"/>
-            <a:r>
-              <a:rPr lang="en-US" sz="2800" dirty="0">
-                <a:latin typeface="Century Gothic"/>
-              </a:rPr>
-              <a:t>Live Demos: </a:t>
-            </a:r>
-            <a:r>
-              <a:rPr lang="en-US" sz="2800" dirty="0" err="1">
-                <a:latin typeface="Century Gothic"/>
-              </a:rPr>
-              <a:t>lmod</a:t>
-            </a:r>
-            <a:r>
-              <a:rPr lang="en-US" sz="2800" dirty="0">
-                <a:latin typeface="Century Gothic"/>
-              </a:rPr>
-              <a:t> module system</a:t>
-            </a:r>
-            <a:endParaRPr lang="en-US" dirty="0">
-              <a:latin typeface="Arial" panose="020B0604020202020204"/>
-              <a:cs typeface="Arial"/>
-            </a:endParaRPr>
-          </a:p>
-          <a:p>
-            <a:pPr marL="0" indent="0">
-              <a:buNone/>
-            </a:pPr>
-            <a:r>
-              <a:rPr lang="en-US" sz="3200" dirty="0">
-                <a:latin typeface="Century Gothic"/>
-              </a:rPr>
-              <a:t>Building Software on CURC Systems</a:t>
-            </a:r>
-            <a:endParaRPr lang="en-US" sz="3200" dirty="0">
-              <a:cs typeface="Arial"/>
-            </a:endParaRPr>
-          </a:p>
-          <a:p>
-            <a:pPr lvl="2"/>
-            <a:r>
-              <a:rPr lang="en-US" sz="2800" dirty="0">
-                <a:latin typeface="Century Gothic"/>
-              </a:rPr>
-              <a:t>Exercise #1: Building Software from Source</a:t>
-            </a:r>
-            <a:endParaRPr lang="en-US" sz="2800" dirty="0">
-              <a:latin typeface="Century Gothic" panose="020B0502020202020204" pitchFamily="34" charset="0"/>
-            </a:endParaRPr>
-          </a:p>
-          <a:p>
-            <a:pPr marL="0" indent="0">
-              <a:buNone/>
-            </a:pPr>
-            <a:r>
-              <a:rPr lang="en-US" sz="3200" dirty="0">
-                <a:latin typeface="Century Gothic"/>
-              </a:rPr>
-              <a:t>Simplifying Source installations with </a:t>
-            </a:r>
-            <a:r>
-              <a:rPr lang="en-US" sz="3200" dirty="0" err="1">
-                <a:latin typeface="Century Gothic"/>
-              </a:rPr>
-              <a:t>Spack</a:t>
-            </a:r>
-            <a:endParaRPr lang="en-US" sz="3200" dirty="0">
-              <a:latin typeface="Century Gothic"/>
-            </a:endParaRPr>
-          </a:p>
-          <a:p>
-            <a:pPr lvl="2"/>
-            <a:r>
-              <a:rPr lang="en-US" sz="2800" dirty="0">
-                <a:latin typeface="Century Gothic"/>
-              </a:rPr>
-              <a:t>Exercise #2: Building Software with </a:t>
-            </a:r>
-            <a:r>
-              <a:rPr lang="en-US" sz="2800" dirty="0" err="1">
-                <a:latin typeface="Century Gothic"/>
-              </a:rPr>
-              <a:t>Spack</a:t>
-            </a:r>
-            <a:endParaRPr lang="en-US" sz="2800" dirty="0"/>
-          </a:p>
-          <a:p>
-            <a:pPr marL="0" indent="0">
-              <a:buNone/>
-            </a:pPr>
-            <a:r>
-              <a:rPr lang="en-US" sz="3200" dirty="0">
-                <a:latin typeface="Century Gothic"/>
-              </a:rPr>
-              <a:t>Virtual Environments With Anaconda</a:t>
-            </a:r>
-            <a:endParaRPr lang="en-US" dirty="0"/>
-          </a:p>
-          <a:p>
-            <a:pPr lvl="2"/>
-            <a:r>
-              <a:rPr lang="en-US" sz="2800" dirty="0">
-                <a:latin typeface="Century Gothic"/>
-              </a:rPr>
-              <a:t>Exercise #3: Installing Software with </a:t>
-            </a:r>
-            <a:r>
-              <a:rPr lang="en-US" sz="2800" dirty="0" err="1">
-                <a:latin typeface="Century Gothic"/>
-              </a:rPr>
-              <a:t>Conda</a:t>
-            </a:r>
-            <a:endParaRPr lang="en-US" sz="2800" dirty="0">
-              <a:latin typeface="Century Gothic"/>
-            </a:endParaRPr>
-          </a:p>
-          <a:p>
-            <a:pPr marL="0" indent="0">
-              <a:buNone/>
-            </a:pPr>
-            <a:r>
-              <a:rPr lang="en-US" sz="3200" dirty="0">
-                <a:latin typeface="Century Gothic"/>
-              </a:rPr>
-              <a:t>Containerization With </a:t>
-            </a:r>
-            <a:r>
-              <a:rPr lang="en-US" sz="3200" dirty="0" err="1">
-                <a:latin typeface="Century Gothic"/>
-              </a:rPr>
-              <a:t>Apptainer</a:t>
-            </a:r>
-            <a:endParaRPr lang="en-US" sz="3200" dirty="0">
-              <a:latin typeface="Century Gothic"/>
-            </a:endParaRPr>
-          </a:p>
-          <a:p>
-            <a:pPr lvl="2"/>
-            <a:r>
-              <a:rPr lang="en-US" sz="2800" dirty="0">
-                <a:latin typeface="Century Gothic"/>
-              </a:rPr>
-              <a:t>Exercise #4: Installing Software With </a:t>
-            </a:r>
-            <a:r>
-              <a:rPr lang="en-US" sz="2800" dirty="0" err="1">
-                <a:latin typeface="Century Gothic"/>
-              </a:rPr>
-              <a:t>Apptainer</a:t>
-            </a:r>
-            <a:endParaRPr lang="en-US" sz="2800" dirty="0">
-              <a:latin typeface="Century Gothic"/>
-            </a:endParaRPr>
-          </a:p>
-          <a:p>
-            <a:pPr marL="0" indent="0">
-              <a:buNone/>
-            </a:pPr>
-            <a:r>
-              <a:rPr lang="en-US" sz="3200" dirty="0">
-                <a:latin typeface="Century Gothic"/>
-              </a:rPr>
-              <a:t>Requesting Software Installations</a:t>
-            </a:r>
-          </a:p>
-        </p:txBody>
-      </p:sp>
-      <p:sp>
-        <p:nvSpPr>
-          <p:cNvPr id="4" name="Date Placeholder 3">
-            <a:extLst>
-              <a:ext uri="{FF2B5EF4-FFF2-40B4-BE49-F238E27FC236}">
-                <a16:creationId xmlns:a16="http://schemas.microsoft.com/office/drawing/2014/main" id="{5D412731-C520-83F2-BE89-8DEE9214789C}"/>
-              </a:ext>
-            </a:extLst>
-          </p:cNvPr>
-          <p:cNvSpPr>
-            <a:spLocks noGrp="1"/>
-          </p:cNvSpPr>
-          <p:nvPr>
-            <p:ph type="dt" sz="half" idx="10"/>
-          </p:nvPr>
-        </p:nvSpPr>
-        <p:spPr/>
-        <p:txBody>
-          <a:bodyPr/>
-          <a:lstStyle/>
-          <a:p>
-            <a:pPr algn="ctr"/>
-            <a:r>
-              <a:rPr lang="en-US" dirty="0"/>
-              <a:t>3/5/24</a:t>
-            </a:r>
-          </a:p>
-        </p:txBody>
-      </p:sp>
-      <p:sp>
-        <p:nvSpPr>
-          <p:cNvPr id="7" name="Slide Number Placeholder 6">
-            <a:extLst>
-              <a:ext uri="{FF2B5EF4-FFF2-40B4-BE49-F238E27FC236}">
-                <a16:creationId xmlns:a16="http://schemas.microsoft.com/office/drawing/2014/main" id="{CA99CC0F-C097-D682-7893-512CA8823C8D}"/>
-              </a:ext>
-            </a:extLst>
-          </p:cNvPr>
-          <p:cNvSpPr>
-            <a:spLocks noGrp="1"/>
-          </p:cNvSpPr>
-          <p:nvPr>
-            <p:ph type="sldNum" sz="quarter" idx="12"/>
-          </p:nvPr>
-        </p:nvSpPr>
-        <p:spPr/>
-        <p:txBody>
-          <a:bodyPr/>
-          <a:lstStyle/>
-          <a:p>
-            <a:fld id="{ABDA560F-461C-6043-9BC4-489BA92F7161}" type="slidenum">
-              <a:rPr lang="en-US" smtClean="0"/>
-              <a:t>3</a:t>
-            </a:fld>
-            <a:endParaRPr lang="en-US"/>
-          </a:p>
-        </p:txBody>
-      </p:sp>
-    </p:spTree>
-    <p:extLst>
-      <p:ext uri="{BB962C8B-B14F-4D97-AF65-F5344CB8AC3E}">
-        <p14:creationId xmlns:p14="http://schemas.microsoft.com/office/powerpoint/2010/main" val="229635774"/>
-      </p:ext>
-    </p:extLst>
-  </p:cSld>
-  <p:clrMapOvr>
-    <a:masterClrMapping/>
-  </p:clrMapOvr>
-  <p:timing>
-    <p:tnLst>
-      <p:par>
-        <p:cTn id="1" dur="indefinite" restart="never" nodeType="tmRoot">
-          <p:childTnLst>
-            <p:seq concurrent="1" nextAc="seek">
-              <p:cTn id="2" dur="indefinite" nodeType="mainSeq">
-                <p:childTnLst>
-                  <p:par>
-                    <p:cTn id="3" fill="hold">
-                      <p:stCondLst>
-                        <p:cond delay="indefinite"/>
-                      </p:stCondLst>
-                      <p:childTnLst>
-                        <p:par>
-                          <p:cTn id="4" fill="hold">
-                            <p:stCondLst>
-                              <p:cond delay="0"/>
-                            </p:stCondLst>
-                            <p:childTnLst>
-                              <p:par>
-                                <p:cTn id="5" presetID="1" presetClass="entr" presetSubtype="0" fill="hold" nodeType="clickEffect">
-                                  <p:stCondLst>
-                                    <p:cond delay="0"/>
-                                  </p:stCondLst>
-                                  <p:childTnLst>
-                                    <p:set>
-                                      <p:cBhvr>
-                                        <p:cTn id="6" dur="1" fill="hold">
-                                          <p:stCondLst>
-                                            <p:cond delay="0"/>
-                                          </p:stCondLst>
-                                        </p:cTn>
-                                        <p:tgtEl>
-                                          <p:spTgt spid="3">
-                                            <p:txEl>
-                                              <p:pRg st="0" end="0"/>
-                                            </p:txEl>
-                                          </p:spTgt>
-                                        </p:tgtEl>
-                                        <p:attrNameLst>
-                                          <p:attrName>style.visibility</p:attrName>
-                                        </p:attrNameLst>
-                                      </p:cBhvr>
-                                      <p:to>
-                                        <p:strVal val="visible"/>
-                                      </p:to>
-                                    </p:set>
-                                  </p:childTnLst>
-                                </p:cTn>
-                              </p:par>
-                              <p:par>
-                                <p:cTn id="7" presetID="1" presetClass="entr" presetSubtype="0" fill="hold" nodeType="withEffect">
-                                  <p:stCondLst>
-                                    <p:cond delay="0"/>
-                                  </p:stCondLst>
-                                  <p:childTnLst>
-                                    <p:set>
-                                      <p:cBhvr>
-                                        <p:cTn id="8" dur="1" fill="hold">
-                                          <p:stCondLst>
-                                            <p:cond delay="0"/>
-                                          </p:stCondLst>
-                                        </p:cTn>
-                                        <p:tgtEl>
-                                          <p:spTgt spid="3">
-                                            <p:txEl>
-                                              <p:pRg st="1" end="1"/>
-                                            </p:txEl>
-                                          </p:spTgt>
-                                        </p:tgtEl>
-                                        <p:attrNameLst>
-                                          <p:attrName>style.visibility</p:attrName>
-                                        </p:attrNameLst>
-                                      </p:cBhvr>
-                                      <p:to>
-                                        <p:strVal val="visible"/>
-                                      </p:to>
-                                    </p:set>
-                                  </p:childTnLst>
-                                </p:cTn>
-                              </p:par>
-                              <p:par>
-                                <p:cTn id="9" presetID="1" presetClass="entr" presetSubtype="0" fill="hold" nodeType="withEffect">
-                                  <p:stCondLst>
-                                    <p:cond delay="0"/>
-                                  </p:stCondLst>
-                                  <p:childTnLst>
-                                    <p:set>
-                                      <p:cBhvr>
-                                        <p:cTn id="10" dur="1" fill="hold">
-                                          <p:stCondLst>
-                                            <p:cond delay="0"/>
-                                          </p:stCondLst>
-                                        </p:cTn>
-                                        <p:tgtEl>
-                                          <p:spTgt spid="3">
-                                            <p:txEl>
-                                              <p:pRg st="2" end="2"/>
-                                            </p:txEl>
-                                          </p:spTgt>
-                                        </p:tgtEl>
-                                        <p:attrNameLst>
-                                          <p:attrName>style.visibility</p:attrName>
-                                        </p:attrNameLst>
-                                      </p:cBhvr>
-                                      <p:to>
-                                        <p:strVal val="visible"/>
-                                      </p:to>
-                                    </p:set>
-                                  </p:childTnLst>
-                                </p:cTn>
-                              </p:par>
-                            </p:childTnLst>
-                          </p:cTn>
-                        </p:par>
-                      </p:childTnLst>
-                    </p:cTn>
-                  </p:par>
-                  <p:par>
-                    <p:cTn id="11" fill="hold">
-                      <p:stCondLst>
-                        <p:cond delay="indefinite"/>
-                      </p:stCondLst>
-                      <p:childTnLst>
-                        <p:par>
-                          <p:cTn id="12" fill="hold">
-                            <p:stCondLst>
-                              <p:cond delay="0"/>
-                            </p:stCondLst>
-                            <p:childTnLst>
-                              <p:par>
-                                <p:cTn id="13" presetID="1" presetClass="entr" presetSubtype="0" fill="hold" nodeType="clickEffect">
-                                  <p:stCondLst>
-                                    <p:cond delay="0"/>
-                                  </p:stCondLst>
-                                  <p:childTnLst>
-                                    <p:set>
-                                      <p:cBhvr>
-                                        <p:cTn id="14" dur="1" fill="hold">
-                                          <p:stCondLst>
-                                            <p:cond delay="0"/>
-                                          </p:stCondLst>
-                                        </p:cTn>
-                                        <p:tgtEl>
-                                          <p:spTgt spid="3">
-                                            <p:txEl>
-                                              <p:pRg st="3" end="3"/>
-                                            </p:txEl>
-                                          </p:spTgt>
-                                        </p:tgtEl>
-                                        <p:attrNameLst>
-                                          <p:attrName>style.visibility</p:attrName>
-                                        </p:attrNameLst>
-                                      </p:cBhvr>
-                                      <p:to>
-                                        <p:strVal val="visible"/>
-                                      </p:to>
-                                    </p:set>
-                                  </p:childTnLst>
-                                </p:cTn>
-                              </p:par>
-                              <p:par>
-                                <p:cTn id="15" presetID="1" presetClass="entr" presetSubtype="0" fill="hold" nodeType="withEffect">
-                                  <p:stCondLst>
-                                    <p:cond delay="0"/>
-                                  </p:stCondLst>
-                                  <p:childTnLst>
-                                    <p:set>
-                                      <p:cBhvr>
-                                        <p:cTn id="16" dur="1" fill="hold">
-                                          <p:stCondLst>
-                                            <p:cond delay="0"/>
-                                          </p:stCondLst>
-                                        </p:cTn>
-                                        <p:tgtEl>
-                                          <p:spTgt spid="3">
-                                            <p:txEl>
-                                              <p:pRg st="4" end="4"/>
-                                            </p:txEl>
-                                          </p:spTgt>
-                                        </p:tgtEl>
-                                        <p:attrNameLst>
-                                          <p:attrName>style.visibility</p:attrName>
-                                        </p:attrNameLst>
-                                      </p:cBhvr>
-                                      <p:to>
-                                        <p:strVal val="visible"/>
-                                      </p:to>
-                                    </p:set>
-                                  </p:childTnLst>
-                                </p:cTn>
-                              </p:par>
-                            </p:childTnLst>
-                          </p:cTn>
-                        </p:par>
-                      </p:childTnLst>
-                    </p:cTn>
-                  </p:par>
-                  <p:par>
-                    <p:cTn id="17" fill="hold">
-                      <p:stCondLst>
-                        <p:cond delay="indefinite"/>
-                      </p:stCondLst>
-                      <p:childTnLst>
-                        <p:par>
-                          <p:cTn id="18" fill="hold">
-                            <p:stCondLst>
-                              <p:cond delay="0"/>
-                            </p:stCondLst>
-                            <p:childTnLst>
-                              <p:par>
-                                <p:cTn id="19" presetID="1" presetClass="entr" presetSubtype="0" fill="hold" nodeType="clickEffect">
-                                  <p:stCondLst>
-                                    <p:cond delay="0"/>
-                                  </p:stCondLst>
-                                  <p:childTnLst>
-                                    <p:set>
-                                      <p:cBhvr>
-                                        <p:cTn id="20" dur="1" fill="hold">
-                                          <p:stCondLst>
-                                            <p:cond delay="0"/>
-                                          </p:stCondLst>
-                                        </p:cTn>
-                                        <p:tgtEl>
-                                          <p:spTgt spid="3">
-                                            <p:txEl>
-                                              <p:pRg st="5" end="5"/>
-                                            </p:txEl>
-                                          </p:spTgt>
-                                        </p:tgtEl>
-                                        <p:attrNameLst>
-                                          <p:attrName>style.visibility</p:attrName>
-                                        </p:attrNameLst>
-                                      </p:cBhvr>
-                                      <p:to>
-                                        <p:strVal val="visible"/>
-                                      </p:to>
-                                    </p:set>
-                                  </p:childTnLst>
-                                </p:cTn>
-                              </p:par>
-                              <p:par>
-                                <p:cTn id="21" presetID="1" presetClass="entr" presetSubtype="0" fill="hold" nodeType="withEffect">
-                                  <p:stCondLst>
-                                    <p:cond delay="0"/>
-                                  </p:stCondLst>
-                                  <p:childTnLst>
-                                    <p:set>
-                                      <p:cBhvr>
-                                        <p:cTn id="22" dur="1" fill="hold">
-                                          <p:stCondLst>
-                                            <p:cond delay="0"/>
-                                          </p:stCondLst>
-                                        </p:cTn>
-                                        <p:tgtEl>
-                                          <p:spTgt spid="3">
-                                            <p:txEl>
-                                              <p:pRg st="6" end="6"/>
-                                            </p:txEl>
-                                          </p:spTgt>
-                                        </p:tgtEl>
-                                        <p:attrNameLst>
-                                          <p:attrName>style.visibility</p:attrName>
-                                        </p:attrNameLst>
-                                      </p:cBhvr>
-                                      <p:to>
-                                        <p:strVal val="visible"/>
-                                      </p:to>
-                                    </p:set>
-                                  </p:childTnLst>
-                                </p:cTn>
-                              </p:par>
-                            </p:childTnLst>
-                          </p:cTn>
-                        </p:par>
-                      </p:childTnLst>
-                    </p:cTn>
-                  </p:par>
-                  <p:par>
-                    <p:cTn id="23" fill="hold">
-                      <p:stCondLst>
-                        <p:cond delay="indefinite"/>
-                      </p:stCondLst>
-                      <p:childTnLst>
-                        <p:par>
-                          <p:cTn id="24" fill="hold">
-                            <p:stCondLst>
-                              <p:cond delay="0"/>
-                            </p:stCondLst>
-                            <p:childTnLst>
-                              <p:par>
-                                <p:cTn id="25" presetID="1" presetClass="entr" presetSubtype="0" fill="hold" nodeType="clickEffect">
-                                  <p:stCondLst>
-                                    <p:cond delay="0"/>
-                                  </p:stCondLst>
-                                  <p:childTnLst>
-                                    <p:set>
-                                      <p:cBhvr>
-                                        <p:cTn id="26" dur="1" fill="hold">
-                                          <p:stCondLst>
-                                            <p:cond delay="0"/>
-                                          </p:stCondLst>
-                                        </p:cTn>
-                                        <p:tgtEl>
-                                          <p:spTgt spid="3">
-                                            <p:txEl>
-                                              <p:pRg st="7" end="7"/>
-                                            </p:txEl>
-                                          </p:spTgt>
-                                        </p:tgtEl>
-                                        <p:attrNameLst>
-                                          <p:attrName>style.visibility</p:attrName>
-                                        </p:attrNameLst>
-                                      </p:cBhvr>
-                                      <p:to>
-                                        <p:strVal val="visible"/>
-                                      </p:to>
-                                    </p:set>
-                                  </p:childTnLst>
-                                </p:cTn>
-                              </p:par>
-                              <p:par>
-                                <p:cTn id="27" presetID="1" presetClass="entr" presetSubtype="0" fill="hold" nodeType="withEffect">
-                                  <p:stCondLst>
-                                    <p:cond delay="0"/>
-                                  </p:stCondLst>
-                                  <p:childTnLst>
-                                    <p:set>
-                                      <p:cBhvr>
-                                        <p:cTn id="28" dur="1" fill="hold">
-                                          <p:stCondLst>
-                                            <p:cond delay="0"/>
-                                          </p:stCondLst>
-                                        </p:cTn>
-                                        <p:tgtEl>
-                                          <p:spTgt spid="3">
-                                            <p:txEl>
-                                              <p:pRg st="8" end="8"/>
-                                            </p:txEl>
-                                          </p:spTgt>
-                                        </p:tgtEl>
-                                        <p:attrNameLst>
-                                          <p:attrName>style.visibility</p:attrName>
-                                        </p:attrNameLst>
-                                      </p:cBhvr>
-                                      <p:to>
-                                        <p:strVal val="visible"/>
-                                      </p:to>
-                                    </p:set>
-                                  </p:childTnLst>
-                                </p:cTn>
-                              </p:par>
-                            </p:childTnLst>
-                          </p:cTn>
-                        </p:par>
-                      </p:childTnLst>
-                    </p:cTn>
-                  </p:par>
-                  <p:par>
-                    <p:cTn id="29" fill="hold">
-                      <p:stCondLst>
-                        <p:cond delay="indefinite"/>
-                      </p:stCondLst>
-                      <p:childTnLst>
-                        <p:par>
-                          <p:cTn id="30" fill="hold">
-                            <p:stCondLst>
-                              <p:cond delay="0"/>
-                            </p:stCondLst>
-                            <p:childTnLst>
-                              <p:par>
-                                <p:cTn id="31" presetID="1" presetClass="entr" presetSubtype="0" fill="hold" nodeType="clickEffect">
-                                  <p:stCondLst>
-                                    <p:cond delay="0"/>
-                                  </p:stCondLst>
-                                  <p:childTnLst>
-                                    <p:set>
-                                      <p:cBhvr>
-                                        <p:cTn id="32" dur="1" fill="hold">
-                                          <p:stCondLst>
-                                            <p:cond delay="0"/>
-                                          </p:stCondLst>
-                                        </p:cTn>
-                                        <p:tgtEl>
-                                          <p:spTgt spid="3">
-                                            <p:txEl>
-                                              <p:pRg st="9" end="9"/>
-                                            </p:txEl>
-                                          </p:spTgt>
-                                        </p:tgtEl>
-                                        <p:attrNameLst>
-                                          <p:attrName>style.visibility</p:attrName>
-                                        </p:attrNameLst>
-                                      </p:cBhvr>
-                                      <p:to>
-                                        <p:strVal val="visible"/>
-                                      </p:to>
-                                    </p:set>
-                                  </p:childTnLst>
-                                </p:cTn>
-                              </p:par>
-                              <p:par>
-                                <p:cTn id="33" presetID="1" presetClass="entr" presetSubtype="0" fill="hold" nodeType="withEffect">
-                                  <p:stCondLst>
-                                    <p:cond delay="0"/>
-                                  </p:stCondLst>
-                                  <p:childTnLst>
-                                    <p:set>
-                                      <p:cBhvr>
-                                        <p:cTn id="34" dur="1" fill="hold">
-                                          <p:stCondLst>
-                                            <p:cond delay="0"/>
-                                          </p:stCondLst>
-                                        </p:cTn>
-                                        <p:tgtEl>
-                                          <p:spTgt spid="3">
-                                            <p:txEl>
-                                              <p:pRg st="10" end="10"/>
-                                            </p:txEl>
-                                          </p:spTgt>
-                                        </p:tgtEl>
-                                        <p:attrNameLst>
-                                          <p:attrName>style.visibility</p:attrName>
-                                        </p:attrNameLst>
-                                      </p:cBhvr>
-                                      <p:to>
-                                        <p:strVal val="visible"/>
-                                      </p:to>
-                                    </p:set>
-                                  </p:childTnLst>
-                                </p:cTn>
-                              </p:par>
-                            </p:childTnLst>
-                          </p:cTn>
-                        </p:par>
-                      </p:childTnLst>
-                    </p:cTn>
-                  </p:par>
-                  <p:par>
-                    <p:cTn id="35" fill="hold">
-                      <p:stCondLst>
-                        <p:cond delay="indefinite"/>
-                      </p:stCondLst>
-                      <p:childTnLst>
-                        <p:par>
-                          <p:cTn id="36" fill="hold">
-                            <p:stCondLst>
-                              <p:cond delay="0"/>
-                            </p:stCondLst>
-                            <p:childTnLst>
-                              <p:par>
-                                <p:cTn id="37" presetID="1" presetClass="entr" presetSubtype="0" fill="hold" nodeType="clickEffect">
-                                  <p:stCondLst>
-                                    <p:cond delay="0"/>
-                                  </p:stCondLst>
-                                  <p:childTnLst>
-                                    <p:set>
-                                      <p:cBhvr>
-                                        <p:cTn id="38" dur="1" fill="hold">
-                                          <p:stCondLst>
-                                            <p:cond delay="0"/>
-                                          </p:stCondLst>
-                                        </p:cTn>
-                                        <p:tgtEl>
-                                          <p:spTgt spid="3">
-                                            <p:txEl>
-                                              <p:pRg st="11" end="11"/>
-                                            </p:txEl>
-                                          </p:spTgt>
-                                        </p:tgtEl>
-                                        <p:attrNameLst>
-                                          <p:attrName>style.visibility</p:attrName>
-                                        </p:attrNameLst>
-                                      </p:cBhvr>
-                                      <p:to>
-                                        <p:strVal val="visible"/>
-                                      </p:to>
-                                    </p:set>
-                                  </p:childTnLst>
-                                </p:cTn>
-                              </p:par>
-                            </p:childTnLst>
-                          </p:cTn>
-                        </p:par>
-                      </p:childTnLst>
-                    </p:cTn>
-                  </p:par>
-                </p:childTnLst>
-              </p:cTn>
-              <p:prevCondLst>
-                <p:cond evt="onPrev" delay="0">
-                  <p:tgtEl>
-                    <p:sldTgt/>
-                  </p:tgtEl>
-                </p:cond>
-              </p:prevCondLst>
-              <p:nextCondLst>
-                <p:cond evt="onNext" delay="0">
-                  <p:tgtEl>
-                    <p:sldTgt/>
-                  </p:tgtEl>
-                </p:cond>
-              </p:nextCondLst>
-            </p:seq>
-          </p:childTnLst>
-        </p:cTn>
-      </p:par>
-    </p:tnLst>
-  </p:timing>
-</p:sld>
-</file>
-
-<file path=ppt/slides/slide30.xml><?xml version="1.0" encoding="utf-8"?>
+<file path=ppt/slides/slide32.xml><?xml version="1.0" encoding="utf-8"?>
 <p:sld xmlns:a="http://schemas.openxmlformats.org/drawingml/2006/main" xmlns:r="http://schemas.openxmlformats.org/officeDocument/2006/relationships" xmlns:p="http://schemas.openxmlformats.org/presentationml/2006/main">
   <p:cSld>
     <p:spTree>
@@ -17645,7 +18010,7 @@
           <a:p>
             <a:fld id="{ABDA560F-461C-6043-9BC4-489BA92F7161}" type="slidenum">
               <a:rPr lang="en-US" smtClean="0"/>
-              <a:t>30</a:t>
+              <a:t>32</a:t>
             </a:fld>
             <a:endParaRPr lang="en-US"/>
           </a:p>
@@ -17841,7 +18206,7 @@
 </p:sld>
 </file>
 
-<file path=ppt/slides/slide31.xml><?xml version="1.0" encoding="utf-8"?>
+<file path=ppt/slides/slide33.xml><?xml version="1.0" encoding="utf-8"?>
 <p:sld xmlns:a="http://schemas.openxmlformats.org/drawingml/2006/main" xmlns:r="http://schemas.openxmlformats.org/officeDocument/2006/relationships" xmlns:p="http://schemas.openxmlformats.org/presentationml/2006/main">
   <p:cSld>
     <p:spTree>
@@ -18653,7 +19018,7 @@
           <a:p>
             <a:fld id="{ABDA560F-461C-6043-9BC4-489BA92F7161}" type="slidenum">
               <a:rPr lang="en-US" smtClean="0"/>
-              <a:t>31</a:t>
+              <a:t>33</a:t>
             </a:fld>
             <a:endParaRPr lang="en-US"/>
           </a:p>
@@ -18795,7 +19160,7 @@
 </p:sld>
 </file>
 
-<file path=ppt/slides/slide32.xml><?xml version="1.0" encoding="utf-8"?>
+<file path=ppt/slides/slide34.xml><?xml version="1.0" encoding="utf-8"?>
 <p:sld xmlns:a="http://schemas.openxmlformats.org/drawingml/2006/main" xmlns:r="http://schemas.openxmlformats.org/officeDocument/2006/relationships" xmlns:p="http://schemas.openxmlformats.org/presentationml/2006/main">
   <p:cSld>
     <p:spTree>
@@ -19609,7 +19974,7 @@
           <a:p>
             <a:fld id="{ABDA560F-461C-6043-9BC4-489BA92F7161}" type="slidenum">
               <a:rPr lang="en-US" smtClean="0"/>
-              <a:t>32</a:t>
+              <a:t>34</a:t>
             </a:fld>
             <a:endParaRPr lang="en-US"/>
           </a:p>
@@ -19733,7 +20098,7 @@
 </p:sld>
 </file>
 
-<file path=ppt/slides/slide33.xml><?xml version="1.0" encoding="utf-8"?>
+<file path=ppt/slides/slide35.xml><?xml version="1.0" encoding="utf-8"?>
 <p:sld xmlns:a="http://schemas.openxmlformats.org/drawingml/2006/main" xmlns:r="http://schemas.openxmlformats.org/officeDocument/2006/relationships" xmlns:p="http://schemas.openxmlformats.org/presentationml/2006/main">
   <p:cSld>
     <p:spTree>
@@ -20756,7 +21121,7 @@
           <a:p>
             <a:fld id="{ABDA560F-461C-6043-9BC4-489BA92F7161}" type="slidenum">
               <a:rPr lang="en-US" smtClean="0"/>
-              <a:t>33</a:t>
+              <a:t>35</a:t>
             </a:fld>
             <a:endParaRPr lang="en-US"/>
           </a:p>
@@ -20926,7 +21291,7 @@
 </p:sld>
 </file>
 
-<file path=ppt/slides/slide34.xml><?xml version="1.0" encoding="utf-8"?>
+<file path=ppt/slides/slide36.xml><?xml version="1.0" encoding="utf-8"?>
 <p:sld xmlns:a="http://schemas.openxmlformats.org/drawingml/2006/main" xmlns:r="http://schemas.openxmlformats.org/officeDocument/2006/relationships" xmlns:p="http://schemas.openxmlformats.org/presentationml/2006/main">
   <p:cSld>
     <p:spTree>
@@ -21617,7 +21982,7 @@
           <a:p>
             <a:fld id="{ABDA560F-461C-6043-9BC4-489BA92F7161}" type="slidenum">
               <a:rPr lang="en-US" smtClean="0"/>
-              <a:t>34</a:t>
+              <a:t>36</a:t>
             </a:fld>
             <a:endParaRPr lang="en-US"/>
           </a:p>
@@ -21636,7 +22001,7 @@
 </p:sld>
 </file>
 
-<file path=ppt/slides/slide35.xml><?xml version="1.0" encoding="utf-8"?>
+<file path=ppt/slides/slide37.xml><?xml version="1.0" encoding="utf-8"?>
 <p:sld xmlns:a="http://schemas.openxmlformats.org/drawingml/2006/main" xmlns:r="http://schemas.openxmlformats.org/officeDocument/2006/relationships" xmlns:p="http://schemas.openxmlformats.org/presentationml/2006/main">
   <p:cSld>
     <p:spTree>
@@ -22307,7 +22672,7 @@
           <a:p>
             <a:fld id="{ABDA560F-461C-6043-9BC4-489BA92F7161}" type="slidenum">
               <a:rPr lang="en-US" smtClean="0"/>
-              <a:t>35</a:t>
+              <a:t>37</a:t>
             </a:fld>
             <a:endParaRPr lang="en-US"/>
           </a:p>
@@ -22401,7 +22766,7 @@
 </p:sld>
 </file>
 
-<file path=ppt/slides/slide36.xml><?xml version="1.0" encoding="utf-8"?>
+<file path=ppt/slides/slide38.xml><?xml version="1.0" encoding="utf-8"?>
 <p:sld xmlns:a="http://schemas.openxmlformats.org/drawingml/2006/main" xmlns:r="http://schemas.openxmlformats.org/officeDocument/2006/relationships" xmlns:p="http://schemas.openxmlformats.org/presentationml/2006/main">
   <p:cSld>
     <p:spTree>
@@ -22539,7 +22904,7 @@
               <a:rPr lang="en-US" sz="2800" dirty="0">
                 <a:latin typeface="Century Gothic"/>
               </a:rPr>
-              <a:t>Hands-on exercise #3.</a:t>
+              <a:t>Hands-on exercise #4</a:t>
             </a:r>
             <a:endParaRPr lang="en-US" sz="2800" dirty="0">
               <a:latin typeface="Century Gothic" panose="020B0502020202020204" pitchFamily="34" charset="0"/>
@@ -22687,7 +23052,7 @@
           <a:p>
             <a:fld id="{ABDA560F-461C-6043-9BC4-489BA92F7161}" type="slidenum">
               <a:rPr lang="en-US" smtClean="0"/>
-              <a:t>36</a:t>
+              <a:t>38</a:t>
             </a:fld>
             <a:endParaRPr lang="en-US"/>
           </a:p>
@@ -22706,7 +23071,7 @@
 </p:sld>
 </file>
 
-<file path=ppt/slides/slide37.xml><?xml version="1.0" encoding="utf-8"?>
+<file path=ppt/slides/slide39.xml><?xml version="1.0" encoding="utf-8"?>
 <p:sld xmlns:a="http://schemas.openxmlformats.org/drawingml/2006/main" xmlns:r="http://schemas.openxmlformats.org/officeDocument/2006/relationships" xmlns:p="http://schemas.openxmlformats.org/presentationml/2006/main">
   <p:cSld>
     <p:spTree>
@@ -22962,7 +23327,7 @@
           <a:p>
             <a:fld id="{ABDA560F-461C-6043-9BC4-489BA92F7161}" type="slidenum">
               <a:rPr lang="en-US" smtClean="0"/>
-              <a:t>37</a:t>
+              <a:t>39</a:t>
             </a:fld>
             <a:endParaRPr lang="en-US"/>
           </a:p>
@@ -23354,7 +23719,857 @@
 </p:sld>
 </file>
 
-<file path=ppt/slides/slide38.xml><?xml version="1.0" encoding="utf-8"?>
+<file path=ppt/slides/slide4.xml><?xml version="1.0" encoding="utf-8"?>
+<p:sld xmlns:a="http://schemas.openxmlformats.org/drawingml/2006/main" xmlns:r="http://schemas.openxmlformats.org/officeDocument/2006/relationships" xmlns:p="http://schemas.openxmlformats.org/presentationml/2006/main">
+  <p:cSld>
+    <p:spTree>
+      <p:nvGrpSpPr>
+        <p:cNvPr id="1" name=""/>
+        <p:cNvGrpSpPr/>
+        <p:nvPr/>
+      </p:nvGrpSpPr>
+      <p:grpSpPr>
+        <a:xfrm>
+          <a:off x="0" y="0"/>
+          <a:ext cx="0" cy="0"/>
+          <a:chOff x="0" y="0"/>
+          <a:chExt cx="0" cy="0"/>
+        </a:xfrm>
+      </p:grpSpPr>
+      <p:sp>
+        <p:nvSpPr>
+          <p:cNvPr id="2" name="Title 1">
+            <a:extLst>
+              <a:ext uri="{FF2B5EF4-FFF2-40B4-BE49-F238E27FC236}">
+                <a16:creationId xmlns:a16="http://schemas.microsoft.com/office/drawing/2014/main" id="{5E3A5C00-123E-2CD0-AD48-005F02DD9C54}"/>
+              </a:ext>
+            </a:extLst>
+          </p:cNvPr>
+          <p:cNvSpPr>
+            <a:spLocks noGrp="1"/>
+          </p:cNvSpPr>
+          <p:nvPr>
+            <p:ph type="title"/>
+          </p:nvPr>
+        </p:nvSpPr>
+        <p:spPr/>
+        <p:txBody>
+          <a:bodyPr/>
+          <a:lstStyle/>
+          <a:p>
+            <a:r>
+              <a:rPr lang="en-US" b="1">
+                <a:latin typeface="Century Gothic" panose="020B0502020202020204" pitchFamily="34" charset="0"/>
+              </a:rPr>
+              <a:t>Session Overview</a:t>
+            </a:r>
+            <a:r>
+              <a:rPr lang="en-US"/>
+              <a:t> </a:t>
+            </a:r>
+          </a:p>
+        </p:txBody>
+      </p:sp>
+      <p:sp>
+        <p:nvSpPr>
+          <p:cNvPr id="3" name="Content Placeholder 2">
+            <a:extLst>
+              <a:ext uri="{FF2B5EF4-FFF2-40B4-BE49-F238E27FC236}">
+                <a16:creationId xmlns:a16="http://schemas.microsoft.com/office/drawing/2014/main" id="{5433201F-B470-4FB6-3E2A-B4F0D1B28558}"/>
+              </a:ext>
+            </a:extLst>
+          </p:cNvPr>
+          <p:cNvSpPr>
+            <a:spLocks noGrp="1"/>
+          </p:cNvSpPr>
+          <p:nvPr>
+            <p:ph idx="1"/>
+          </p:nvPr>
+        </p:nvSpPr>
+        <p:spPr>
+          <a:xfrm>
+            <a:off x="838200" y="1690688"/>
+            <a:ext cx="10914888" cy="4351338"/>
+          </a:xfrm>
+        </p:spPr>
+        <p:txBody>
+          <a:bodyPr vert="horz" lIns="91440" tIns="45720" rIns="91440" bIns="45720" rtlCol="0" anchor="t">
+            <a:normAutofit fontScale="77500" lnSpcReduction="20000"/>
+          </a:bodyPr>
+          <a:lstStyle/>
+          <a:p>
+            <a:pPr marL="0" indent="0">
+              <a:buNone/>
+            </a:pPr>
+            <a:r>
+              <a:rPr lang="en-US" sz="3200" dirty="0">
+                <a:latin typeface="Century Gothic"/>
+              </a:rPr>
+              <a:t>The Module System (</a:t>
+            </a:r>
+            <a:r>
+              <a:rPr lang="en-US" sz="3200" dirty="0" err="1">
+                <a:latin typeface="Century Gothic"/>
+              </a:rPr>
+              <a:t>Lmod</a:t>
+            </a:r>
+            <a:r>
+              <a:rPr lang="en-US" sz="3200" dirty="0">
+                <a:latin typeface="Century Gothic"/>
+              </a:rPr>
+              <a:t>)</a:t>
+            </a:r>
+            <a:endParaRPr lang="en-US" dirty="0">
+              <a:latin typeface="Century Gothic"/>
+            </a:endParaRPr>
+          </a:p>
+          <a:p>
+            <a:pPr lvl="2"/>
+            <a:r>
+              <a:rPr lang="en-US" sz="2800" dirty="0">
+                <a:latin typeface="Century Gothic"/>
+              </a:rPr>
+              <a:t>Setting up for today’s session</a:t>
+            </a:r>
+          </a:p>
+          <a:p>
+            <a:pPr lvl="2"/>
+            <a:r>
+              <a:rPr lang="en-US" sz="2800" dirty="0">
+                <a:latin typeface="Century Gothic"/>
+              </a:rPr>
+              <a:t>Exercise #1: The </a:t>
+            </a:r>
+            <a:r>
+              <a:rPr lang="en-US" sz="2800">
+                <a:latin typeface="Century Gothic"/>
+              </a:rPr>
+              <a:t>Module System</a:t>
+            </a:r>
+            <a:endParaRPr lang="en-US" dirty="0">
+              <a:latin typeface="Arial" panose="020B0604020202020204"/>
+              <a:cs typeface="Arial"/>
+            </a:endParaRPr>
+          </a:p>
+          <a:p>
+            <a:pPr marL="0" indent="0">
+              <a:buNone/>
+            </a:pPr>
+            <a:r>
+              <a:rPr lang="en-US" sz="3200" dirty="0">
+                <a:latin typeface="Century Gothic"/>
+              </a:rPr>
+              <a:t>Building Software on CURC Systems</a:t>
+            </a:r>
+            <a:endParaRPr lang="en-US" sz="3200" dirty="0">
+              <a:cs typeface="Arial"/>
+            </a:endParaRPr>
+          </a:p>
+          <a:p>
+            <a:pPr lvl="2"/>
+            <a:r>
+              <a:rPr lang="en-US" sz="2800" dirty="0">
+                <a:latin typeface="Century Gothic"/>
+              </a:rPr>
+              <a:t>Exercise #2: Building Software from Source</a:t>
+            </a:r>
+            <a:endParaRPr lang="en-US" sz="2800" dirty="0">
+              <a:latin typeface="Century Gothic" panose="020B0502020202020204" pitchFamily="34" charset="0"/>
+            </a:endParaRPr>
+          </a:p>
+          <a:p>
+            <a:pPr marL="0" indent="0">
+              <a:buNone/>
+            </a:pPr>
+            <a:r>
+              <a:rPr lang="en-US" sz="3200" dirty="0">
+                <a:latin typeface="Century Gothic"/>
+              </a:rPr>
+              <a:t>Simplifying Source installations with </a:t>
+            </a:r>
+            <a:r>
+              <a:rPr lang="en-US" sz="3200" dirty="0" err="1">
+                <a:latin typeface="Century Gothic"/>
+              </a:rPr>
+              <a:t>Spack</a:t>
+            </a:r>
+            <a:endParaRPr lang="en-US" sz="3200" dirty="0">
+              <a:latin typeface="Century Gothic"/>
+            </a:endParaRPr>
+          </a:p>
+          <a:p>
+            <a:pPr lvl="2"/>
+            <a:r>
+              <a:rPr lang="en-US" sz="2800" dirty="0">
+                <a:latin typeface="Century Gothic"/>
+              </a:rPr>
+              <a:t>Exercise #3: Building Software with Spack</a:t>
+            </a:r>
+            <a:endParaRPr lang="en-US" sz="2800" dirty="0"/>
+          </a:p>
+          <a:p>
+            <a:pPr marL="0" indent="0">
+              <a:buNone/>
+            </a:pPr>
+            <a:r>
+              <a:rPr lang="en-US" sz="3200" dirty="0">
+                <a:latin typeface="Century Gothic"/>
+              </a:rPr>
+              <a:t>Virtual Environments With Anaconda</a:t>
+            </a:r>
+            <a:endParaRPr lang="en-US" dirty="0"/>
+          </a:p>
+          <a:p>
+            <a:pPr lvl="2"/>
+            <a:r>
+              <a:rPr lang="en-US" sz="2800" dirty="0">
+                <a:latin typeface="Century Gothic"/>
+              </a:rPr>
+              <a:t>Exercise #4: Installing Software with </a:t>
+            </a:r>
+            <a:r>
+              <a:rPr lang="en-US" sz="2800" dirty="0" err="1">
+                <a:latin typeface="Century Gothic"/>
+              </a:rPr>
+              <a:t>Conda</a:t>
+            </a:r>
+            <a:endParaRPr lang="en-US" sz="2800" dirty="0">
+              <a:latin typeface="Century Gothic"/>
+            </a:endParaRPr>
+          </a:p>
+          <a:p>
+            <a:pPr marL="0" indent="0">
+              <a:buNone/>
+            </a:pPr>
+            <a:r>
+              <a:rPr lang="en-US" sz="3200" dirty="0">
+                <a:latin typeface="Century Gothic"/>
+              </a:rPr>
+              <a:t>Containerization With </a:t>
+            </a:r>
+            <a:r>
+              <a:rPr lang="en-US" sz="3200" dirty="0" err="1">
+                <a:latin typeface="Century Gothic"/>
+              </a:rPr>
+              <a:t>Apptainer</a:t>
+            </a:r>
+            <a:endParaRPr lang="en-US" sz="3200" dirty="0">
+              <a:latin typeface="Century Gothic"/>
+            </a:endParaRPr>
+          </a:p>
+          <a:p>
+            <a:pPr lvl="2"/>
+            <a:r>
+              <a:rPr lang="en-US" sz="2800" dirty="0">
+                <a:latin typeface="Century Gothic"/>
+              </a:rPr>
+              <a:t>Exercise #5: Installing Software With </a:t>
+            </a:r>
+            <a:r>
+              <a:rPr lang="en-US" sz="2800" dirty="0" err="1">
+                <a:latin typeface="Century Gothic"/>
+              </a:rPr>
+              <a:t>Apptainer</a:t>
+            </a:r>
+            <a:endParaRPr lang="en-US" sz="2800" dirty="0">
+              <a:latin typeface="Century Gothic"/>
+            </a:endParaRPr>
+          </a:p>
+          <a:p>
+            <a:pPr marL="0" indent="0">
+              <a:buNone/>
+            </a:pPr>
+            <a:r>
+              <a:rPr lang="en-US" sz="3200" dirty="0">
+                <a:latin typeface="Century Gothic"/>
+              </a:rPr>
+              <a:t>Requesting Software Installations</a:t>
+            </a:r>
+          </a:p>
+        </p:txBody>
+      </p:sp>
+      <p:sp>
+        <p:nvSpPr>
+          <p:cNvPr id="4" name="Date Placeholder 3">
+            <a:extLst>
+              <a:ext uri="{FF2B5EF4-FFF2-40B4-BE49-F238E27FC236}">
+                <a16:creationId xmlns:a16="http://schemas.microsoft.com/office/drawing/2014/main" id="{5D412731-C520-83F2-BE89-8DEE9214789C}"/>
+              </a:ext>
+            </a:extLst>
+          </p:cNvPr>
+          <p:cNvSpPr>
+            <a:spLocks noGrp="1"/>
+          </p:cNvSpPr>
+          <p:nvPr>
+            <p:ph type="dt" sz="half" idx="10"/>
+          </p:nvPr>
+        </p:nvSpPr>
+        <p:spPr/>
+        <p:txBody>
+          <a:bodyPr/>
+          <a:lstStyle/>
+          <a:p>
+            <a:pPr algn="ctr"/>
+            <a:r>
+              <a:rPr lang="en-US" dirty="0"/>
+              <a:t>3/5/24</a:t>
+            </a:r>
+          </a:p>
+        </p:txBody>
+      </p:sp>
+      <p:sp>
+        <p:nvSpPr>
+          <p:cNvPr id="7" name="Slide Number Placeholder 6">
+            <a:extLst>
+              <a:ext uri="{FF2B5EF4-FFF2-40B4-BE49-F238E27FC236}">
+                <a16:creationId xmlns:a16="http://schemas.microsoft.com/office/drawing/2014/main" id="{CA99CC0F-C097-D682-7893-512CA8823C8D}"/>
+              </a:ext>
+            </a:extLst>
+          </p:cNvPr>
+          <p:cNvSpPr>
+            <a:spLocks noGrp="1"/>
+          </p:cNvSpPr>
+          <p:nvPr>
+            <p:ph type="sldNum" sz="quarter" idx="12"/>
+          </p:nvPr>
+        </p:nvSpPr>
+        <p:spPr/>
+        <p:txBody>
+          <a:bodyPr/>
+          <a:lstStyle/>
+          <a:p>
+            <a:fld id="{ABDA560F-461C-6043-9BC4-489BA92F7161}" type="slidenum">
+              <a:rPr lang="en-US" smtClean="0"/>
+              <a:t>4</a:t>
+            </a:fld>
+            <a:endParaRPr lang="en-US"/>
+          </a:p>
+        </p:txBody>
+      </p:sp>
+    </p:spTree>
+    <p:extLst>
+      <p:ext uri="{BB962C8B-B14F-4D97-AF65-F5344CB8AC3E}">
+        <p14:creationId xmlns:p14="http://schemas.microsoft.com/office/powerpoint/2010/main" val="229635774"/>
+      </p:ext>
+    </p:extLst>
+  </p:cSld>
+  <p:clrMapOvr>
+    <a:masterClrMapping/>
+  </p:clrMapOvr>
+  <p:timing>
+    <p:tnLst>
+      <p:par>
+        <p:cTn id="1" dur="indefinite" restart="never" nodeType="tmRoot">
+          <p:childTnLst>
+            <p:seq concurrent="1" nextAc="seek">
+              <p:cTn id="2" dur="indefinite" nodeType="mainSeq">
+                <p:childTnLst>
+                  <p:par>
+                    <p:cTn id="3" fill="hold">
+                      <p:stCondLst>
+                        <p:cond delay="indefinite"/>
+                      </p:stCondLst>
+                      <p:childTnLst>
+                        <p:par>
+                          <p:cTn id="4" fill="hold">
+                            <p:stCondLst>
+                              <p:cond delay="0"/>
+                            </p:stCondLst>
+                            <p:childTnLst>
+                              <p:par>
+                                <p:cTn id="5" presetID="1" presetClass="entr" presetSubtype="0" fill="hold" nodeType="clickEffect">
+                                  <p:stCondLst>
+                                    <p:cond delay="0"/>
+                                  </p:stCondLst>
+                                  <p:childTnLst>
+                                    <p:set>
+                                      <p:cBhvr>
+                                        <p:cTn id="6" dur="1" fill="hold">
+                                          <p:stCondLst>
+                                            <p:cond delay="0"/>
+                                          </p:stCondLst>
+                                        </p:cTn>
+                                        <p:tgtEl>
+                                          <p:spTgt spid="3">
+                                            <p:txEl>
+                                              <p:pRg st="0" end="0"/>
+                                            </p:txEl>
+                                          </p:spTgt>
+                                        </p:tgtEl>
+                                        <p:attrNameLst>
+                                          <p:attrName>style.visibility</p:attrName>
+                                        </p:attrNameLst>
+                                      </p:cBhvr>
+                                      <p:to>
+                                        <p:strVal val="visible"/>
+                                      </p:to>
+                                    </p:set>
+                                  </p:childTnLst>
+                                </p:cTn>
+                              </p:par>
+                              <p:par>
+                                <p:cTn id="7" presetID="1" presetClass="entr" presetSubtype="0" fill="hold" nodeType="withEffect">
+                                  <p:stCondLst>
+                                    <p:cond delay="0"/>
+                                  </p:stCondLst>
+                                  <p:childTnLst>
+                                    <p:set>
+                                      <p:cBhvr>
+                                        <p:cTn id="8" dur="1" fill="hold">
+                                          <p:stCondLst>
+                                            <p:cond delay="0"/>
+                                          </p:stCondLst>
+                                        </p:cTn>
+                                        <p:tgtEl>
+                                          <p:spTgt spid="3">
+                                            <p:txEl>
+                                              <p:pRg st="1" end="1"/>
+                                            </p:txEl>
+                                          </p:spTgt>
+                                        </p:tgtEl>
+                                        <p:attrNameLst>
+                                          <p:attrName>style.visibility</p:attrName>
+                                        </p:attrNameLst>
+                                      </p:cBhvr>
+                                      <p:to>
+                                        <p:strVal val="visible"/>
+                                      </p:to>
+                                    </p:set>
+                                  </p:childTnLst>
+                                </p:cTn>
+                              </p:par>
+                              <p:par>
+                                <p:cTn id="9" presetID="1" presetClass="entr" presetSubtype="0" fill="hold" nodeType="withEffect">
+                                  <p:stCondLst>
+                                    <p:cond delay="0"/>
+                                  </p:stCondLst>
+                                  <p:childTnLst>
+                                    <p:set>
+                                      <p:cBhvr>
+                                        <p:cTn id="10" dur="1" fill="hold">
+                                          <p:stCondLst>
+                                            <p:cond delay="0"/>
+                                          </p:stCondLst>
+                                        </p:cTn>
+                                        <p:tgtEl>
+                                          <p:spTgt spid="3">
+                                            <p:txEl>
+                                              <p:pRg st="2" end="2"/>
+                                            </p:txEl>
+                                          </p:spTgt>
+                                        </p:tgtEl>
+                                        <p:attrNameLst>
+                                          <p:attrName>style.visibility</p:attrName>
+                                        </p:attrNameLst>
+                                      </p:cBhvr>
+                                      <p:to>
+                                        <p:strVal val="visible"/>
+                                      </p:to>
+                                    </p:set>
+                                  </p:childTnLst>
+                                </p:cTn>
+                              </p:par>
+                            </p:childTnLst>
+                          </p:cTn>
+                        </p:par>
+                      </p:childTnLst>
+                    </p:cTn>
+                  </p:par>
+                  <p:par>
+                    <p:cTn id="11" fill="hold">
+                      <p:stCondLst>
+                        <p:cond delay="indefinite"/>
+                      </p:stCondLst>
+                      <p:childTnLst>
+                        <p:par>
+                          <p:cTn id="12" fill="hold">
+                            <p:stCondLst>
+                              <p:cond delay="0"/>
+                            </p:stCondLst>
+                            <p:childTnLst>
+                              <p:par>
+                                <p:cTn id="13" presetID="1" presetClass="entr" presetSubtype="0" fill="hold" nodeType="clickEffect">
+                                  <p:stCondLst>
+                                    <p:cond delay="0"/>
+                                  </p:stCondLst>
+                                  <p:childTnLst>
+                                    <p:set>
+                                      <p:cBhvr>
+                                        <p:cTn id="14" dur="1" fill="hold">
+                                          <p:stCondLst>
+                                            <p:cond delay="0"/>
+                                          </p:stCondLst>
+                                        </p:cTn>
+                                        <p:tgtEl>
+                                          <p:spTgt spid="3">
+                                            <p:txEl>
+                                              <p:pRg st="3" end="3"/>
+                                            </p:txEl>
+                                          </p:spTgt>
+                                        </p:tgtEl>
+                                        <p:attrNameLst>
+                                          <p:attrName>style.visibility</p:attrName>
+                                        </p:attrNameLst>
+                                      </p:cBhvr>
+                                      <p:to>
+                                        <p:strVal val="visible"/>
+                                      </p:to>
+                                    </p:set>
+                                  </p:childTnLst>
+                                </p:cTn>
+                              </p:par>
+                              <p:par>
+                                <p:cTn id="15" presetID="1" presetClass="entr" presetSubtype="0" fill="hold" nodeType="withEffect">
+                                  <p:stCondLst>
+                                    <p:cond delay="0"/>
+                                  </p:stCondLst>
+                                  <p:childTnLst>
+                                    <p:set>
+                                      <p:cBhvr>
+                                        <p:cTn id="16" dur="1" fill="hold">
+                                          <p:stCondLst>
+                                            <p:cond delay="0"/>
+                                          </p:stCondLst>
+                                        </p:cTn>
+                                        <p:tgtEl>
+                                          <p:spTgt spid="3">
+                                            <p:txEl>
+                                              <p:pRg st="4" end="4"/>
+                                            </p:txEl>
+                                          </p:spTgt>
+                                        </p:tgtEl>
+                                        <p:attrNameLst>
+                                          <p:attrName>style.visibility</p:attrName>
+                                        </p:attrNameLst>
+                                      </p:cBhvr>
+                                      <p:to>
+                                        <p:strVal val="visible"/>
+                                      </p:to>
+                                    </p:set>
+                                  </p:childTnLst>
+                                </p:cTn>
+                              </p:par>
+                            </p:childTnLst>
+                          </p:cTn>
+                        </p:par>
+                      </p:childTnLst>
+                    </p:cTn>
+                  </p:par>
+                  <p:par>
+                    <p:cTn id="17" fill="hold">
+                      <p:stCondLst>
+                        <p:cond delay="indefinite"/>
+                      </p:stCondLst>
+                      <p:childTnLst>
+                        <p:par>
+                          <p:cTn id="18" fill="hold">
+                            <p:stCondLst>
+                              <p:cond delay="0"/>
+                            </p:stCondLst>
+                            <p:childTnLst>
+                              <p:par>
+                                <p:cTn id="19" presetID="1" presetClass="entr" presetSubtype="0" fill="hold" nodeType="clickEffect">
+                                  <p:stCondLst>
+                                    <p:cond delay="0"/>
+                                  </p:stCondLst>
+                                  <p:childTnLst>
+                                    <p:set>
+                                      <p:cBhvr>
+                                        <p:cTn id="20" dur="1" fill="hold">
+                                          <p:stCondLst>
+                                            <p:cond delay="0"/>
+                                          </p:stCondLst>
+                                        </p:cTn>
+                                        <p:tgtEl>
+                                          <p:spTgt spid="3">
+                                            <p:txEl>
+                                              <p:pRg st="5" end="5"/>
+                                            </p:txEl>
+                                          </p:spTgt>
+                                        </p:tgtEl>
+                                        <p:attrNameLst>
+                                          <p:attrName>style.visibility</p:attrName>
+                                        </p:attrNameLst>
+                                      </p:cBhvr>
+                                      <p:to>
+                                        <p:strVal val="visible"/>
+                                      </p:to>
+                                    </p:set>
+                                  </p:childTnLst>
+                                </p:cTn>
+                              </p:par>
+                              <p:par>
+                                <p:cTn id="21" presetID="1" presetClass="entr" presetSubtype="0" fill="hold" nodeType="withEffect">
+                                  <p:stCondLst>
+                                    <p:cond delay="0"/>
+                                  </p:stCondLst>
+                                  <p:childTnLst>
+                                    <p:set>
+                                      <p:cBhvr>
+                                        <p:cTn id="22" dur="1" fill="hold">
+                                          <p:stCondLst>
+                                            <p:cond delay="0"/>
+                                          </p:stCondLst>
+                                        </p:cTn>
+                                        <p:tgtEl>
+                                          <p:spTgt spid="3">
+                                            <p:txEl>
+                                              <p:pRg st="6" end="6"/>
+                                            </p:txEl>
+                                          </p:spTgt>
+                                        </p:tgtEl>
+                                        <p:attrNameLst>
+                                          <p:attrName>style.visibility</p:attrName>
+                                        </p:attrNameLst>
+                                      </p:cBhvr>
+                                      <p:to>
+                                        <p:strVal val="visible"/>
+                                      </p:to>
+                                    </p:set>
+                                  </p:childTnLst>
+                                </p:cTn>
+                              </p:par>
+                            </p:childTnLst>
+                          </p:cTn>
+                        </p:par>
+                      </p:childTnLst>
+                    </p:cTn>
+                  </p:par>
+                  <p:par>
+                    <p:cTn id="23" fill="hold">
+                      <p:stCondLst>
+                        <p:cond delay="indefinite"/>
+                      </p:stCondLst>
+                      <p:childTnLst>
+                        <p:par>
+                          <p:cTn id="24" fill="hold">
+                            <p:stCondLst>
+                              <p:cond delay="0"/>
+                            </p:stCondLst>
+                            <p:childTnLst>
+                              <p:par>
+                                <p:cTn id="25" presetID="1" presetClass="entr" presetSubtype="0" fill="hold" nodeType="clickEffect">
+                                  <p:stCondLst>
+                                    <p:cond delay="0"/>
+                                  </p:stCondLst>
+                                  <p:childTnLst>
+                                    <p:set>
+                                      <p:cBhvr>
+                                        <p:cTn id="26" dur="1" fill="hold">
+                                          <p:stCondLst>
+                                            <p:cond delay="0"/>
+                                          </p:stCondLst>
+                                        </p:cTn>
+                                        <p:tgtEl>
+                                          <p:spTgt spid="3">
+                                            <p:txEl>
+                                              <p:pRg st="7" end="7"/>
+                                            </p:txEl>
+                                          </p:spTgt>
+                                        </p:tgtEl>
+                                        <p:attrNameLst>
+                                          <p:attrName>style.visibility</p:attrName>
+                                        </p:attrNameLst>
+                                      </p:cBhvr>
+                                      <p:to>
+                                        <p:strVal val="visible"/>
+                                      </p:to>
+                                    </p:set>
+                                  </p:childTnLst>
+                                </p:cTn>
+                              </p:par>
+                              <p:par>
+                                <p:cTn id="27" presetID="1" presetClass="entr" presetSubtype="0" fill="hold" nodeType="withEffect">
+                                  <p:stCondLst>
+                                    <p:cond delay="0"/>
+                                  </p:stCondLst>
+                                  <p:childTnLst>
+                                    <p:set>
+                                      <p:cBhvr>
+                                        <p:cTn id="28" dur="1" fill="hold">
+                                          <p:stCondLst>
+                                            <p:cond delay="0"/>
+                                          </p:stCondLst>
+                                        </p:cTn>
+                                        <p:tgtEl>
+                                          <p:spTgt spid="3">
+                                            <p:txEl>
+                                              <p:pRg st="8" end="8"/>
+                                            </p:txEl>
+                                          </p:spTgt>
+                                        </p:tgtEl>
+                                        <p:attrNameLst>
+                                          <p:attrName>style.visibility</p:attrName>
+                                        </p:attrNameLst>
+                                      </p:cBhvr>
+                                      <p:to>
+                                        <p:strVal val="visible"/>
+                                      </p:to>
+                                    </p:set>
+                                  </p:childTnLst>
+                                </p:cTn>
+                              </p:par>
+                            </p:childTnLst>
+                          </p:cTn>
+                        </p:par>
+                      </p:childTnLst>
+                    </p:cTn>
+                  </p:par>
+                  <p:par>
+                    <p:cTn id="29" fill="hold">
+                      <p:stCondLst>
+                        <p:cond delay="indefinite"/>
+                      </p:stCondLst>
+                      <p:childTnLst>
+                        <p:par>
+                          <p:cTn id="30" fill="hold">
+                            <p:stCondLst>
+                              <p:cond delay="0"/>
+                            </p:stCondLst>
+                            <p:childTnLst>
+                              <p:par>
+                                <p:cTn id="31" presetID="1" presetClass="entr" presetSubtype="0" fill="hold" nodeType="clickEffect">
+                                  <p:stCondLst>
+                                    <p:cond delay="0"/>
+                                  </p:stCondLst>
+                                  <p:childTnLst>
+                                    <p:set>
+                                      <p:cBhvr>
+                                        <p:cTn id="32" dur="1" fill="hold">
+                                          <p:stCondLst>
+                                            <p:cond delay="0"/>
+                                          </p:stCondLst>
+                                        </p:cTn>
+                                        <p:tgtEl>
+                                          <p:spTgt spid="3">
+                                            <p:txEl>
+                                              <p:pRg st="9" end="9"/>
+                                            </p:txEl>
+                                          </p:spTgt>
+                                        </p:tgtEl>
+                                        <p:attrNameLst>
+                                          <p:attrName>style.visibility</p:attrName>
+                                        </p:attrNameLst>
+                                      </p:cBhvr>
+                                      <p:to>
+                                        <p:strVal val="visible"/>
+                                      </p:to>
+                                    </p:set>
+                                  </p:childTnLst>
+                                </p:cTn>
+                              </p:par>
+                              <p:par>
+                                <p:cTn id="33" presetID="1" presetClass="entr" presetSubtype="0" fill="hold" nodeType="withEffect">
+                                  <p:stCondLst>
+                                    <p:cond delay="0"/>
+                                  </p:stCondLst>
+                                  <p:childTnLst>
+                                    <p:set>
+                                      <p:cBhvr>
+                                        <p:cTn id="34" dur="1" fill="hold">
+                                          <p:stCondLst>
+                                            <p:cond delay="0"/>
+                                          </p:stCondLst>
+                                        </p:cTn>
+                                        <p:tgtEl>
+                                          <p:spTgt spid="3">
+                                            <p:txEl>
+                                              <p:pRg st="10" end="10"/>
+                                            </p:txEl>
+                                          </p:spTgt>
+                                        </p:tgtEl>
+                                        <p:attrNameLst>
+                                          <p:attrName>style.visibility</p:attrName>
+                                        </p:attrNameLst>
+                                      </p:cBhvr>
+                                      <p:to>
+                                        <p:strVal val="visible"/>
+                                      </p:to>
+                                    </p:set>
+                                  </p:childTnLst>
+                                </p:cTn>
+                              </p:par>
+                            </p:childTnLst>
+                          </p:cTn>
+                        </p:par>
+                      </p:childTnLst>
+                    </p:cTn>
+                  </p:par>
+                  <p:par>
+                    <p:cTn id="35" fill="hold">
+                      <p:stCondLst>
+                        <p:cond delay="indefinite"/>
+                      </p:stCondLst>
+                      <p:childTnLst>
+                        <p:par>
+                          <p:cTn id="36" fill="hold">
+                            <p:stCondLst>
+                              <p:cond delay="0"/>
+                            </p:stCondLst>
+                            <p:childTnLst>
+                              <p:par>
+                                <p:cTn id="37" presetID="1" presetClass="entr" presetSubtype="0" fill="hold" nodeType="clickEffect">
+                                  <p:stCondLst>
+                                    <p:cond delay="0"/>
+                                  </p:stCondLst>
+                                  <p:childTnLst>
+                                    <p:set>
+                                      <p:cBhvr>
+                                        <p:cTn id="38" dur="1" fill="hold">
+                                          <p:stCondLst>
+                                            <p:cond delay="0"/>
+                                          </p:stCondLst>
+                                        </p:cTn>
+                                        <p:tgtEl>
+                                          <p:spTgt spid="3">
+                                            <p:txEl>
+                                              <p:pRg st="11" end="11"/>
+                                            </p:txEl>
+                                          </p:spTgt>
+                                        </p:tgtEl>
+                                        <p:attrNameLst>
+                                          <p:attrName>style.visibility</p:attrName>
+                                        </p:attrNameLst>
+                                      </p:cBhvr>
+                                      <p:to>
+                                        <p:strVal val="visible"/>
+                                      </p:to>
+                                    </p:set>
+                                  </p:childTnLst>
+                                </p:cTn>
+                              </p:par>
+                            </p:childTnLst>
+                          </p:cTn>
+                        </p:par>
+                      </p:childTnLst>
+                    </p:cTn>
+                  </p:par>
+                </p:childTnLst>
+              </p:cTn>
+              <p:prevCondLst>
+                <p:cond evt="onPrev" delay="0">
+                  <p:tgtEl>
+                    <p:sldTgt/>
+                  </p:tgtEl>
+                </p:cond>
+              </p:prevCondLst>
+              <p:nextCondLst>
+                <p:cond evt="onNext" delay="0">
+                  <p:tgtEl>
+                    <p:sldTgt/>
+                  </p:tgtEl>
+                </p:cond>
+              </p:nextCondLst>
+            </p:seq>
+          </p:childTnLst>
+        </p:cTn>
+      </p:par>
+    </p:tnLst>
+  </p:timing>
+</p:sld>
+</file>
+
+<file path=ppt/slides/slide40.xml><?xml version="1.0" encoding="utf-8"?>
 <p:sld xmlns:a="http://schemas.openxmlformats.org/drawingml/2006/main" xmlns:r="http://schemas.openxmlformats.org/officeDocument/2006/relationships" xmlns:p="http://schemas.openxmlformats.org/presentationml/2006/main">
   <p:cSld>
     <p:spTree>
@@ -23601,7 +24816,7 @@
           <a:p>
             <a:fld id="{ABDA560F-461C-6043-9BC4-489BA92F7161}" type="slidenum">
               <a:rPr lang="en-US" smtClean="0"/>
-              <a:t>38</a:t>
+              <a:t>40</a:t>
             </a:fld>
             <a:endParaRPr lang="en-US"/>
           </a:p>
@@ -23895,7 +25110,7 @@
 </p:sld>
 </file>
 
-<file path=ppt/slides/slide39.xml><?xml version="1.0" encoding="utf-8"?>
+<file path=ppt/slides/slide41.xml><?xml version="1.0" encoding="utf-8"?>
 <p:sld xmlns:a="http://schemas.openxmlformats.org/drawingml/2006/main" xmlns:r="http://schemas.openxmlformats.org/officeDocument/2006/relationships" xmlns:p="http://schemas.openxmlformats.org/presentationml/2006/main">
   <p:cSld>
     <p:spTree>
@@ -24488,7 +25703,7 @@
           <a:p>
             <a:fld id="{ABDA560F-461C-6043-9BC4-489BA92F7161}" type="slidenum">
               <a:rPr lang="en-US" smtClean="0"/>
-              <a:t>39</a:t>
+              <a:t>41</a:t>
             </a:fld>
             <a:endParaRPr lang="en-US"/>
           </a:p>
@@ -24507,394 +25722,7 @@
 </p:sld>
 </file>
 
-<file path=ppt/slides/slide4.xml><?xml version="1.0" encoding="utf-8"?>
-<p:sld xmlns:a="http://schemas.openxmlformats.org/drawingml/2006/main" xmlns:r="http://schemas.openxmlformats.org/officeDocument/2006/relationships" xmlns:p="http://schemas.openxmlformats.org/presentationml/2006/main">
-  <p:cSld>
-    <p:spTree>
-      <p:nvGrpSpPr>
-        <p:cNvPr id="1" name=""/>
-        <p:cNvGrpSpPr/>
-        <p:nvPr/>
-      </p:nvGrpSpPr>
-      <p:grpSpPr>
-        <a:xfrm>
-          <a:off x="0" y="0"/>
-          <a:ext cx="0" cy="0"/>
-          <a:chOff x="0" y="0"/>
-          <a:chExt cx="0" cy="0"/>
-        </a:xfrm>
-      </p:grpSpPr>
-      <p:sp>
-        <p:nvSpPr>
-          <p:cNvPr id="2" name="Title 1">
-            <a:extLst>
-              <a:ext uri="{FF2B5EF4-FFF2-40B4-BE49-F238E27FC236}">
-                <a16:creationId xmlns:a16="http://schemas.microsoft.com/office/drawing/2014/main" id="{6FADF519-AE7F-36C9-168F-1F04A49B8831}"/>
-              </a:ext>
-            </a:extLst>
-          </p:cNvPr>
-          <p:cNvSpPr>
-            <a:spLocks noGrp="1"/>
-          </p:cNvSpPr>
-          <p:nvPr>
-            <p:ph type="title"/>
-          </p:nvPr>
-        </p:nvSpPr>
-        <p:spPr/>
-        <p:txBody>
-          <a:bodyPr/>
-          <a:lstStyle/>
-          <a:p>
-            <a:r>
-              <a:rPr lang="en-US" b="1">
-                <a:latin typeface="Century Gothic" panose="020B0502020202020204" pitchFamily="34" charset="0"/>
-              </a:rPr>
-              <a:t>The Module System </a:t>
-            </a:r>
-          </a:p>
-        </p:txBody>
-      </p:sp>
-      <p:sp>
-        <p:nvSpPr>
-          <p:cNvPr id="3" name="Content Placeholder 2">
-            <a:extLst>
-              <a:ext uri="{FF2B5EF4-FFF2-40B4-BE49-F238E27FC236}">
-                <a16:creationId xmlns:a16="http://schemas.microsoft.com/office/drawing/2014/main" id="{6484EA7B-346E-9CB5-DB70-6227BCA98122}"/>
-              </a:ext>
-            </a:extLst>
-          </p:cNvPr>
-          <p:cNvSpPr>
-            <a:spLocks noGrp="1"/>
-          </p:cNvSpPr>
-          <p:nvPr>
-            <p:ph idx="1"/>
-          </p:nvPr>
-        </p:nvSpPr>
-        <p:spPr/>
-        <p:txBody>
-          <a:bodyPr>
-            <a:normAutofit/>
-          </a:bodyPr>
-          <a:lstStyle/>
-          <a:p>
-            <a:pPr marL="0" indent="0">
-              <a:buNone/>
-            </a:pPr>
-            <a:r>
-              <a:rPr lang="en-US" sz="3200" dirty="0">
-                <a:solidFill>
-                  <a:srgbClr val="202122"/>
-                </a:solidFill>
-                <a:latin typeface="Century Gothic" panose="020B0502020202020204" pitchFamily="34" charset="0"/>
-              </a:rPr>
-              <a:t>In most cases, a supercomputer has far more software installed than the average user will ever use. </a:t>
-            </a:r>
-          </a:p>
-          <a:p>
-            <a:pPr lvl="1"/>
-            <a:r>
-              <a:rPr lang="en-US" sz="2800" dirty="0">
-                <a:solidFill>
-                  <a:srgbClr val="202122"/>
-                </a:solidFill>
-                <a:latin typeface="Century Gothic" panose="020B0502020202020204" pitchFamily="34" charset="0"/>
-              </a:rPr>
-              <a:t>Users may need different versions of the same software, which in general cannot be installed nor used in parallel on the same system.</a:t>
-            </a:r>
-          </a:p>
-          <a:p>
-            <a:pPr lvl="1"/>
-            <a:r>
-              <a:rPr lang="en-US" sz="2800" dirty="0">
-                <a:solidFill>
-                  <a:srgbClr val="202122"/>
-                </a:solidFill>
-                <a:latin typeface="Century Gothic" panose="020B0502020202020204" pitchFamily="34" charset="0"/>
-              </a:rPr>
-              <a:t>The requirements for one package may adversely affect another package or even be mutually exclusive.</a:t>
-            </a:r>
-          </a:p>
-        </p:txBody>
-      </p:sp>
-      <p:sp>
-        <p:nvSpPr>
-          <p:cNvPr id="4" name="Date Placeholder 3">
-            <a:extLst>
-              <a:ext uri="{FF2B5EF4-FFF2-40B4-BE49-F238E27FC236}">
-                <a16:creationId xmlns:a16="http://schemas.microsoft.com/office/drawing/2014/main" id="{FB497113-4E89-1CAC-8F64-8E901EF4D66E}"/>
-              </a:ext>
-            </a:extLst>
-          </p:cNvPr>
-          <p:cNvSpPr>
-            <a:spLocks noGrp="1"/>
-          </p:cNvSpPr>
-          <p:nvPr>
-            <p:ph type="dt" sz="half" idx="10"/>
-          </p:nvPr>
-        </p:nvSpPr>
-        <p:spPr/>
-        <p:txBody>
-          <a:bodyPr/>
-          <a:lstStyle/>
-          <a:p>
-            <a:pPr algn="ctr"/>
-            <a:r>
-              <a:rPr lang="en-US" dirty="0"/>
-              <a:t>3/5/24</a:t>
-            </a:r>
-          </a:p>
-        </p:txBody>
-      </p:sp>
-      <p:pic>
-        <p:nvPicPr>
-          <p:cNvPr id="8" name="Picture 7" descr="A picture containing graphics, screenshot, font, graphic design&#10;&#10;Description automatically generated">
-            <a:extLst>
-              <a:ext uri="{FF2B5EF4-FFF2-40B4-BE49-F238E27FC236}">
-                <a16:creationId xmlns:a16="http://schemas.microsoft.com/office/drawing/2014/main" id="{A9F43A77-4393-CCF1-83C1-AE60C4D575C9}"/>
-              </a:ext>
-            </a:extLst>
-          </p:cNvPr>
-          <p:cNvPicPr>
-            <a:picLocks noChangeAspect="1"/>
-          </p:cNvPicPr>
-          <p:nvPr/>
-        </p:nvPicPr>
-        <p:blipFill>
-          <a:blip r:embed="rId3"/>
-          <a:stretch>
-            <a:fillRect/>
-          </a:stretch>
-        </p:blipFill>
-        <p:spPr>
-          <a:xfrm>
-            <a:off x="7886700" y="365125"/>
-            <a:ext cx="3467100" cy="1181100"/>
-          </a:xfrm>
-          <a:prstGeom prst="rect">
-            <a:avLst/>
-          </a:prstGeom>
-        </p:spPr>
-      </p:pic>
-      <p:sp>
-        <p:nvSpPr>
-          <p:cNvPr id="6" name="Slide Number Placeholder 5">
-            <a:extLst>
-              <a:ext uri="{FF2B5EF4-FFF2-40B4-BE49-F238E27FC236}">
-                <a16:creationId xmlns:a16="http://schemas.microsoft.com/office/drawing/2014/main" id="{36144FEF-64DE-C2A7-8E23-9740B4EDD3A2}"/>
-              </a:ext>
-            </a:extLst>
-          </p:cNvPr>
-          <p:cNvSpPr>
-            <a:spLocks noGrp="1"/>
-          </p:cNvSpPr>
-          <p:nvPr>
-            <p:ph type="sldNum" sz="quarter" idx="12"/>
-          </p:nvPr>
-        </p:nvSpPr>
-        <p:spPr/>
-        <p:txBody>
-          <a:bodyPr/>
-          <a:lstStyle/>
-          <a:p>
-            <a:fld id="{ABDA560F-461C-6043-9BC4-489BA92F7161}" type="slidenum">
-              <a:rPr lang="en-US" smtClean="0"/>
-              <a:t>4</a:t>
-            </a:fld>
-            <a:endParaRPr lang="en-US"/>
-          </a:p>
-        </p:txBody>
-      </p:sp>
-    </p:spTree>
-    <p:extLst>
-      <p:ext uri="{BB962C8B-B14F-4D97-AF65-F5344CB8AC3E}">
-        <p14:creationId xmlns:p14="http://schemas.microsoft.com/office/powerpoint/2010/main" val="3658172966"/>
-      </p:ext>
-    </p:extLst>
-  </p:cSld>
-  <p:clrMapOvr>
-    <a:masterClrMapping/>
-  </p:clrMapOvr>
-  <p:timing>
-    <p:tnLst>
-      <p:par>
-        <p:cTn id="1" dur="indefinite" restart="never" nodeType="tmRoot">
-          <p:childTnLst>
-            <p:seq concurrent="1" nextAc="seek">
-              <p:cTn id="2" dur="indefinite" nodeType="mainSeq">
-                <p:childTnLst>
-                  <p:par>
-                    <p:cTn id="3" fill="hold">
-                      <p:stCondLst>
-                        <p:cond delay="indefinite"/>
-                      </p:stCondLst>
-                      <p:childTnLst>
-                        <p:par>
-                          <p:cTn id="4" fill="hold">
-                            <p:stCondLst>
-                              <p:cond delay="0"/>
-                            </p:stCondLst>
-                            <p:childTnLst>
-                              <p:par>
-                                <p:cTn id="5" presetID="1" presetClass="entr" presetSubtype="0" fill="hold" nodeType="clickEffect">
-                                  <p:stCondLst>
-                                    <p:cond delay="0"/>
-                                  </p:stCondLst>
-                                  <p:childTnLst>
-                                    <p:set>
-                                      <p:cBhvr>
-                                        <p:cTn id="6" dur="1" fill="hold">
-                                          <p:stCondLst>
-                                            <p:cond delay="0"/>
-                                          </p:stCondLst>
-                                        </p:cTn>
-                                        <p:tgtEl>
-                                          <p:spTgt spid="3">
-                                            <p:txEl>
-                                              <p:pRg st="0" end="0"/>
-                                            </p:txEl>
-                                          </p:spTgt>
-                                        </p:tgtEl>
-                                        <p:attrNameLst>
-                                          <p:attrName>style.visibility</p:attrName>
-                                        </p:attrNameLst>
-                                      </p:cBhvr>
-                                      <p:to>
-                                        <p:strVal val="visible"/>
-                                      </p:to>
-                                    </p:set>
-                                  </p:childTnLst>
-                                </p:cTn>
-                              </p:par>
-                            </p:childTnLst>
-                          </p:cTn>
-                        </p:par>
-                      </p:childTnLst>
-                    </p:cTn>
-                  </p:par>
-                  <p:par>
-                    <p:cTn id="7" fill="hold">
-                      <p:stCondLst>
-                        <p:cond delay="indefinite"/>
-                      </p:stCondLst>
-                      <p:childTnLst>
-                        <p:par>
-                          <p:cTn id="8" fill="hold">
-                            <p:stCondLst>
-                              <p:cond delay="0"/>
-                            </p:stCondLst>
-                            <p:childTnLst>
-                              <p:par>
-                                <p:cTn id="9" presetID="1" presetClass="entr" presetSubtype="0" fill="hold" nodeType="clickEffect">
-                                  <p:stCondLst>
-                                    <p:cond delay="0"/>
-                                  </p:stCondLst>
-                                  <p:childTnLst>
-                                    <p:set>
-                                      <p:cBhvr>
-                                        <p:cTn id="10" dur="1" fill="hold">
-                                          <p:stCondLst>
-                                            <p:cond delay="0"/>
-                                          </p:stCondLst>
-                                        </p:cTn>
-                                        <p:tgtEl>
-                                          <p:spTgt spid="3">
-                                            <p:txEl>
-                                              <p:pRg st="1" end="1"/>
-                                            </p:txEl>
-                                          </p:spTgt>
-                                        </p:tgtEl>
-                                        <p:attrNameLst>
-                                          <p:attrName>style.visibility</p:attrName>
-                                        </p:attrNameLst>
-                                      </p:cBhvr>
-                                      <p:to>
-                                        <p:strVal val="visible"/>
-                                      </p:to>
-                                    </p:set>
-                                  </p:childTnLst>
-                                </p:cTn>
-                              </p:par>
-                            </p:childTnLst>
-                          </p:cTn>
-                        </p:par>
-                      </p:childTnLst>
-                    </p:cTn>
-                  </p:par>
-                  <p:par>
-                    <p:cTn id="11" fill="hold">
-                      <p:stCondLst>
-                        <p:cond delay="indefinite"/>
-                      </p:stCondLst>
-                      <p:childTnLst>
-                        <p:par>
-                          <p:cTn id="12" fill="hold">
-                            <p:stCondLst>
-                              <p:cond delay="0"/>
-                            </p:stCondLst>
-                            <p:childTnLst>
-                              <p:par>
-                                <p:cTn id="13" presetID="1" presetClass="entr" presetSubtype="0" fill="hold" nodeType="clickEffect">
-                                  <p:stCondLst>
-                                    <p:cond delay="0"/>
-                                  </p:stCondLst>
-                                  <p:childTnLst>
-                                    <p:set>
-                                      <p:cBhvr>
-                                        <p:cTn id="14" dur="1" fill="hold">
-                                          <p:stCondLst>
-                                            <p:cond delay="0"/>
-                                          </p:stCondLst>
-                                        </p:cTn>
-                                        <p:tgtEl>
-                                          <p:spTgt spid="3">
-                                            <p:txEl>
-                                              <p:pRg st="2" end="2"/>
-                                            </p:txEl>
-                                          </p:spTgt>
-                                        </p:tgtEl>
-                                        <p:attrNameLst>
-                                          <p:attrName>style.visibility</p:attrName>
-                                        </p:attrNameLst>
-                                      </p:cBhvr>
-                                      <p:to>
-                                        <p:strVal val="visible"/>
-                                      </p:to>
-                                    </p:set>
-                                  </p:childTnLst>
-                                </p:cTn>
-                              </p:par>
-                            </p:childTnLst>
-                          </p:cTn>
-                        </p:par>
-                      </p:childTnLst>
-                    </p:cTn>
-                  </p:par>
-                </p:childTnLst>
-              </p:cTn>
-              <p:prevCondLst>
-                <p:cond evt="onPrev" delay="0">
-                  <p:tgtEl>
-                    <p:sldTgt/>
-                  </p:tgtEl>
-                </p:cond>
-              </p:prevCondLst>
-              <p:nextCondLst>
-                <p:cond evt="onNext" delay="0">
-                  <p:tgtEl>
-                    <p:sldTgt/>
-                  </p:tgtEl>
-                </p:cond>
-              </p:nextCondLst>
-            </p:seq>
-          </p:childTnLst>
-        </p:cTn>
-      </p:par>
-    </p:tnLst>
-  </p:timing>
-</p:sld>
-</file>
-
-<file path=ppt/slides/slide40.xml><?xml version="1.0" encoding="utf-8"?>
+<file path=ppt/slides/slide42.xml><?xml version="1.0" encoding="utf-8"?>
 <p:sld xmlns:a="http://schemas.openxmlformats.org/drawingml/2006/main" xmlns:r="http://schemas.openxmlformats.org/officeDocument/2006/relationships" xmlns:p="http://schemas.openxmlformats.org/presentationml/2006/main">
   <p:cSld>
     <p:spTree>
@@ -25672,55 +26500,17 @@
                 <a:ea typeface="Helvetica Neue" panose="02000503000000020004" pitchFamily="2" charset="0"/>
                 <a:cs typeface="Helvetica Neue" panose="02000503000000020004" pitchFamily="2" charset="0"/>
               </a:rPr>
-              <a:t>/home/$USER,/projects/$USER, /scratch/alpine/$USER,/</a:t>
-            </a:r>
-            <a:r>
-              <a:rPr lang="en-US" sz="2400" dirty="0" err="1">
+              <a:t>/home/$USER, $PWD. </a:t>
+            </a:r>
+            <a:r>
+              <a:rPr lang="en-US" sz="2400" i="1" dirty="0">
                 <a:latin typeface="Monaco" pitchFamily="2" charset="77"/>
                 <a:ea typeface="Helvetica Neue" panose="02000503000000020004" pitchFamily="2" charset="0"/>
                 <a:cs typeface="Helvetica Neue" panose="02000503000000020004" pitchFamily="2" charset="0"/>
               </a:rPr>
-              <a:t>rc_scratch</a:t>
-            </a:r>
-            <a:r>
-              <a:rPr lang="en-US" sz="2400" dirty="0">
-                <a:latin typeface="Monaco" pitchFamily="2" charset="77"/>
-                <a:ea typeface="Helvetica Neue" panose="02000503000000020004" pitchFamily="2" charset="0"/>
-                <a:cs typeface="Helvetica Neue" panose="02000503000000020004" pitchFamily="2" charset="0"/>
-              </a:rPr>
-              <a:t>/$USER,/</a:t>
-            </a:r>
-            <a:r>
-              <a:rPr lang="en-US" sz="2400" dirty="0" err="1">
-                <a:latin typeface="Monaco" pitchFamily="2" charset="77"/>
-                <a:ea typeface="Helvetica Neue" panose="02000503000000020004" pitchFamily="2" charset="0"/>
-                <a:cs typeface="Helvetica Neue" panose="02000503000000020004" pitchFamily="2" charset="0"/>
-              </a:rPr>
-              <a:t>tmp</a:t>
-            </a:r>
-            <a:r>
-              <a:rPr lang="en-US" sz="2400" dirty="0">
-                <a:latin typeface="Helvetica Neue" panose="02000503000000020004" pitchFamily="2" charset="0"/>
-                <a:ea typeface="Helvetica Neue" panose="02000503000000020004" pitchFamily="2" charset="0"/>
-                <a:cs typeface="Helvetica Neue" panose="02000503000000020004" pitchFamily="2" charset="0"/>
-              </a:rPr>
-              <a:t>, </a:t>
-            </a:r>
-            <a:r>
-              <a:rPr lang="en-US" sz="2400" dirty="0">
-                <a:latin typeface="Century Gothic" panose="020B0502020202020204" pitchFamily="34" charset="0"/>
-                <a:ea typeface="Helvetica Neue" panose="02000503000000020004" pitchFamily="2" charset="0"/>
-                <a:cs typeface="Helvetica Neue" panose="02000503000000020004" pitchFamily="2" charset="0"/>
-              </a:rPr>
-              <a:t>and the directory from which the container was run.</a:t>
-            </a:r>
-          </a:p>
-          <a:p>
-            <a:pPr marL="0" indent="0">
-              <a:buFont typeface="Arial" panose="020B0604020202020204" pitchFamily="34" charset="0"/>
-              <a:buNone/>
-            </a:pPr>
-            <a:endParaRPr lang="en-US" dirty="0">
+              <a:t>Note that other locations will need to be manually mounted.</a:t>
+            </a:r>
+            <a:endParaRPr lang="en-US" i="1" dirty="0">
               <a:latin typeface="Century Gothic" panose="020B0502020202020204" pitchFamily="34" charset="0"/>
             </a:endParaRPr>
           </a:p>
@@ -25749,7 +26539,7 @@
           <a:p>
             <a:fld id="{ABDA560F-461C-6043-9BC4-489BA92F7161}" type="slidenum">
               <a:rPr lang="en-US" smtClean="0"/>
-              <a:t>40</a:t>
+              <a:t>42</a:t>
             </a:fld>
             <a:endParaRPr lang="en-US"/>
           </a:p>
@@ -25891,7 +26681,7 @@
 </p:sld>
 </file>
 
-<file path=ppt/slides/slide41.xml><?xml version="1.0" encoding="utf-8"?>
+<file path=ppt/slides/slide43.xml><?xml version="1.0" encoding="utf-8"?>
 <p:sld xmlns:a="http://schemas.openxmlformats.org/drawingml/2006/main" xmlns:r="http://schemas.openxmlformats.org/officeDocument/2006/relationships" xmlns:p="http://schemas.openxmlformats.org/presentationml/2006/main">
   <p:cSld>
     <p:spTree>
@@ -26032,19 +26822,7 @@
               <a:rPr lang="en-US" sz="2800" dirty="0">
                 <a:latin typeface="Century Gothic"/>
               </a:rPr>
-              <a:t>Hands-on exercise #</a:t>
-            </a:r>
-            <a:r>
-              <a:rPr lang="en-US" dirty="0">
-                <a:latin typeface="Century Gothic"/>
-              </a:rPr>
-              <a:t>4</a:t>
-            </a:r>
-            <a:r>
-              <a:rPr lang="en-US" sz="2800" dirty="0">
-                <a:latin typeface="Century Gothic"/>
-              </a:rPr>
-              <a:t>.</a:t>
+              <a:t>Hands-on exercise #5</a:t>
             </a:r>
           </a:p>
           <a:p>
@@ -26128,7 +26906,19 @@
               <a:rPr lang="en-US" sz="2800" dirty="0">
                 <a:latin typeface="Century Gothic"/>
               </a:rPr>
-              <a:t>: 15 minutes</a:t>
+              <a:t>: </a:t>
+            </a:r>
+            <a:r>
+              <a:rPr lang="en-US" dirty="0">
+                <a:latin typeface="Century Gothic"/>
+              </a:rPr>
+              <a:t>20</a:t>
+            </a:r>
+            <a:r>
+              <a:rPr lang="en-US" sz="2800" dirty="0">
+                <a:latin typeface="Century Gothic"/>
+              </a:rPr>
+              <a:t> minutes</a:t>
             </a:r>
           </a:p>
         </p:txBody>
@@ -26156,7 +26946,7 @@
           <a:p>
             <a:fld id="{ABDA560F-461C-6043-9BC4-489BA92F7161}" type="slidenum">
               <a:rPr lang="en-US" smtClean="0"/>
-              <a:t>41</a:t>
+              <a:t>43</a:t>
             </a:fld>
             <a:endParaRPr lang="en-US"/>
           </a:p>
@@ -26175,7 +26965,7 @@
 </p:sld>
 </file>
 
-<file path=ppt/slides/slide42.xml><?xml version="1.0" encoding="utf-8"?>
+<file path=ppt/slides/slide44.xml><?xml version="1.0" encoding="utf-8"?>
 <p:sld xmlns:a="http://schemas.openxmlformats.org/drawingml/2006/main" xmlns:r="http://schemas.openxmlformats.org/officeDocument/2006/relationships" xmlns:p="http://schemas.openxmlformats.org/presentationml/2006/main">
   <p:cSld>
     <p:spTree>
@@ -26376,7 +27166,7 @@
           <a:p>
             <a:fld id="{ABDA560F-461C-6043-9BC4-489BA92F7161}" type="slidenum">
               <a:rPr lang="en-US" smtClean="0"/>
-              <a:t>42</a:t>
+              <a:t>44</a:t>
             </a:fld>
             <a:endParaRPr lang="en-US"/>
           </a:p>
@@ -26683,7 +27473,7 @@
 </p:sld>
 </file>
 
-<file path=ppt/slides/slide43.xml><?xml version="1.0" encoding="utf-8"?>
+<file path=ppt/slides/slide45.xml><?xml version="1.0" encoding="utf-8"?>
 <p:sld xmlns:a="http://schemas.openxmlformats.org/drawingml/2006/main" xmlns:r="http://schemas.openxmlformats.org/officeDocument/2006/relationships" xmlns:p="http://schemas.openxmlformats.org/presentationml/2006/main">
   <p:cSld>
     <p:spTree>
@@ -26822,7 +27612,7 @@
           <a:p>
             <a:fld id="{ABDA560F-461C-6043-9BC4-489BA92F7161}" type="slidenum">
               <a:rPr lang="en-US" smtClean="0"/>
-              <a:t>43</a:t>
+              <a:t>45</a:t>
             </a:fld>
             <a:endParaRPr lang="en-US"/>
           </a:p>
@@ -26904,6 +27694,393 @@
             <p:ph idx="1"/>
           </p:nvPr>
         </p:nvSpPr>
+        <p:spPr/>
+        <p:txBody>
+          <a:bodyPr>
+            <a:normAutofit/>
+          </a:bodyPr>
+          <a:lstStyle/>
+          <a:p>
+            <a:pPr marL="0" indent="0">
+              <a:buNone/>
+            </a:pPr>
+            <a:r>
+              <a:rPr lang="en-US" sz="3200" dirty="0">
+                <a:solidFill>
+                  <a:srgbClr val="202122"/>
+                </a:solidFill>
+                <a:latin typeface="Century Gothic" panose="020B0502020202020204" pitchFamily="34" charset="0"/>
+              </a:rPr>
+              <a:t>In most cases, a supercomputer has far more software installed than the average user will ever use. </a:t>
+            </a:r>
+          </a:p>
+          <a:p>
+            <a:pPr lvl="1"/>
+            <a:r>
+              <a:rPr lang="en-US" sz="2800" dirty="0">
+                <a:solidFill>
+                  <a:srgbClr val="202122"/>
+                </a:solidFill>
+                <a:latin typeface="Century Gothic" panose="020B0502020202020204" pitchFamily="34" charset="0"/>
+              </a:rPr>
+              <a:t>Users may need different versions of the same software, which in general cannot be installed nor used in parallel on the same system.</a:t>
+            </a:r>
+          </a:p>
+          <a:p>
+            <a:pPr lvl="1"/>
+            <a:r>
+              <a:rPr lang="en-US" sz="2800" dirty="0">
+                <a:solidFill>
+                  <a:srgbClr val="202122"/>
+                </a:solidFill>
+                <a:latin typeface="Century Gothic" panose="020B0502020202020204" pitchFamily="34" charset="0"/>
+              </a:rPr>
+              <a:t>The requirements for one package may adversely affect another package or even be mutually exclusive.</a:t>
+            </a:r>
+          </a:p>
+        </p:txBody>
+      </p:sp>
+      <p:sp>
+        <p:nvSpPr>
+          <p:cNvPr id="4" name="Date Placeholder 3">
+            <a:extLst>
+              <a:ext uri="{FF2B5EF4-FFF2-40B4-BE49-F238E27FC236}">
+                <a16:creationId xmlns:a16="http://schemas.microsoft.com/office/drawing/2014/main" id="{FB497113-4E89-1CAC-8F64-8E901EF4D66E}"/>
+              </a:ext>
+            </a:extLst>
+          </p:cNvPr>
+          <p:cNvSpPr>
+            <a:spLocks noGrp="1"/>
+          </p:cNvSpPr>
+          <p:nvPr>
+            <p:ph type="dt" sz="half" idx="10"/>
+          </p:nvPr>
+        </p:nvSpPr>
+        <p:spPr/>
+        <p:txBody>
+          <a:bodyPr/>
+          <a:lstStyle/>
+          <a:p>
+            <a:pPr algn="ctr"/>
+            <a:r>
+              <a:rPr lang="en-US" dirty="0"/>
+              <a:t>3/5/24</a:t>
+            </a:r>
+          </a:p>
+        </p:txBody>
+      </p:sp>
+      <p:pic>
+        <p:nvPicPr>
+          <p:cNvPr id="8" name="Picture 7" descr="A picture containing graphics, screenshot, font, graphic design&#10;&#10;Description automatically generated">
+            <a:extLst>
+              <a:ext uri="{FF2B5EF4-FFF2-40B4-BE49-F238E27FC236}">
+                <a16:creationId xmlns:a16="http://schemas.microsoft.com/office/drawing/2014/main" id="{A9F43A77-4393-CCF1-83C1-AE60C4D575C9}"/>
+              </a:ext>
+            </a:extLst>
+          </p:cNvPr>
+          <p:cNvPicPr>
+            <a:picLocks noChangeAspect="1"/>
+          </p:cNvPicPr>
+          <p:nvPr/>
+        </p:nvPicPr>
+        <p:blipFill>
+          <a:blip r:embed="rId3"/>
+          <a:stretch>
+            <a:fillRect/>
+          </a:stretch>
+        </p:blipFill>
+        <p:spPr>
+          <a:xfrm>
+            <a:off x="7886700" y="365125"/>
+            <a:ext cx="3467100" cy="1181100"/>
+          </a:xfrm>
+          <a:prstGeom prst="rect">
+            <a:avLst/>
+          </a:prstGeom>
+        </p:spPr>
+      </p:pic>
+      <p:sp>
+        <p:nvSpPr>
+          <p:cNvPr id="6" name="Slide Number Placeholder 5">
+            <a:extLst>
+              <a:ext uri="{FF2B5EF4-FFF2-40B4-BE49-F238E27FC236}">
+                <a16:creationId xmlns:a16="http://schemas.microsoft.com/office/drawing/2014/main" id="{36144FEF-64DE-C2A7-8E23-9740B4EDD3A2}"/>
+              </a:ext>
+            </a:extLst>
+          </p:cNvPr>
+          <p:cNvSpPr>
+            <a:spLocks noGrp="1"/>
+          </p:cNvSpPr>
+          <p:nvPr>
+            <p:ph type="sldNum" sz="quarter" idx="12"/>
+          </p:nvPr>
+        </p:nvSpPr>
+        <p:spPr/>
+        <p:txBody>
+          <a:bodyPr/>
+          <a:lstStyle/>
+          <a:p>
+            <a:fld id="{ABDA560F-461C-6043-9BC4-489BA92F7161}" type="slidenum">
+              <a:rPr lang="en-US" smtClean="0"/>
+              <a:t>5</a:t>
+            </a:fld>
+            <a:endParaRPr lang="en-US"/>
+          </a:p>
+        </p:txBody>
+      </p:sp>
+    </p:spTree>
+    <p:extLst>
+      <p:ext uri="{BB962C8B-B14F-4D97-AF65-F5344CB8AC3E}">
+        <p14:creationId xmlns:p14="http://schemas.microsoft.com/office/powerpoint/2010/main" val="3658172966"/>
+      </p:ext>
+    </p:extLst>
+  </p:cSld>
+  <p:clrMapOvr>
+    <a:masterClrMapping/>
+  </p:clrMapOvr>
+  <p:timing>
+    <p:tnLst>
+      <p:par>
+        <p:cTn id="1" dur="indefinite" restart="never" nodeType="tmRoot">
+          <p:childTnLst>
+            <p:seq concurrent="1" nextAc="seek">
+              <p:cTn id="2" dur="indefinite" nodeType="mainSeq">
+                <p:childTnLst>
+                  <p:par>
+                    <p:cTn id="3" fill="hold">
+                      <p:stCondLst>
+                        <p:cond delay="indefinite"/>
+                      </p:stCondLst>
+                      <p:childTnLst>
+                        <p:par>
+                          <p:cTn id="4" fill="hold">
+                            <p:stCondLst>
+                              <p:cond delay="0"/>
+                            </p:stCondLst>
+                            <p:childTnLst>
+                              <p:par>
+                                <p:cTn id="5" presetID="1" presetClass="entr" presetSubtype="0" fill="hold" nodeType="clickEffect">
+                                  <p:stCondLst>
+                                    <p:cond delay="0"/>
+                                  </p:stCondLst>
+                                  <p:childTnLst>
+                                    <p:set>
+                                      <p:cBhvr>
+                                        <p:cTn id="6" dur="1" fill="hold">
+                                          <p:stCondLst>
+                                            <p:cond delay="0"/>
+                                          </p:stCondLst>
+                                        </p:cTn>
+                                        <p:tgtEl>
+                                          <p:spTgt spid="3">
+                                            <p:txEl>
+                                              <p:pRg st="0" end="0"/>
+                                            </p:txEl>
+                                          </p:spTgt>
+                                        </p:tgtEl>
+                                        <p:attrNameLst>
+                                          <p:attrName>style.visibility</p:attrName>
+                                        </p:attrNameLst>
+                                      </p:cBhvr>
+                                      <p:to>
+                                        <p:strVal val="visible"/>
+                                      </p:to>
+                                    </p:set>
+                                  </p:childTnLst>
+                                </p:cTn>
+                              </p:par>
+                            </p:childTnLst>
+                          </p:cTn>
+                        </p:par>
+                      </p:childTnLst>
+                    </p:cTn>
+                  </p:par>
+                  <p:par>
+                    <p:cTn id="7" fill="hold">
+                      <p:stCondLst>
+                        <p:cond delay="indefinite"/>
+                      </p:stCondLst>
+                      <p:childTnLst>
+                        <p:par>
+                          <p:cTn id="8" fill="hold">
+                            <p:stCondLst>
+                              <p:cond delay="0"/>
+                            </p:stCondLst>
+                            <p:childTnLst>
+                              <p:par>
+                                <p:cTn id="9" presetID="1" presetClass="entr" presetSubtype="0" fill="hold" nodeType="clickEffect">
+                                  <p:stCondLst>
+                                    <p:cond delay="0"/>
+                                  </p:stCondLst>
+                                  <p:childTnLst>
+                                    <p:set>
+                                      <p:cBhvr>
+                                        <p:cTn id="10" dur="1" fill="hold">
+                                          <p:stCondLst>
+                                            <p:cond delay="0"/>
+                                          </p:stCondLst>
+                                        </p:cTn>
+                                        <p:tgtEl>
+                                          <p:spTgt spid="3">
+                                            <p:txEl>
+                                              <p:pRg st="1" end="1"/>
+                                            </p:txEl>
+                                          </p:spTgt>
+                                        </p:tgtEl>
+                                        <p:attrNameLst>
+                                          <p:attrName>style.visibility</p:attrName>
+                                        </p:attrNameLst>
+                                      </p:cBhvr>
+                                      <p:to>
+                                        <p:strVal val="visible"/>
+                                      </p:to>
+                                    </p:set>
+                                  </p:childTnLst>
+                                </p:cTn>
+                              </p:par>
+                            </p:childTnLst>
+                          </p:cTn>
+                        </p:par>
+                      </p:childTnLst>
+                    </p:cTn>
+                  </p:par>
+                  <p:par>
+                    <p:cTn id="11" fill="hold">
+                      <p:stCondLst>
+                        <p:cond delay="indefinite"/>
+                      </p:stCondLst>
+                      <p:childTnLst>
+                        <p:par>
+                          <p:cTn id="12" fill="hold">
+                            <p:stCondLst>
+                              <p:cond delay="0"/>
+                            </p:stCondLst>
+                            <p:childTnLst>
+                              <p:par>
+                                <p:cTn id="13" presetID="1" presetClass="entr" presetSubtype="0" fill="hold" nodeType="clickEffect">
+                                  <p:stCondLst>
+                                    <p:cond delay="0"/>
+                                  </p:stCondLst>
+                                  <p:childTnLst>
+                                    <p:set>
+                                      <p:cBhvr>
+                                        <p:cTn id="14" dur="1" fill="hold">
+                                          <p:stCondLst>
+                                            <p:cond delay="0"/>
+                                          </p:stCondLst>
+                                        </p:cTn>
+                                        <p:tgtEl>
+                                          <p:spTgt spid="3">
+                                            <p:txEl>
+                                              <p:pRg st="2" end="2"/>
+                                            </p:txEl>
+                                          </p:spTgt>
+                                        </p:tgtEl>
+                                        <p:attrNameLst>
+                                          <p:attrName>style.visibility</p:attrName>
+                                        </p:attrNameLst>
+                                      </p:cBhvr>
+                                      <p:to>
+                                        <p:strVal val="visible"/>
+                                      </p:to>
+                                    </p:set>
+                                  </p:childTnLst>
+                                </p:cTn>
+                              </p:par>
+                            </p:childTnLst>
+                          </p:cTn>
+                        </p:par>
+                      </p:childTnLst>
+                    </p:cTn>
+                  </p:par>
+                </p:childTnLst>
+              </p:cTn>
+              <p:prevCondLst>
+                <p:cond evt="onPrev" delay="0">
+                  <p:tgtEl>
+                    <p:sldTgt/>
+                  </p:tgtEl>
+                </p:cond>
+              </p:prevCondLst>
+              <p:nextCondLst>
+                <p:cond evt="onNext" delay="0">
+                  <p:tgtEl>
+                    <p:sldTgt/>
+                  </p:tgtEl>
+                </p:cond>
+              </p:nextCondLst>
+            </p:seq>
+          </p:childTnLst>
+        </p:cTn>
+      </p:par>
+    </p:tnLst>
+  </p:timing>
+</p:sld>
+</file>
+
+<file path=ppt/slides/slide6.xml><?xml version="1.0" encoding="utf-8"?>
+<p:sld xmlns:a="http://schemas.openxmlformats.org/drawingml/2006/main" xmlns:r="http://schemas.openxmlformats.org/officeDocument/2006/relationships" xmlns:p="http://schemas.openxmlformats.org/presentationml/2006/main">
+  <p:cSld>
+    <p:spTree>
+      <p:nvGrpSpPr>
+        <p:cNvPr id="1" name=""/>
+        <p:cNvGrpSpPr/>
+        <p:nvPr/>
+      </p:nvGrpSpPr>
+      <p:grpSpPr>
+        <a:xfrm>
+          <a:off x="0" y="0"/>
+          <a:ext cx="0" cy="0"/>
+          <a:chOff x="0" y="0"/>
+          <a:chExt cx="0" cy="0"/>
+        </a:xfrm>
+      </p:grpSpPr>
+      <p:sp>
+        <p:nvSpPr>
+          <p:cNvPr id="2" name="Title 1">
+            <a:extLst>
+              <a:ext uri="{FF2B5EF4-FFF2-40B4-BE49-F238E27FC236}">
+                <a16:creationId xmlns:a16="http://schemas.microsoft.com/office/drawing/2014/main" id="{6FADF519-AE7F-36C9-168F-1F04A49B8831}"/>
+              </a:ext>
+            </a:extLst>
+          </p:cNvPr>
+          <p:cNvSpPr>
+            <a:spLocks noGrp="1"/>
+          </p:cNvSpPr>
+          <p:nvPr>
+            <p:ph type="title"/>
+          </p:nvPr>
+        </p:nvSpPr>
+        <p:spPr/>
+        <p:txBody>
+          <a:bodyPr/>
+          <a:lstStyle/>
+          <a:p>
+            <a:r>
+              <a:rPr lang="en-US" b="1">
+                <a:latin typeface="Century Gothic" panose="020B0502020202020204" pitchFamily="34" charset="0"/>
+              </a:rPr>
+              <a:t>The Module System </a:t>
+            </a:r>
+          </a:p>
+        </p:txBody>
+      </p:sp>
+      <p:sp>
+        <p:nvSpPr>
+          <p:cNvPr id="3" name="Content Placeholder 2">
+            <a:extLst>
+              <a:ext uri="{FF2B5EF4-FFF2-40B4-BE49-F238E27FC236}">
+                <a16:creationId xmlns:a16="http://schemas.microsoft.com/office/drawing/2014/main" id="{6484EA7B-346E-9CB5-DB70-6227BCA98122}"/>
+              </a:ext>
+            </a:extLst>
+          </p:cNvPr>
+          <p:cNvSpPr>
+            <a:spLocks noGrp="1"/>
+          </p:cNvSpPr>
+          <p:nvPr>
+            <p:ph idx="1"/>
+          </p:nvPr>
+        </p:nvSpPr>
         <p:spPr>
           <a:xfrm>
             <a:off x="838200" y="3276473"/>
@@ -27115,7 +28292,7 @@
           <a:p>
             <a:fld id="{ABDA560F-461C-6043-9BC4-489BA92F7161}" type="slidenum">
               <a:rPr lang="en-US" smtClean="0"/>
-              <a:t>5</a:t>
+              <a:t>6</a:t>
             </a:fld>
             <a:endParaRPr lang="en-US"/>
           </a:p>
@@ -27262,7 +28439,7 @@
 </p:sld>
 </file>
 
-<file path=ppt/slides/slide6.xml><?xml version="1.0" encoding="utf-8"?>
+<file path=ppt/slides/slide7.xml><?xml version="1.0" encoding="utf-8"?>
 <p:sld xmlns:a="http://schemas.openxmlformats.org/drawingml/2006/main" xmlns:r="http://schemas.openxmlformats.org/officeDocument/2006/relationships" xmlns:p="http://schemas.openxmlformats.org/presentationml/2006/main">
   <p:cSld>
     <p:spTree>
@@ -27834,7 +29011,7 @@
           <a:p>
             <a:fld id="{ABDA560F-461C-6043-9BC4-489BA92F7161}" type="slidenum">
               <a:rPr lang="en-US" smtClean="0"/>
-              <a:t>6</a:t>
+              <a:t>7</a:t>
             </a:fld>
             <a:endParaRPr lang="en-US"/>
           </a:p>
@@ -27931,7 +29108,7 @@
 </p:sld>
 </file>
 
-<file path=ppt/slides/slide7.xml><?xml version="1.0" encoding="utf-8"?>
+<file path=ppt/slides/slide8.xml><?xml version="1.0" encoding="utf-8"?>
 <p:sld xmlns:a="http://schemas.openxmlformats.org/drawingml/2006/main" xmlns:r="http://schemas.openxmlformats.org/officeDocument/2006/relationships" xmlns:p="http://schemas.openxmlformats.org/presentationml/2006/main">
   <p:cSld>
     <p:spTree>
@@ -28443,7 +29620,7 @@
           <a:p>
             <a:fld id="{ABDA560F-461C-6043-9BC4-489BA92F7161}" type="slidenum">
               <a:rPr lang="en-US" smtClean="0"/>
-              <a:t>7</a:t>
+              <a:t>8</a:t>
             </a:fld>
             <a:endParaRPr lang="en-US"/>
           </a:p>
@@ -28462,7 +29639,7 @@
 </p:sld>
 </file>
 
-<file path=ppt/slides/slide8.xml><?xml version="1.0" encoding="utf-8"?>
+<file path=ppt/slides/slide9.xml><?xml version="1.0" encoding="utf-8"?>
 <p:sld xmlns:a="http://schemas.openxmlformats.org/drawingml/2006/main" xmlns:r="http://schemas.openxmlformats.org/officeDocument/2006/relationships" xmlns:p="http://schemas.openxmlformats.org/presentationml/2006/main">
   <p:cSld>
     <p:spTree>
@@ -28963,7 +30140,7 @@
           <a:p>
             <a:fld id="{ABDA560F-461C-6043-9BC4-489BA92F7161}" type="slidenum">
               <a:rPr lang="en-US" smtClean="0"/>
-              <a:t>8</a:t>
+              <a:t>9</a:t>
             </a:fld>
             <a:endParaRPr lang="en-US"/>
           </a:p>
@@ -28973,644 +30150,6 @@
     <p:extLst>
       <p:ext uri="{BB962C8B-B14F-4D97-AF65-F5344CB8AC3E}">
         <p14:creationId xmlns:p14="http://schemas.microsoft.com/office/powerpoint/2010/main" val="4148734956"/>
-      </p:ext>
-    </p:extLst>
-  </p:cSld>
-  <p:clrMapOvr>
-    <a:masterClrMapping/>
-  </p:clrMapOvr>
-</p:sld>
-</file>
-
-<file path=ppt/slides/slide9.xml><?xml version="1.0" encoding="utf-8"?>
-<p:sld xmlns:a="http://schemas.openxmlformats.org/drawingml/2006/main" xmlns:r="http://schemas.openxmlformats.org/officeDocument/2006/relationships" xmlns:p="http://schemas.openxmlformats.org/presentationml/2006/main">
-  <p:cSld>
-    <p:spTree>
-      <p:nvGrpSpPr>
-        <p:cNvPr id="1" name=""/>
-        <p:cNvGrpSpPr/>
-        <p:nvPr/>
-      </p:nvGrpSpPr>
-      <p:grpSpPr>
-        <a:xfrm>
-          <a:off x="0" y="0"/>
-          <a:ext cx="0" cy="0"/>
-          <a:chOff x="0" y="0"/>
-          <a:chExt cx="0" cy="0"/>
-        </a:xfrm>
-      </p:grpSpPr>
-      <p:sp>
-        <p:nvSpPr>
-          <p:cNvPr id="2" name="Title 1">
-            <a:extLst>
-              <a:ext uri="{FF2B5EF4-FFF2-40B4-BE49-F238E27FC236}">
-                <a16:creationId xmlns:a16="http://schemas.microsoft.com/office/drawing/2014/main" id="{6FADF519-AE7F-36C9-168F-1F04A49B8831}"/>
-              </a:ext>
-            </a:extLst>
-          </p:cNvPr>
-          <p:cNvSpPr>
-            <a:spLocks noGrp="1"/>
-          </p:cNvSpPr>
-          <p:nvPr>
-            <p:ph type="title"/>
-          </p:nvPr>
-        </p:nvSpPr>
-        <p:spPr/>
-        <p:txBody>
-          <a:bodyPr/>
-          <a:lstStyle/>
-          <a:p>
-            <a:r>
-              <a:rPr lang="en-US" b="1">
-                <a:latin typeface="Century Gothic" panose="020B0502020202020204" pitchFamily="34" charset="0"/>
-              </a:rPr>
-              <a:t>The Module System </a:t>
-            </a:r>
-          </a:p>
-        </p:txBody>
-      </p:sp>
-      <p:sp>
-        <p:nvSpPr>
-          <p:cNvPr id="3" name="Content Placeholder 2">
-            <a:extLst>
-              <a:ext uri="{FF2B5EF4-FFF2-40B4-BE49-F238E27FC236}">
-                <a16:creationId xmlns:a16="http://schemas.microsoft.com/office/drawing/2014/main" id="{6484EA7B-346E-9CB5-DB70-6227BCA98122}"/>
-              </a:ext>
-            </a:extLst>
-          </p:cNvPr>
-          <p:cNvSpPr>
-            <a:spLocks noGrp="1"/>
-          </p:cNvSpPr>
-          <p:nvPr>
-            <p:ph idx="1"/>
-          </p:nvPr>
-        </p:nvSpPr>
-        <p:spPr>
-          <a:xfrm>
-            <a:off x="838200" y="1546225"/>
-            <a:ext cx="10515600" cy="4351338"/>
-          </a:xfrm>
-        </p:spPr>
-        <p:txBody>
-          <a:bodyPr>
-            <a:normAutofit/>
-          </a:bodyPr>
-          <a:lstStyle/>
-          <a:p>
-            <a:pPr marL="0" indent="0">
-              <a:buNone/>
-            </a:pPr>
-            <a:r>
-              <a:rPr lang="en-US" sz="3200" i="1">
-                <a:latin typeface="Century Gothic" panose="020B0502020202020204" pitchFamily="34" charset="0"/>
-                <a:ea typeface="Helvetica Neue" panose="02000503000000020004" pitchFamily="2" charset="0"/>
-                <a:cs typeface="Helvetica Neue" panose="02000503000000020004" pitchFamily="2" charset="0"/>
-              </a:rPr>
-              <a:t>Live Demo</a:t>
-            </a:r>
-            <a:r>
-              <a:rPr lang="en-US" sz="3200">
-                <a:latin typeface="Century Gothic" panose="020B0502020202020204" pitchFamily="34" charset="0"/>
-                <a:ea typeface="Helvetica Neue" panose="02000503000000020004" pitchFamily="2" charset="0"/>
-                <a:cs typeface="Helvetica Neue" panose="02000503000000020004" pitchFamily="2" charset="0"/>
-              </a:rPr>
-              <a:t>: </a:t>
-            </a:r>
-            <a:r>
-              <a:rPr lang="en-US" sz="3200">
-                <a:latin typeface="Century Gothic" panose="020B0502020202020204" pitchFamily="34" charset="0"/>
-              </a:rPr>
-              <a:t>Useful </a:t>
-            </a:r>
-            <a:r>
-              <a:rPr lang="en-US" sz="3200" err="1">
-                <a:latin typeface="Century Gothic" panose="020B0502020202020204" pitchFamily="34" charset="0"/>
-              </a:rPr>
-              <a:t>Lmod</a:t>
-            </a:r>
-            <a:r>
-              <a:rPr lang="en-US" sz="3200">
-                <a:latin typeface="Century Gothic" panose="020B0502020202020204" pitchFamily="34" charset="0"/>
-              </a:rPr>
-              <a:t> commands</a:t>
-            </a:r>
-          </a:p>
-        </p:txBody>
-      </p:sp>
-      <p:sp>
-        <p:nvSpPr>
-          <p:cNvPr id="4" name="Date Placeholder 3">
-            <a:extLst>
-              <a:ext uri="{FF2B5EF4-FFF2-40B4-BE49-F238E27FC236}">
-                <a16:creationId xmlns:a16="http://schemas.microsoft.com/office/drawing/2014/main" id="{FB497113-4E89-1CAC-8F64-8E901EF4D66E}"/>
-              </a:ext>
-            </a:extLst>
-          </p:cNvPr>
-          <p:cNvSpPr>
-            <a:spLocks noGrp="1"/>
-          </p:cNvSpPr>
-          <p:nvPr>
-            <p:ph type="dt" sz="half" idx="10"/>
-          </p:nvPr>
-        </p:nvSpPr>
-        <p:spPr/>
-        <p:txBody>
-          <a:bodyPr/>
-          <a:lstStyle/>
-          <a:p>
-            <a:pPr algn="ctr"/>
-            <a:r>
-              <a:rPr lang="en-US" dirty="0"/>
-              <a:t>3/5/24</a:t>
-            </a:r>
-          </a:p>
-        </p:txBody>
-      </p:sp>
-      <p:pic>
-        <p:nvPicPr>
-          <p:cNvPr id="8" name="Picture 7" descr="A picture containing graphics, screenshot, font, graphic design&#10;&#10;Description automatically generated">
-            <a:extLst>
-              <a:ext uri="{FF2B5EF4-FFF2-40B4-BE49-F238E27FC236}">
-                <a16:creationId xmlns:a16="http://schemas.microsoft.com/office/drawing/2014/main" id="{A9F43A77-4393-CCF1-83C1-AE60C4D575C9}"/>
-              </a:ext>
-            </a:extLst>
-          </p:cNvPr>
-          <p:cNvPicPr>
-            <a:picLocks noChangeAspect="1"/>
-          </p:cNvPicPr>
-          <p:nvPr/>
-        </p:nvPicPr>
-        <p:blipFill>
-          <a:blip r:embed="rId3"/>
-          <a:stretch>
-            <a:fillRect/>
-          </a:stretch>
-        </p:blipFill>
-        <p:spPr>
-          <a:xfrm>
-            <a:off x="7886700" y="365125"/>
-            <a:ext cx="3467100" cy="1181100"/>
-          </a:xfrm>
-          <a:prstGeom prst="rect">
-            <a:avLst/>
-          </a:prstGeom>
-        </p:spPr>
-      </p:pic>
-      <p:grpSp>
-        <p:nvGrpSpPr>
-          <p:cNvPr id="6" name="Group 5">
-            <a:extLst>
-              <a:ext uri="{FF2B5EF4-FFF2-40B4-BE49-F238E27FC236}">
-                <a16:creationId xmlns:a16="http://schemas.microsoft.com/office/drawing/2014/main" id="{DA7B3A39-72BA-3A4B-C0BE-0C2BC796D6E1}"/>
-              </a:ext>
-            </a:extLst>
-          </p:cNvPr>
-          <p:cNvGrpSpPr/>
-          <p:nvPr/>
-        </p:nvGrpSpPr>
-        <p:grpSpPr>
-          <a:xfrm>
-            <a:off x="569877" y="2076384"/>
-            <a:ext cx="11052246" cy="4245434"/>
-            <a:chOff x="569877" y="3868113"/>
-            <a:chExt cx="11052246" cy="1583355"/>
-          </a:xfrm>
-        </p:grpSpPr>
-        <p:sp>
-          <p:nvSpPr>
-            <p:cNvPr id="7" name="Rectangle 6">
-              <a:extLst>
-                <a:ext uri="{FF2B5EF4-FFF2-40B4-BE49-F238E27FC236}">
-                  <a16:creationId xmlns:a16="http://schemas.microsoft.com/office/drawing/2014/main" id="{21AEDACD-5D20-4921-301A-2BF552F14543}"/>
-                </a:ext>
-              </a:extLst>
-            </p:cNvPr>
-            <p:cNvSpPr/>
-            <p:nvPr/>
-          </p:nvSpPr>
-          <p:spPr>
-            <a:xfrm>
-              <a:off x="569877" y="3911411"/>
-              <a:ext cx="11052246" cy="1496760"/>
-            </a:xfrm>
-            <a:prstGeom prst="rect">
-              <a:avLst/>
-            </a:prstGeom>
-            <a:solidFill>
-              <a:schemeClr val="bg2">
-                <a:lumMod val="90000"/>
-              </a:schemeClr>
-            </a:solidFill>
-            <a:ln>
-              <a:noFill/>
-            </a:ln>
-            <a:effectLst>
-              <a:softEdge rad="31750"/>
-            </a:effectLst>
-          </p:spPr>
-          <p:style>
-            <a:lnRef idx="2">
-              <a:schemeClr val="accent1">
-                <a:shade val="50000"/>
-              </a:schemeClr>
-            </a:lnRef>
-            <a:fillRef idx="1">
-              <a:schemeClr val="accent1"/>
-            </a:fillRef>
-            <a:effectRef idx="0">
-              <a:schemeClr val="accent1"/>
-            </a:effectRef>
-            <a:fontRef idx="minor">
-              <a:schemeClr val="lt1"/>
-            </a:fontRef>
-          </p:style>
-          <p:txBody>
-            <a:bodyPr rtlCol="0" anchor="ctr"/>
-            <a:lstStyle/>
-            <a:p>
-              <a:pPr algn="ctr"/>
-              <a:endParaRPr lang="en-US"/>
-            </a:p>
-          </p:txBody>
-        </p:sp>
-        <p:sp>
-          <p:nvSpPr>
-            <p:cNvPr id="9" name="Content Placeholder 2">
-              <a:extLst>
-                <a:ext uri="{FF2B5EF4-FFF2-40B4-BE49-F238E27FC236}">
-                  <a16:creationId xmlns:a16="http://schemas.microsoft.com/office/drawing/2014/main" id="{44D56538-8673-FD92-1F82-72A6749C8F0D}"/>
-                </a:ext>
-              </a:extLst>
-            </p:cNvPr>
-            <p:cNvSpPr txBox="1">
-              <a:spLocks/>
-            </p:cNvSpPr>
-            <p:nvPr/>
-          </p:nvSpPr>
-          <p:spPr>
-            <a:xfrm>
-              <a:off x="719528" y="3868113"/>
-              <a:ext cx="10634272" cy="1583355"/>
-            </a:xfrm>
-            <a:prstGeom prst="rect">
-              <a:avLst/>
-            </a:prstGeom>
-          </p:spPr>
-          <p:txBody>
-            <a:bodyPr vert="horz" lIns="91440" tIns="45720" rIns="91440" bIns="45720" rtlCol="0" anchor="t">
-              <a:noAutofit/>
-            </a:bodyPr>
-            <a:lstStyle>
-              <a:lvl1pPr marL="228600" indent="-228600" algn="l" defTabSz="914400" rtl="0" eaLnBrk="1" latinLnBrk="0" hangingPunct="1">
-                <a:lnSpc>
-                  <a:spcPct val="90000"/>
-                </a:lnSpc>
-                <a:spcBef>
-                  <a:spcPts val="1000"/>
-                </a:spcBef>
-                <a:buFont typeface="Arial" panose="020B0604020202020204" pitchFamily="34" charset="0"/>
-                <a:buChar char="•"/>
-                <a:defRPr sz="2800" kern="1200">
-                  <a:solidFill>
-                    <a:schemeClr val="tx1"/>
-                  </a:solidFill>
-                  <a:latin typeface="+mn-lt"/>
-                  <a:ea typeface="+mn-ea"/>
-                  <a:cs typeface="+mn-cs"/>
-                </a:defRPr>
-              </a:lvl1pPr>
-              <a:lvl2pPr marL="685800" indent="-228600" algn="l" defTabSz="914400" rtl="0" eaLnBrk="1" latinLnBrk="0" hangingPunct="1">
-                <a:lnSpc>
-                  <a:spcPct val="90000"/>
-                </a:lnSpc>
-                <a:spcBef>
-                  <a:spcPts val="500"/>
-                </a:spcBef>
-                <a:buFont typeface="Arial" panose="020B0604020202020204" pitchFamily="34" charset="0"/>
-                <a:buChar char="•"/>
-                <a:defRPr sz="2400" kern="1200">
-                  <a:solidFill>
-                    <a:schemeClr val="tx1"/>
-                  </a:solidFill>
-                  <a:latin typeface="+mn-lt"/>
-                  <a:ea typeface="+mn-ea"/>
-                  <a:cs typeface="+mn-cs"/>
-                </a:defRPr>
-              </a:lvl2pPr>
-              <a:lvl3pPr marL="1143000" indent="-228600" algn="l" defTabSz="914400" rtl="0" eaLnBrk="1" latinLnBrk="0" hangingPunct="1">
-                <a:lnSpc>
-                  <a:spcPct val="90000"/>
-                </a:lnSpc>
-                <a:spcBef>
-                  <a:spcPts val="500"/>
-                </a:spcBef>
-                <a:buFont typeface="Arial" panose="020B0604020202020204" pitchFamily="34" charset="0"/>
-                <a:buChar char="•"/>
-                <a:defRPr sz="2000" kern="1200">
-                  <a:solidFill>
-                    <a:schemeClr val="tx1"/>
-                  </a:solidFill>
-                  <a:latin typeface="+mn-lt"/>
-                  <a:ea typeface="+mn-ea"/>
-                  <a:cs typeface="+mn-cs"/>
-                </a:defRPr>
-              </a:lvl3pPr>
-              <a:lvl4pPr marL="1600200" indent="-228600" algn="l" defTabSz="914400" rtl="0" eaLnBrk="1" latinLnBrk="0" hangingPunct="1">
-                <a:lnSpc>
-                  <a:spcPct val="90000"/>
-                </a:lnSpc>
-                <a:spcBef>
-                  <a:spcPts val="500"/>
-                </a:spcBef>
-                <a:buFont typeface="Arial" panose="020B0604020202020204" pitchFamily="34" charset="0"/>
-                <a:buChar char="•"/>
-                <a:defRPr sz="1800" kern="1200">
-                  <a:solidFill>
-                    <a:schemeClr val="tx1"/>
-                  </a:solidFill>
-                  <a:latin typeface="+mn-lt"/>
-                  <a:ea typeface="+mn-ea"/>
-                  <a:cs typeface="+mn-cs"/>
-                </a:defRPr>
-              </a:lvl4pPr>
-              <a:lvl5pPr marL="2057400" indent="-228600" algn="l" defTabSz="914400" rtl="0" eaLnBrk="1" latinLnBrk="0" hangingPunct="1">
-                <a:lnSpc>
-                  <a:spcPct val="90000"/>
-                </a:lnSpc>
-                <a:spcBef>
-                  <a:spcPts val="500"/>
-                </a:spcBef>
-                <a:buFont typeface="Arial" panose="020B0604020202020204" pitchFamily="34" charset="0"/>
-                <a:buChar char="•"/>
-                <a:defRPr sz="1800" kern="1200">
-                  <a:solidFill>
-                    <a:schemeClr val="tx1"/>
-                  </a:solidFill>
-                  <a:latin typeface="+mn-lt"/>
-                  <a:ea typeface="+mn-ea"/>
-                  <a:cs typeface="+mn-cs"/>
-                </a:defRPr>
-              </a:lvl5pPr>
-              <a:lvl6pPr marL="2514600" indent="-228600" algn="l" defTabSz="914400" rtl="0" eaLnBrk="1" latinLnBrk="0" hangingPunct="1">
-                <a:lnSpc>
-                  <a:spcPct val="90000"/>
-                </a:lnSpc>
-                <a:spcBef>
-                  <a:spcPts val="500"/>
-                </a:spcBef>
-                <a:buFont typeface="Arial" panose="020B0604020202020204" pitchFamily="34" charset="0"/>
-                <a:buChar char="•"/>
-                <a:defRPr sz="1800" kern="1200">
-                  <a:solidFill>
-                    <a:schemeClr val="tx1"/>
-                  </a:solidFill>
-                  <a:latin typeface="+mn-lt"/>
-                  <a:ea typeface="+mn-ea"/>
-                  <a:cs typeface="+mn-cs"/>
-                </a:defRPr>
-              </a:lvl6pPr>
-              <a:lvl7pPr marL="2971800" indent="-228600" algn="l" defTabSz="914400" rtl="0" eaLnBrk="1" latinLnBrk="0" hangingPunct="1">
-                <a:lnSpc>
-                  <a:spcPct val="90000"/>
-                </a:lnSpc>
-                <a:spcBef>
-                  <a:spcPts val="500"/>
-                </a:spcBef>
-                <a:buFont typeface="Arial" panose="020B0604020202020204" pitchFamily="34" charset="0"/>
-                <a:buChar char="•"/>
-                <a:defRPr sz="1800" kern="1200">
-                  <a:solidFill>
-                    <a:schemeClr val="tx1"/>
-                  </a:solidFill>
-                  <a:latin typeface="+mn-lt"/>
-                  <a:ea typeface="+mn-ea"/>
-                  <a:cs typeface="+mn-cs"/>
-                </a:defRPr>
-              </a:lvl7pPr>
-              <a:lvl8pPr marL="3429000" indent="-228600" algn="l" defTabSz="914400" rtl="0" eaLnBrk="1" latinLnBrk="0" hangingPunct="1">
-                <a:lnSpc>
-                  <a:spcPct val="90000"/>
-                </a:lnSpc>
-                <a:spcBef>
-                  <a:spcPts val="500"/>
-                </a:spcBef>
-                <a:buFont typeface="Arial" panose="020B0604020202020204" pitchFamily="34" charset="0"/>
-                <a:buChar char="•"/>
-                <a:defRPr sz="1800" kern="1200">
-                  <a:solidFill>
-                    <a:schemeClr val="tx1"/>
-                  </a:solidFill>
-                  <a:latin typeface="+mn-lt"/>
-                  <a:ea typeface="+mn-ea"/>
-                  <a:cs typeface="+mn-cs"/>
-                </a:defRPr>
-              </a:lvl8pPr>
-              <a:lvl9pPr marL="3886200" indent="-228600" algn="l" defTabSz="914400" rtl="0" eaLnBrk="1" latinLnBrk="0" hangingPunct="1">
-                <a:lnSpc>
-                  <a:spcPct val="90000"/>
-                </a:lnSpc>
-                <a:spcBef>
-                  <a:spcPts val="500"/>
-                </a:spcBef>
-                <a:buFont typeface="Arial" panose="020B0604020202020204" pitchFamily="34" charset="0"/>
-                <a:buChar char="•"/>
-                <a:defRPr sz="1800" kern="1200">
-                  <a:solidFill>
-                    <a:schemeClr val="tx1"/>
-                  </a:solidFill>
-                  <a:latin typeface="+mn-lt"/>
-                  <a:ea typeface="+mn-ea"/>
-                  <a:cs typeface="+mn-cs"/>
-                </a:defRPr>
-              </a:lvl9pPr>
-            </a:lstStyle>
-            <a:p>
-              <a:pPr marL="0" indent="0">
-                <a:buFont typeface="Arial" panose="020B0604020202020204" pitchFamily="34" charset="0"/>
-                <a:buNone/>
-              </a:pPr>
-              <a:endParaRPr lang="en-US" sz="2000" dirty="0">
-                <a:latin typeface="Century Gothic" panose="020B0502020202020204" pitchFamily="34" charset="0"/>
-              </a:endParaRPr>
-            </a:p>
-            <a:p>
-              <a:pPr marL="0" indent="0">
-                <a:lnSpc>
-                  <a:spcPct val="100000"/>
-                </a:lnSpc>
-                <a:buFont typeface="Arial" panose="020B0604020202020204" pitchFamily="34" charset="0"/>
-                <a:buNone/>
-              </a:pPr>
-              <a:r>
-                <a:rPr lang="en-US" sz="2000" dirty="0">
-                  <a:latin typeface="Courier New" panose="02070309020205020404" pitchFamily="49" charset="0"/>
-                  <a:cs typeface="Courier New" panose="02070309020205020404" pitchFamily="49" charset="0"/>
-                </a:rPr>
-                <a:t>module spider				# list all available modules</a:t>
-              </a:r>
-            </a:p>
-            <a:p>
-              <a:pPr marL="0" indent="0">
-                <a:lnSpc>
-                  <a:spcPct val="100000"/>
-                </a:lnSpc>
-                <a:buFont typeface="Arial" panose="020B0604020202020204" pitchFamily="34" charset="0"/>
-                <a:buNone/>
-              </a:pPr>
-              <a:r>
-                <a:rPr lang="en-US" sz="2000" dirty="0">
-                  <a:latin typeface="Courier New" panose="02070309020205020404" pitchFamily="49" charset="0"/>
-                  <a:cs typeface="Courier New" panose="02070309020205020404" pitchFamily="49" charset="0"/>
-                </a:rPr>
-                <a:t>module avail				# list modules available to you</a:t>
-              </a:r>
-            </a:p>
-            <a:p>
-              <a:pPr marL="0" indent="0">
-                <a:lnSpc>
-                  <a:spcPct val="100000"/>
-                </a:lnSpc>
-                <a:buFont typeface="Arial" panose="020B0604020202020204" pitchFamily="34" charset="0"/>
-                <a:buNone/>
-              </a:pPr>
-              <a:r>
-                <a:rPr lang="en-US" sz="2000" dirty="0">
-                  <a:latin typeface="Courier New" panose="02070309020205020404" pitchFamily="49" charset="0"/>
-                  <a:cs typeface="Courier New" panose="02070309020205020404" pitchFamily="49" charset="0"/>
-                </a:rPr>
-                <a:t>module load &lt;package/version&gt;		# load a module into your env</a:t>
-              </a:r>
-            </a:p>
-            <a:p>
-              <a:pPr marL="0" indent="0">
-                <a:lnSpc>
-                  <a:spcPct val="100000"/>
-                </a:lnSpc>
-                <a:buFont typeface="Arial" panose="020B0604020202020204" pitchFamily="34" charset="0"/>
-                <a:buNone/>
-              </a:pPr>
-              <a:r>
-                <a:rPr lang="en-US" sz="2000" dirty="0">
-                  <a:latin typeface="Courier New" panose="02070309020205020404" pitchFamily="49" charset="0"/>
-                  <a:cs typeface="Courier New" panose="02070309020205020404" pitchFamily="49" charset="0"/>
-                </a:rPr>
-                <a:t>module purge				# unload all modules</a:t>
-              </a:r>
-            </a:p>
-            <a:p>
-              <a:pPr marL="0" indent="0">
-                <a:lnSpc>
-                  <a:spcPct val="100000"/>
-                </a:lnSpc>
-                <a:buFont typeface="Arial" panose="020B0604020202020204" pitchFamily="34" charset="0"/>
-                <a:buNone/>
-              </a:pPr>
-              <a:r>
-                <a:rPr lang="en-US" sz="2000" dirty="0">
-                  <a:latin typeface="Courier New" panose="02070309020205020404" pitchFamily="49" charset="0"/>
-                  <a:cs typeface="Courier New" panose="02070309020205020404" pitchFamily="49" charset="0"/>
-                </a:rPr>
-                <a:t>module list 				# list currently loaded modules</a:t>
-              </a:r>
-            </a:p>
-            <a:p>
-              <a:pPr marL="0" indent="0">
-                <a:lnSpc>
-                  <a:spcPct val="100000"/>
-                </a:lnSpc>
-                <a:buNone/>
-              </a:pPr>
-              <a:r>
-                <a:rPr lang="en-US" sz="2000" dirty="0">
-                  <a:latin typeface="Courier New" panose="02070309020205020404" pitchFamily="49" charset="0"/>
-                  <a:ea typeface="Helvetica Neue" panose="02000503000000020004" pitchFamily="2" charset="0"/>
-                  <a:cs typeface="Courier New" panose="02070309020205020404" pitchFamily="49" charset="0"/>
-                </a:rPr>
-                <a:t>module display &lt;package&gt; 		# display module info/help</a:t>
-              </a:r>
-            </a:p>
-            <a:p>
-              <a:pPr marL="0" indent="0">
-                <a:lnSpc>
-                  <a:spcPct val="100000"/>
-                </a:lnSpc>
-                <a:buNone/>
-              </a:pPr>
-              <a:r>
-                <a:rPr lang="en-US" sz="2000" dirty="0">
-                  <a:latin typeface="Courier New" panose="02070309020205020404" pitchFamily="49" charset="0"/>
-                  <a:ea typeface="Helvetica Neue" panose="02000503000000020004" pitchFamily="2" charset="0"/>
-                  <a:cs typeface="Courier New" panose="02070309020205020404" pitchFamily="49" charset="0"/>
-                </a:rPr>
-                <a:t>module spider &lt;package&gt;			# view info for all version</a:t>
-              </a:r>
-            </a:p>
-            <a:p>
-              <a:pPr marL="0" indent="0">
-                <a:lnSpc>
-                  <a:spcPct val="100000"/>
-                </a:lnSpc>
-                <a:buNone/>
-              </a:pPr>
-              <a:r>
-                <a:rPr lang="en-US" sz="2000" dirty="0">
-                  <a:latin typeface="Courier New" panose="02070309020205020404" pitchFamily="49" charset="0"/>
-                  <a:ea typeface="Helvetica Neue" panose="02000503000000020004" pitchFamily="2" charset="0"/>
-                  <a:cs typeface="Courier New" panose="02070309020205020404" pitchFamily="49" charset="0"/>
-                </a:rPr>
-                <a:t>module spider &lt;package/version&gt; 	# view info for specific version</a:t>
-              </a:r>
-            </a:p>
-            <a:p>
-              <a:pPr marL="0" indent="0">
-                <a:lnSpc>
-                  <a:spcPct val="100000"/>
-                </a:lnSpc>
-                <a:buNone/>
-              </a:pPr>
-              <a:r>
-                <a:rPr lang="en-US" sz="2000" dirty="0">
-                  <a:latin typeface="Monaco"/>
-                </a:rPr>
-                <a:t>	</a:t>
-              </a:r>
-            </a:p>
-          </p:txBody>
-        </p:sp>
-      </p:grpSp>
-      <p:sp>
-        <p:nvSpPr>
-          <p:cNvPr id="10" name="Slide Number Placeholder 9">
-            <a:extLst>
-              <a:ext uri="{FF2B5EF4-FFF2-40B4-BE49-F238E27FC236}">
-                <a16:creationId xmlns:a16="http://schemas.microsoft.com/office/drawing/2014/main" id="{8A564E97-89CB-7A68-2107-F1E85B8AC7C5}"/>
-              </a:ext>
-            </a:extLst>
-          </p:cNvPr>
-          <p:cNvSpPr>
-            <a:spLocks noGrp="1"/>
-          </p:cNvSpPr>
-          <p:nvPr>
-            <p:ph type="sldNum" sz="quarter" idx="12"/>
-          </p:nvPr>
-        </p:nvSpPr>
-        <p:spPr/>
-        <p:txBody>
-          <a:bodyPr/>
-          <a:lstStyle/>
-          <a:p>
-            <a:fld id="{ABDA560F-461C-6043-9BC4-489BA92F7161}" type="slidenum">
-              <a:rPr lang="en-US" smtClean="0"/>
-              <a:t>9</a:t>
-            </a:fld>
-            <a:endParaRPr lang="en-US"/>
-          </a:p>
-        </p:txBody>
-      </p:sp>
-    </p:spTree>
-    <p:extLst>
-      <p:ext uri="{BB962C8B-B14F-4D97-AF65-F5344CB8AC3E}">
-        <p14:creationId xmlns:p14="http://schemas.microsoft.com/office/powerpoint/2010/main" val="1361976318"/>
       </p:ext>
     </p:extLst>
   </p:cSld>
@@ -30177,15 +30716,6 @@
 </file>
 
 <file path=customXml/item1.xml><?xml version="1.0" encoding="utf-8"?>
-<?mso-contentType ?>
-<FormTemplates xmlns="http://schemas.microsoft.com/sharepoint/v3/contenttype/forms">
-  <Display>DocumentLibraryForm</Display>
-  <Edit>DocumentLibraryForm</Edit>
-  <New>DocumentLibraryForm</New>
-</FormTemplates>
-</file>
-
-<file path=customXml/item2.xml><?xml version="1.0" encoding="utf-8"?>
 <p:properties xmlns:p="http://schemas.microsoft.com/office/2006/metadata/properties" xmlns:xsi="http://www.w3.org/2001/XMLSchema-instance" xmlns:pc="http://schemas.microsoft.com/office/infopath/2007/PartnerControls">
   <documentManagement>
     <TaxCatchAll xmlns="92c16b9d-8c83-445e-a4f4-1fe3d2f43f13" xsi:nil="true"/>
@@ -30196,7 +30726,7 @@
 </p:properties>
 </file>
 
-<file path=customXml/item3.xml><?xml version="1.0" encoding="utf-8"?>
+<file path=customXml/item2.xml><?xml version="1.0" encoding="utf-8"?>
 <ct:contentTypeSchema xmlns:ct="http://schemas.microsoft.com/office/2006/metadata/contentType" xmlns:ma="http://schemas.microsoft.com/office/2006/metadata/properties/metaAttributes" ct:_="" ma:_="" ma:contentTypeName="Document" ma:contentTypeID="0x010100DC7320DB280744439FF1CC777D09ECA4" ma:contentTypeVersion="15" ma:contentTypeDescription="Create a new document." ma:contentTypeScope="" ma:versionID="e50b92032c956cc777cf00ac7d475189">
   <xsd:schema xmlns:xsd="http://www.w3.org/2001/XMLSchema" xmlns:xs="http://www.w3.org/2001/XMLSchema" xmlns:p="http://schemas.microsoft.com/office/2006/metadata/properties" xmlns:ns2="7e49f7d3-8802-46ca-9604-495ce27f67f4" xmlns:ns3="a1519f9a-9d6a-41c1-afc9-552e4069f82f" xmlns:ns4="92c16b9d-8c83-445e-a4f4-1fe3d2f43f13" targetNamespace="http://schemas.microsoft.com/office/2006/metadata/properties" ma:root="true" ma:fieldsID="fcd7cab68a23f1df7b42ced4f3edf141" ns2:_="" ns3:_="" ns4:_="">
     <xsd:import namespace="7e49f7d3-8802-46ca-9604-495ce27f67f4"/>
@@ -30438,15 +30968,16 @@
 </ct:contentTypeSchema>
 </file>
 
-<file path=customXml/itemProps1.xml><?xml version="1.0" encoding="utf-8"?>
-<ds:datastoreItem xmlns:ds="http://schemas.openxmlformats.org/officeDocument/2006/customXml" ds:itemID="{06B4C708-AA43-4CE7-BE2D-F9D9A02F4940}">
-  <ds:schemaRefs>
-    <ds:schemaRef ds:uri="http://schemas.microsoft.com/sharepoint/v3/contenttype/forms"/>
-  </ds:schemaRefs>
-</ds:datastoreItem>
+<file path=customXml/item3.xml><?xml version="1.0" encoding="utf-8"?>
+<?mso-contentType ?>
+<FormTemplates xmlns="http://schemas.microsoft.com/sharepoint/v3/contenttype/forms">
+  <Display>DocumentLibraryForm</Display>
+  <Edit>DocumentLibraryForm</Edit>
+  <New>DocumentLibraryForm</New>
+</FormTemplates>
 </file>
 
-<file path=customXml/itemProps2.xml><?xml version="1.0" encoding="utf-8"?>
+<file path=customXml/itemProps1.xml><?xml version="1.0" encoding="utf-8"?>
 <ds:datastoreItem xmlns:ds="http://schemas.openxmlformats.org/officeDocument/2006/customXml" ds:itemID="{4AB02FF4-25A1-49FE-9DF7-DD19F525B7FA}">
   <ds:schemaRefs>
     <ds:schemaRef ds:uri="7e49f7d3-8802-46ca-9604-495ce27f67f4"/>
@@ -30464,7 +30995,7 @@
 </ds:datastoreItem>
 </file>
 
-<file path=customXml/itemProps3.xml><?xml version="1.0" encoding="utf-8"?>
+<file path=customXml/itemProps2.xml><?xml version="1.0" encoding="utf-8"?>
 <ds:datastoreItem xmlns:ds="http://schemas.openxmlformats.org/officeDocument/2006/customXml" ds:itemID="{6BBC22CE-40EC-4545-8FE9-90326628051D}">
   <ds:schemaRefs>
     <ds:schemaRef ds:uri="7e49f7d3-8802-46ca-9604-495ce27f67f4"/>
@@ -30482,4 +31013,12 @@
     <ds:schemaRef ds:uri="http://www.w3.org/2001/XMLSchema"/>
   </ds:schemaRefs>
 </ds:datastoreItem>
+</file>
+
+<file path=customXml/itemProps3.xml><?xml version="1.0" encoding="utf-8"?>
+<ds:datastoreItem xmlns:ds="http://schemas.openxmlformats.org/officeDocument/2006/customXml" ds:itemID="{06B4C708-AA43-4CE7-BE2D-F9D9A02F4940}">
+  <ds:schemaRefs>
+    <ds:schemaRef ds:uri="http://schemas.microsoft.com/sharepoint/v3/contenttype/forms"/>
+  </ds:schemaRefs>
+</ds:datastoreItem>
 </file>